--- a/presentation/presentation.pptx
+++ b/presentation/presentation.pptx
@@ -5,10 +5,10 @@
     <p:sldMasterId id="2147483663" r:id="rId1"/>
   </p:sldMasterIdLst>
   <p:notesMasterIdLst>
-    <p:notesMasterId r:id="rId23"/>
+    <p:notesMasterId r:id="rId27"/>
   </p:notesMasterIdLst>
   <p:handoutMasterIdLst>
-    <p:handoutMasterId r:id="rId24"/>
+    <p:handoutMasterId r:id="rId28"/>
   </p:handoutMasterIdLst>
   <p:sldIdLst>
     <p:sldId id="279" r:id="rId2"/>
@@ -32,6 +32,10 @@
     <p:sldId id="317" r:id="rId20"/>
     <p:sldId id="318" r:id="rId21"/>
     <p:sldId id="319" r:id="rId22"/>
+    <p:sldId id="320" r:id="rId23"/>
+    <p:sldId id="321" r:id="rId24"/>
+    <p:sldId id="322" r:id="rId25"/>
+    <p:sldId id="323" r:id="rId26"/>
   </p:sldIdLst>
   <p:sldSz cx="9144000" cy="6858000" type="screen4x3"/>
   <p:notesSz cx="6858000" cy="9144000"/>
@@ -25478,25 +25482,25 @@
                 <a:ea typeface="ＭＳ Ｐゴシック"/>
                 <a:cs typeface="Arial"/>
               </a:rPr>
-              <a:t> - Mean SIFT</a:t>
-            </a:r>
-            <a:endParaRPr kumimoji="0" lang="it-IT" sz="900" b="0" i="0" u="none" strike="noStrike" kern="1200" cap="none" spc="0" normalizeH="0" baseline="0" noProof="0" dirty="0">
-              <a:ln>
-                <a:noFill/>
-              </a:ln>
-              <a:solidFill>
-                <a:srgbClr val="FFFFFF"/>
-              </a:solidFill>
-              <a:effectLst/>
-              <a:uLnTx/>
-              <a:uFillTx/>
-              <a:latin typeface="+mn-lt"/>
-              <a:ea typeface="ＭＳ Ｐゴシック" panose="020B0600070205080204" pitchFamily="34" charset="-128"/>
-              <a:cs typeface="Arial"/>
-            </a:endParaRPr>
-          </a:p>
-          <a:p>
-            <a:pPr>
+              <a:t> </a:t>
+            </a:r>
+          </a:p>
+          <a:p>
+            <a:pPr marL="0" marR="0" lvl="0" indent="0" algn="l" defTabSz="914400" rtl="0" eaLnBrk="1" fontAlgn="base" latinLnBrk="0" hangingPunct="1">
+              <a:lnSpc>
+                <a:spcPct val="100000"/>
+              </a:lnSpc>
+              <a:spcBef>
+                <a:spcPct val="0"/>
+              </a:spcBef>
+              <a:spcAft>
+                <a:spcPct val="0"/>
+              </a:spcAft>
+              <a:buClrTx/>
+              <a:buSzTx/>
+              <a:buFontTx/>
+              <a:buNone/>
+              <a:tabLst/>
               <a:defRPr/>
             </a:pPr>
             <a:r>
@@ -27518,6 +27522,3498 @@
     <p:extLst>
       <p:ext uri="{BB962C8B-B14F-4D97-AF65-F5344CB8AC3E}">
         <p14:creationId xmlns:p14="http://schemas.microsoft.com/office/powerpoint/2010/main" val="2192739441"/>
+      </p:ext>
+    </p:extLst>
+  </p:cSld>
+  <p:clrMapOvr>
+    <a:masterClrMapping/>
+  </p:clrMapOvr>
+</p:sld>
+</file>
+
+<file path=ppt/slides/slide22.xml><?xml version="1.0" encoding="utf-8"?>
+<p:sld xmlns:a="http://schemas.openxmlformats.org/drawingml/2006/main" xmlns:r="http://schemas.openxmlformats.org/officeDocument/2006/relationships" xmlns:p="http://schemas.openxmlformats.org/presentationml/2006/main">
+  <p:cSld>
+    <p:bg>
+      <p:bgPr>
+        <a:solidFill>
+          <a:srgbClr val="822433"/>
+        </a:solidFill>
+        <a:effectLst/>
+      </p:bgPr>
+    </p:bg>
+    <p:spTree>
+      <p:nvGrpSpPr>
+        <p:cNvPr id="1" name="">
+          <a:extLst>
+            <a:ext uri="{FF2B5EF4-FFF2-40B4-BE49-F238E27FC236}">
+              <a16:creationId xmlns:a16="http://schemas.microsoft.com/office/drawing/2014/main" id="{2447971A-BB7C-7241-7438-77FFBC459F12}"/>
+            </a:ext>
+          </a:extLst>
+        </p:cNvPr>
+        <p:cNvGrpSpPr/>
+        <p:nvPr/>
+      </p:nvGrpSpPr>
+      <p:grpSpPr>
+        <a:xfrm>
+          <a:off x="0" y="0"/>
+          <a:ext cx="0" cy="0"/>
+          <a:chOff x="0" y="0"/>
+          <a:chExt cx="0" cy="0"/>
+        </a:xfrm>
+      </p:grpSpPr>
+      <p:sp>
+        <p:nvSpPr>
+          <p:cNvPr id="5" name="Rettangolo 4">
+            <a:extLst>
+              <a:ext uri="{FF2B5EF4-FFF2-40B4-BE49-F238E27FC236}">
+                <a16:creationId xmlns:a16="http://schemas.microsoft.com/office/drawing/2014/main" id="{A1544B81-7391-87BC-4691-67C3238AFAF6}"/>
+              </a:ext>
+            </a:extLst>
+          </p:cNvPr>
+          <p:cNvSpPr/>
+          <p:nvPr/>
+        </p:nvSpPr>
+        <p:spPr>
+          <a:xfrm>
+            <a:off x="708440" y="900"/>
+            <a:ext cx="905635" cy="1080920"/>
+          </a:xfrm>
+          <a:prstGeom prst="rect">
+            <a:avLst/>
+          </a:prstGeom>
+          <a:solidFill>
+            <a:schemeClr val="bg1"/>
+          </a:solidFill>
+          <a:ln>
+            <a:noFill/>
+          </a:ln>
+        </p:spPr>
+        <p:style>
+          <a:lnRef idx="2">
+            <a:schemeClr val="accent1">
+              <a:shade val="15000"/>
+            </a:schemeClr>
+          </a:lnRef>
+          <a:fillRef idx="1">
+            <a:schemeClr val="accent1"/>
+          </a:fillRef>
+          <a:effectRef idx="0">
+            <a:schemeClr val="accent1"/>
+          </a:effectRef>
+          <a:fontRef idx="minor">
+            <a:schemeClr val="lt1"/>
+          </a:fontRef>
+        </p:style>
+        <p:txBody>
+          <a:bodyPr rtlCol="0" anchor="ctr"/>
+          <a:lstStyle/>
+          <a:p>
+            <a:pPr marL="0" marR="0" lvl="0" indent="0" algn="ctr" defTabSz="914400" rtl="0" eaLnBrk="0" fontAlgn="base" latinLnBrk="0" hangingPunct="0">
+              <a:lnSpc>
+                <a:spcPct val="100000"/>
+              </a:lnSpc>
+              <a:spcBef>
+                <a:spcPct val="0"/>
+              </a:spcBef>
+              <a:spcAft>
+                <a:spcPct val="0"/>
+              </a:spcAft>
+              <a:buClrTx/>
+              <a:buSzTx/>
+              <a:buFontTx/>
+              <a:buNone/>
+              <a:tabLst/>
+              <a:defRPr/>
+            </a:pPr>
+            <a:endParaRPr kumimoji="0" lang="it-IT" sz="900" b="0" i="0" u="none" strike="noStrike" kern="1200" cap="none" spc="0" normalizeH="0" baseline="0" noProof="0">
+              <a:ln>
+                <a:noFill/>
+              </a:ln>
+              <a:solidFill>
+                <a:prstClr val="white"/>
+              </a:solidFill>
+              <a:effectLst/>
+              <a:uLnTx/>
+              <a:uFillTx/>
+              <a:latin typeface="Neue Haas Grotesk Text Pro"/>
+              <a:ea typeface="+mn-ea"/>
+              <a:cs typeface="+mn-cs"/>
+            </a:endParaRPr>
+          </a:p>
+        </p:txBody>
+      </p:sp>
+      <p:pic>
+        <p:nvPicPr>
+          <p:cNvPr id="8" name="Immagine 7" descr="Partnership - Progetto MONALISA">
+            <a:extLst>
+              <a:ext uri="{FF2B5EF4-FFF2-40B4-BE49-F238E27FC236}">
+                <a16:creationId xmlns:a16="http://schemas.microsoft.com/office/drawing/2014/main" id="{FC643C46-AB1E-9200-7B4D-7224C35862E0}"/>
+              </a:ext>
+            </a:extLst>
+          </p:cNvPr>
+          <p:cNvPicPr>
+            <a:picLocks noChangeAspect="1"/>
+          </p:cNvPicPr>
+          <p:nvPr/>
+        </p:nvPicPr>
+        <p:blipFill>
+          <a:blip r:embed="rId2"/>
+          <a:srcRect r="74592" b="-781"/>
+          <a:stretch/>
+        </p:blipFill>
+        <p:spPr>
+          <a:xfrm>
+            <a:off x="863173" y="192812"/>
+            <a:ext cx="594540" cy="715792"/>
+          </a:xfrm>
+          <a:prstGeom prst="rect">
+            <a:avLst/>
+          </a:prstGeom>
+        </p:spPr>
+      </p:pic>
+      <p:sp>
+        <p:nvSpPr>
+          <p:cNvPr id="6" name="Rectangle 2">
+            <a:extLst>
+              <a:ext uri="{FF2B5EF4-FFF2-40B4-BE49-F238E27FC236}">
+                <a16:creationId xmlns:a16="http://schemas.microsoft.com/office/drawing/2014/main" id="{1447168E-F3EB-2E72-BC6D-AF8859E48EDD}"/>
+              </a:ext>
+            </a:extLst>
+          </p:cNvPr>
+          <p:cNvSpPr txBox="1">
+            <a:spLocks noChangeArrowheads="1"/>
+          </p:cNvSpPr>
+          <p:nvPr/>
+        </p:nvSpPr>
+        <p:spPr bwMode="auto">
+          <a:xfrm>
+            <a:off x="1920556" y="379656"/>
+            <a:ext cx="5306106" cy="701169"/>
+          </a:xfrm>
+          <a:prstGeom prst="rect">
+            <a:avLst/>
+          </a:prstGeom>
+          <a:noFill/>
+          <a:ln>
+            <a:noFill/>
+          </a:ln>
+          <a:extLst>
+            <a:ext uri="{909E8E84-426E-40DD-AFC4-6F175D3DCCD1}">
+              <a14:hiddenFill xmlns:a14="http://schemas.microsoft.com/office/drawing/2010/main">
+                <a:solidFill>
+                  <a:schemeClr val="accent1"/>
+                </a:solidFill>
+              </a14:hiddenFill>
+            </a:ext>
+            <a:ext uri="{91240B29-F687-4F45-9708-019B960494DF}">
+              <a14:hiddenLine xmlns:a14="http://schemas.microsoft.com/office/drawing/2010/main" w="9525">
+                <a:solidFill>
+                  <a:schemeClr val="tx1"/>
+                </a:solidFill>
+                <a:miter lim="800000"/>
+                <a:headEnd/>
+                <a:tailEnd/>
+              </a14:hiddenLine>
+            </a:ext>
+          </a:extLst>
+        </p:spPr>
+        <p:txBody>
+          <a:bodyPr vert="horz" wrap="square" lIns="91440" tIns="45720" rIns="91440" bIns="45720" numCol="1" anchor="t" anchorCtr="0" compatLnSpc="1">
+            <a:prstTxWarp prst="textNoShape">
+              <a:avLst/>
+            </a:prstTxWarp>
+          </a:bodyPr>
+          <a:lstStyle>
+            <a:defPPr>
+              <a:defRPr lang="it-IT"/>
+            </a:defPPr>
+            <a:lvl1pPr algn="l" rtl="0" eaLnBrk="0" fontAlgn="base" hangingPunct="0">
+              <a:spcBef>
+                <a:spcPct val="0"/>
+              </a:spcBef>
+              <a:spcAft>
+                <a:spcPct val="0"/>
+              </a:spcAft>
+              <a:defRPr sz="900" kern="1200">
+                <a:solidFill>
+                  <a:schemeClr val="bg1"/>
+                </a:solidFill>
+                <a:latin typeface="Arial" panose="020B0604020202020204" pitchFamily="34" charset="0"/>
+                <a:ea typeface="ＭＳ Ｐゴシック" panose="020B0600070205080204" pitchFamily="34" charset="-128"/>
+                <a:cs typeface="+mn-cs"/>
+              </a:defRPr>
+            </a:lvl1pPr>
+            <a:lvl2pPr marL="457200" algn="l" rtl="0" eaLnBrk="0" fontAlgn="base" hangingPunct="0">
+              <a:spcBef>
+                <a:spcPct val="0"/>
+              </a:spcBef>
+              <a:spcAft>
+                <a:spcPct val="0"/>
+              </a:spcAft>
+              <a:defRPr sz="900" kern="1200">
+                <a:solidFill>
+                  <a:schemeClr val="bg1"/>
+                </a:solidFill>
+                <a:latin typeface="Arial" panose="020B0604020202020204" pitchFamily="34" charset="0"/>
+                <a:ea typeface="ＭＳ Ｐゴシック" panose="020B0600070205080204" pitchFamily="34" charset="-128"/>
+                <a:cs typeface="+mn-cs"/>
+              </a:defRPr>
+            </a:lvl2pPr>
+            <a:lvl3pPr marL="914400" algn="l" rtl="0" eaLnBrk="0" fontAlgn="base" hangingPunct="0">
+              <a:spcBef>
+                <a:spcPct val="0"/>
+              </a:spcBef>
+              <a:spcAft>
+                <a:spcPct val="0"/>
+              </a:spcAft>
+              <a:defRPr sz="900" kern="1200">
+                <a:solidFill>
+                  <a:schemeClr val="bg1"/>
+                </a:solidFill>
+                <a:latin typeface="Arial" panose="020B0604020202020204" pitchFamily="34" charset="0"/>
+                <a:ea typeface="ＭＳ Ｐゴシック" panose="020B0600070205080204" pitchFamily="34" charset="-128"/>
+                <a:cs typeface="+mn-cs"/>
+              </a:defRPr>
+            </a:lvl3pPr>
+            <a:lvl4pPr marL="1371600" algn="l" rtl="0" eaLnBrk="0" fontAlgn="base" hangingPunct="0">
+              <a:spcBef>
+                <a:spcPct val="0"/>
+              </a:spcBef>
+              <a:spcAft>
+                <a:spcPct val="0"/>
+              </a:spcAft>
+              <a:defRPr sz="900" kern="1200">
+                <a:solidFill>
+                  <a:schemeClr val="bg1"/>
+                </a:solidFill>
+                <a:latin typeface="Arial" panose="020B0604020202020204" pitchFamily="34" charset="0"/>
+                <a:ea typeface="ＭＳ Ｐゴシック" panose="020B0600070205080204" pitchFamily="34" charset="-128"/>
+                <a:cs typeface="+mn-cs"/>
+              </a:defRPr>
+            </a:lvl4pPr>
+            <a:lvl5pPr marL="1828800" algn="l" rtl="0" eaLnBrk="0" fontAlgn="base" hangingPunct="0">
+              <a:spcBef>
+                <a:spcPct val="0"/>
+              </a:spcBef>
+              <a:spcAft>
+                <a:spcPct val="0"/>
+              </a:spcAft>
+              <a:defRPr sz="900" kern="1200">
+                <a:solidFill>
+                  <a:schemeClr val="bg1"/>
+                </a:solidFill>
+                <a:latin typeface="Arial" panose="020B0604020202020204" pitchFamily="34" charset="0"/>
+                <a:ea typeface="ＭＳ Ｐゴシック" panose="020B0600070205080204" pitchFamily="34" charset="-128"/>
+                <a:cs typeface="+mn-cs"/>
+              </a:defRPr>
+            </a:lvl5pPr>
+            <a:lvl6pPr marL="2286000" algn="l" defTabSz="914400" rtl="0" eaLnBrk="1" latinLnBrk="0" hangingPunct="1">
+              <a:defRPr sz="900" kern="1200">
+                <a:solidFill>
+                  <a:schemeClr val="bg1"/>
+                </a:solidFill>
+                <a:latin typeface="Arial" panose="020B0604020202020204" pitchFamily="34" charset="0"/>
+                <a:ea typeface="ＭＳ Ｐゴシック" panose="020B0600070205080204" pitchFamily="34" charset="-128"/>
+                <a:cs typeface="+mn-cs"/>
+              </a:defRPr>
+            </a:lvl6pPr>
+            <a:lvl7pPr marL="2743200" algn="l" defTabSz="914400" rtl="0" eaLnBrk="1" latinLnBrk="0" hangingPunct="1">
+              <a:defRPr sz="900" kern="1200">
+                <a:solidFill>
+                  <a:schemeClr val="bg1"/>
+                </a:solidFill>
+                <a:latin typeface="Arial" panose="020B0604020202020204" pitchFamily="34" charset="0"/>
+                <a:ea typeface="ＭＳ Ｐゴシック" panose="020B0600070205080204" pitchFamily="34" charset="-128"/>
+                <a:cs typeface="+mn-cs"/>
+              </a:defRPr>
+            </a:lvl7pPr>
+            <a:lvl8pPr marL="3200400" algn="l" defTabSz="914400" rtl="0" eaLnBrk="1" latinLnBrk="0" hangingPunct="1">
+              <a:defRPr sz="900" kern="1200">
+                <a:solidFill>
+                  <a:schemeClr val="bg1"/>
+                </a:solidFill>
+                <a:latin typeface="Arial" panose="020B0604020202020204" pitchFamily="34" charset="0"/>
+                <a:ea typeface="ＭＳ Ｐゴシック" panose="020B0600070205080204" pitchFamily="34" charset="-128"/>
+                <a:cs typeface="+mn-cs"/>
+              </a:defRPr>
+            </a:lvl8pPr>
+            <a:lvl9pPr marL="3657600" algn="l" defTabSz="914400" rtl="0" eaLnBrk="1" latinLnBrk="0" hangingPunct="1">
+              <a:defRPr sz="900" kern="1200">
+                <a:solidFill>
+                  <a:schemeClr val="bg1"/>
+                </a:solidFill>
+                <a:latin typeface="Arial" panose="020B0604020202020204" pitchFamily="34" charset="0"/>
+                <a:ea typeface="ＭＳ Ｐゴシック" panose="020B0600070205080204" pitchFamily="34" charset="-128"/>
+                <a:cs typeface="+mn-cs"/>
+              </a:defRPr>
+            </a:lvl9pPr>
+          </a:lstStyle>
+          <a:p>
+            <a:pPr marL="0" marR="0" lvl="0" indent="0" algn="l" defTabSz="914400" rtl="0" eaLnBrk="1" fontAlgn="base" latinLnBrk="0" hangingPunct="1">
+              <a:lnSpc>
+                <a:spcPct val="100000"/>
+              </a:lnSpc>
+              <a:spcBef>
+                <a:spcPct val="0"/>
+              </a:spcBef>
+              <a:spcAft>
+                <a:spcPct val="0"/>
+              </a:spcAft>
+              <a:buClrTx/>
+              <a:buSzTx/>
+              <a:buFontTx/>
+              <a:buNone/>
+              <a:tabLst/>
+              <a:defRPr/>
+            </a:pPr>
+            <a:r>
+              <a:rPr kumimoji="0" lang="it-IT" sz="2000" b="1" i="0" u="none" strike="noStrike" kern="1200" cap="none" spc="0" normalizeH="0" baseline="0" noProof="0" err="1">
+                <a:ln>
+                  <a:noFill/>
+                </a:ln>
+                <a:solidFill>
+                  <a:prstClr val="white"/>
+                </a:solidFill>
+                <a:effectLst/>
+                <a:uLnTx/>
+                <a:uFillTx/>
+                <a:latin typeface="Neue Haas Grotesk Text Pro"/>
+                <a:ea typeface="ＭＳ Ｐゴシック"/>
+                <a:cs typeface="Arial"/>
+              </a:rPr>
+              <a:t>Table</a:t>
+            </a:r>
+            <a:r>
+              <a:rPr kumimoji="0" lang="it-IT" sz="2000" b="1" i="0" u="none" strike="noStrike" kern="1200" cap="none" spc="0" normalizeH="0" baseline="0" noProof="0">
+                <a:ln>
+                  <a:noFill/>
+                </a:ln>
+                <a:solidFill>
+                  <a:prstClr val="white"/>
+                </a:solidFill>
+                <a:effectLst/>
+                <a:uLnTx/>
+                <a:uFillTx/>
+                <a:latin typeface="Neue Haas Grotesk Text Pro"/>
+                <a:ea typeface="ＭＳ Ｐゴシック"/>
+                <a:cs typeface="Arial"/>
+              </a:rPr>
+              <a:t> of </a:t>
+            </a:r>
+            <a:r>
+              <a:rPr kumimoji="0" lang="it-IT" sz="2000" b="1" i="0" u="none" strike="noStrike" kern="1200" cap="none" spc="0" normalizeH="0" baseline="0" noProof="0" err="1">
+                <a:ln>
+                  <a:noFill/>
+                </a:ln>
+                <a:solidFill>
+                  <a:prstClr val="white"/>
+                </a:solidFill>
+                <a:effectLst/>
+                <a:uLnTx/>
+                <a:uFillTx/>
+                <a:latin typeface="Neue Haas Grotesk Text Pro"/>
+                <a:ea typeface="ＭＳ Ｐゴシック"/>
+                <a:cs typeface="Arial"/>
+              </a:rPr>
+              <a:t>Contents</a:t>
+            </a:r>
+            <a:endParaRPr kumimoji="0" lang="it-IT" sz="2000" b="1" i="0" u="none" strike="noStrike" kern="1200" cap="none" spc="0" normalizeH="0" baseline="0" noProof="0">
+              <a:ln>
+                <a:noFill/>
+              </a:ln>
+              <a:solidFill>
+                <a:prstClr val="white"/>
+              </a:solidFill>
+              <a:effectLst/>
+              <a:uLnTx/>
+              <a:uFillTx/>
+              <a:latin typeface="Neue Haas Grotesk Text Pro"/>
+              <a:ea typeface="ＭＳ Ｐゴシック" panose="020B0600070205080204" pitchFamily="34" charset="-128"/>
+              <a:cs typeface="Arial"/>
+            </a:endParaRPr>
+          </a:p>
+          <a:p>
+            <a:pPr>
+              <a:defRPr/>
+            </a:pPr>
+            <a:r>
+              <a:rPr kumimoji="0" lang="it-IT" sz="1200" b="0" i="0" u="none" strike="noStrike" kern="1200" cap="none" spc="0" normalizeH="0" baseline="0" noProof="0" err="1">
+                <a:ln>
+                  <a:noFill/>
+                </a:ln>
+                <a:solidFill>
+                  <a:prstClr val="white"/>
+                </a:solidFill>
+                <a:effectLst/>
+                <a:uLnTx/>
+                <a:uFillTx/>
+                <a:latin typeface="Neue Haas Grotesk Text Pro"/>
+                <a:ea typeface="ＭＳ Ｐゴシック"/>
+                <a:cs typeface="Arial"/>
+              </a:rPr>
+              <a:t>Introduction</a:t>
+            </a:r>
+            <a:endParaRPr kumimoji="0" lang="it-IT" sz="900" b="0" i="0" u="none" strike="noStrike" kern="1200" cap="none" spc="0" normalizeH="0" baseline="0" noProof="0">
+              <a:ln>
+                <a:noFill/>
+              </a:ln>
+              <a:solidFill>
+                <a:prstClr val="white"/>
+              </a:solidFill>
+              <a:effectLst/>
+              <a:uLnTx/>
+              <a:uFillTx/>
+              <a:latin typeface="Neue Haas Grotesk Text Pro"/>
+              <a:ea typeface="ＭＳ Ｐゴシック" panose="020B0600070205080204" pitchFamily="34" charset="-128"/>
+              <a:cs typeface="Arial"/>
+            </a:endParaRPr>
+          </a:p>
+        </p:txBody>
+      </p:sp>
+      <p:sp>
+        <p:nvSpPr>
+          <p:cNvPr id="12" name="Segnaposto numero diapositiva 5">
+            <a:extLst>
+              <a:ext uri="{FF2B5EF4-FFF2-40B4-BE49-F238E27FC236}">
+                <a16:creationId xmlns:a16="http://schemas.microsoft.com/office/drawing/2014/main" id="{7EBF9691-537A-3158-74AF-9ABC1125EA26}"/>
+              </a:ext>
+            </a:extLst>
+          </p:cNvPr>
+          <p:cNvSpPr txBox="1">
+            <a:spLocks/>
+          </p:cNvSpPr>
+          <p:nvPr/>
+        </p:nvSpPr>
+        <p:spPr>
+          <a:xfrm>
+            <a:off x="-396552" y="6399900"/>
+            <a:ext cx="1905000" cy="457200"/>
+          </a:xfrm>
+          <a:prstGeom prst="rect">
+            <a:avLst/>
+          </a:prstGeom>
+          <a:noFill/>
+          <a:extLst>
+            <a:ext uri="{909E8E84-426E-40DD-AFC4-6F175D3DCCD1}">
+              <a14:hiddenFill xmlns:a14="http://schemas.microsoft.com/office/drawing/2010/main">
+                <a:solidFill>
+                  <a:schemeClr val="accent1"/>
+                </a:solidFill>
+              </a14:hiddenFill>
+            </a:ext>
+            <a:ext uri="{91240B29-F687-4F45-9708-019B960494DF}">
+              <a14:hiddenLine xmlns:a14="http://schemas.microsoft.com/office/drawing/2010/main" w="9525">
+                <a:solidFill>
+                  <a:schemeClr val="tx1"/>
+                </a:solidFill>
+                <a:miter lim="800000"/>
+                <a:headEnd/>
+                <a:tailEnd/>
+              </a14:hiddenLine>
+            </a:ext>
+          </a:extLst>
+        </p:spPr>
+        <p:txBody>
+          <a:bodyPr vert="horz" lIns="91440" tIns="45720" rIns="91440" bIns="45720" rtlCol="0" anchor="ctr"/>
+          <a:lstStyle>
+            <a:defPPr>
+              <a:defRPr lang="it-IT"/>
+            </a:defPPr>
+            <a:lvl1pPr algn="r" rtl="0" eaLnBrk="0" fontAlgn="base" hangingPunct="0">
+              <a:spcBef>
+                <a:spcPct val="20000"/>
+              </a:spcBef>
+              <a:spcAft>
+                <a:spcPct val="0"/>
+              </a:spcAft>
+              <a:buClr>
+                <a:srgbClr val="822433"/>
+              </a:buClr>
+              <a:buChar char="•"/>
+              <a:defRPr sz="2400" kern="1200">
+                <a:solidFill>
+                  <a:srgbClr val="000000"/>
+                </a:solidFill>
+                <a:latin typeface="Arial" panose="020B0604020202020204" pitchFamily="34" charset="0"/>
+                <a:ea typeface="ＭＳ Ｐゴシック" panose="020B0600070205080204" pitchFamily="34" charset="-128"/>
+                <a:cs typeface="+mn-cs"/>
+              </a:defRPr>
+            </a:lvl1pPr>
+            <a:lvl2pPr marL="742950" indent="-285750" algn="l" rtl="0" eaLnBrk="0" fontAlgn="base" hangingPunct="0">
+              <a:spcBef>
+                <a:spcPct val="20000"/>
+              </a:spcBef>
+              <a:spcAft>
+                <a:spcPct val="0"/>
+              </a:spcAft>
+              <a:buChar char="–"/>
+              <a:defRPr sz="2000" kern="1200">
+                <a:solidFill>
+                  <a:srgbClr val="000000"/>
+                </a:solidFill>
+                <a:latin typeface="Arial" panose="020B0604020202020204" pitchFamily="34" charset="0"/>
+                <a:ea typeface="ＭＳ Ｐゴシック" panose="020B0600070205080204" pitchFamily="34" charset="-128"/>
+                <a:cs typeface="+mn-cs"/>
+              </a:defRPr>
+            </a:lvl2pPr>
+            <a:lvl3pPr marL="1143000" indent="-228600" algn="l" rtl="0" eaLnBrk="0" fontAlgn="base" hangingPunct="0">
+              <a:spcBef>
+                <a:spcPct val="20000"/>
+              </a:spcBef>
+              <a:spcAft>
+                <a:spcPct val="0"/>
+              </a:spcAft>
+              <a:buChar char="•"/>
+              <a:defRPr sz="1600" kern="1200">
+                <a:solidFill>
+                  <a:srgbClr val="000000"/>
+                </a:solidFill>
+                <a:latin typeface="Arial" panose="020B0604020202020204" pitchFamily="34" charset="0"/>
+                <a:ea typeface="ＭＳ Ｐゴシック" panose="020B0600070205080204" pitchFamily="34" charset="-128"/>
+                <a:cs typeface="+mn-cs"/>
+              </a:defRPr>
+            </a:lvl3pPr>
+            <a:lvl4pPr marL="1600200" indent="-228600" algn="l" rtl="0" eaLnBrk="0" fontAlgn="base" hangingPunct="0">
+              <a:spcBef>
+                <a:spcPct val="20000"/>
+              </a:spcBef>
+              <a:spcAft>
+                <a:spcPct val="0"/>
+              </a:spcAft>
+              <a:buChar char="–"/>
+              <a:defRPr sz="1400" kern="1200">
+                <a:solidFill>
+                  <a:srgbClr val="000000"/>
+                </a:solidFill>
+                <a:latin typeface="Arial" panose="020B0604020202020204" pitchFamily="34" charset="0"/>
+                <a:ea typeface="ＭＳ Ｐゴシック" panose="020B0600070205080204" pitchFamily="34" charset="-128"/>
+                <a:cs typeface="+mn-cs"/>
+              </a:defRPr>
+            </a:lvl4pPr>
+            <a:lvl5pPr marL="2057400" indent="-228600" algn="l" rtl="0" eaLnBrk="0" fontAlgn="base" hangingPunct="0">
+              <a:spcBef>
+                <a:spcPct val="20000"/>
+              </a:spcBef>
+              <a:spcAft>
+                <a:spcPct val="0"/>
+              </a:spcAft>
+              <a:buChar char="»"/>
+              <a:defRPr sz="1200" kern="1200">
+                <a:solidFill>
+                  <a:srgbClr val="000000"/>
+                </a:solidFill>
+                <a:latin typeface="Arial" panose="020B0604020202020204" pitchFamily="34" charset="0"/>
+                <a:ea typeface="ＭＳ Ｐゴシック" panose="020B0600070205080204" pitchFamily="34" charset="-128"/>
+                <a:cs typeface="+mn-cs"/>
+              </a:defRPr>
+            </a:lvl5pPr>
+            <a:lvl6pPr marL="2514600" indent="-228600" algn="l" defTabSz="914400" rtl="0" eaLnBrk="0" fontAlgn="base" latinLnBrk="0" hangingPunct="0">
+              <a:spcBef>
+                <a:spcPct val="20000"/>
+              </a:spcBef>
+              <a:spcAft>
+                <a:spcPct val="0"/>
+              </a:spcAft>
+              <a:buChar char="»"/>
+              <a:defRPr sz="1200" kern="1200">
+                <a:solidFill>
+                  <a:srgbClr val="000000"/>
+                </a:solidFill>
+                <a:latin typeface="Arial" panose="020B0604020202020204" pitchFamily="34" charset="0"/>
+                <a:ea typeface="ＭＳ Ｐゴシック" panose="020B0600070205080204" pitchFamily="34" charset="-128"/>
+                <a:cs typeface="+mn-cs"/>
+              </a:defRPr>
+            </a:lvl6pPr>
+            <a:lvl7pPr marL="2971800" indent="-228600" algn="l" defTabSz="914400" rtl="0" eaLnBrk="0" fontAlgn="base" latinLnBrk="0" hangingPunct="0">
+              <a:spcBef>
+                <a:spcPct val="20000"/>
+              </a:spcBef>
+              <a:spcAft>
+                <a:spcPct val="0"/>
+              </a:spcAft>
+              <a:buChar char="»"/>
+              <a:defRPr sz="1200" kern="1200">
+                <a:solidFill>
+                  <a:srgbClr val="000000"/>
+                </a:solidFill>
+                <a:latin typeface="Arial" panose="020B0604020202020204" pitchFamily="34" charset="0"/>
+                <a:ea typeface="ＭＳ Ｐゴシック" panose="020B0600070205080204" pitchFamily="34" charset="-128"/>
+                <a:cs typeface="+mn-cs"/>
+              </a:defRPr>
+            </a:lvl7pPr>
+            <a:lvl8pPr marL="3429000" indent="-228600" algn="l" defTabSz="914400" rtl="0" eaLnBrk="0" fontAlgn="base" latinLnBrk="0" hangingPunct="0">
+              <a:spcBef>
+                <a:spcPct val="20000"/>
+              </a:spcBef>
+              <a:spcAft>
+                <a:spcPct val="0"/>
+              </a:spcAft>
+              <a:buChar char="»"/>
+              <a:defRPr sz="1200" kern="1200">
+                <a:solidFill>
+                  <a:srgbClr val="000000"/>
+                </a:solidFill>
+                <a:latin typeface="Arial" panose="020B0604020202020204" pitchFamily="34" charset="0"/>
+                <a:ea typeface="ＭＳ Ｐゴシック" panose="020B0600070205080204" pitchFamily="34" charset="-128"/>
+                <a:cs typeface="+mn-cs"/>
+              </a:defRPr>
+            </a:lvl8pPr>
+            <a:lvl9pPr marL="3886200" indent="-228600" algn="l" defTabSz="914400" rtl="0" eaLnBrk="0" fontAlgn="base" latinLnBrk="0" hangingPunct="0">
+              <a:spcBef>
+                <a:spcPct val="20000"/>
+              </a:spcBef>
+              <a:spcAft>
+                <a:spcPct val="0"/>
+              </a:spcAft>
+              <a:buChar char="»"/>
+              <a:defRPr sz="1200" kern="1200">
+                <a:solidFill>
+                  <a:srgbClr val="000000"/>
+                </a:solidFill>
+                <a:latin typeface="Arial" panose="020B0604020202020204" pitchFamily="34" charset="0"/>
+                <a:ea typeface="ＭＳ Ｐゴシック" panose="020B0600070205080204" pitchFamily="34" charset="-128"/>
+                <a:cs typeface="+mn-cs"/>
+              </a:defRPr>
+            </a:lvl9pPr>
+          </a:lstStyle>
+          <a:p>
+            <a:pPr marL="0" marR="0" lvl="0" indent="0" algn="r" defTabSz="914400" rtl="0" eaLnBrk="0" fontAlgn="base" latinLnBrk="0" hangingPunct="0">
+              <a:lnSpc>
+                <a:spcPct val="100000"/>
+              </a:lnSpc>
+              <a:spcBef>
+                <a:spcPct val="0"/>
+              </a:spcBef>
+              <a:spcAft>
+                <a:spcPct val="0"/>
+              </a:spcAft>
+              <a:buClrTx/>
+              <a:buSzTx/>
+              <a:buFontTx/>
+              <a:buNone/>
+              <a:tabLst/>
+              <a:defRPr/>
+            </a:pPr>
+            <a:r>
+              <a:rPr kumimoji="0" lang="it-IT" altLang="it-IT" sz="1100" b="0" i="0" u="none" strike="noStrike" kern="1200" cap="none" spc="0" normalizeH="0" baseline="0" noProof="0">
+                <a:ln>
+                  <a:noFill/>
+                </a:ln>
+                <a:solidFill>
+                  <a:prstClr val="white"/>
+                </a:solidFill>
+                <a:effectLst/>
+                <a:uLnTx/>
+                <a:uFillTx/>
+                <a:latin typeface="Palatino Linotype" panose="02040502050505030304" pitchFamily="18" charset="0"/>
+                <a:ea typeface="ＭＳ Ｐゴシック" panose="020B0600070205080204" pitchFamily="34" charset="-128"/>
+                <a:cs typeface="+mn-cs"/>
+              </a:rPr>
+              <a:t>Page</a:t>
+            </a:r>
+            <a:r>
+              <a:rPr kumimoji="0" lang="it-IT" altLang="it-IT" sz="1100" b="0" i="0" u="none" strike="noStrike" kern="1200" cap="none" spc="0" normalizeH="0" baseline="0" noProof="0">
+                <a:ln>
+                  <a:noFill/>
+                </a:ln>
+                <a:solidFill>
+                  <a:srgbClr val="822433"/>
+                </a:solidFill>
+                <a:effectLst/>
+                <a:uLnTx/>
+                <a:uFillTx/>
+                <a:latin typeface="Palatino Linotype" panose="02040502050505030304" pitchFamily="18" charset="0"/>
+                <a:ea typeface="ＭＳ Ｐゴシック" panose="020B0600070205080204" pitchFamily="34" charset="-128"/>
+                <a:cs typeface="+mn-cs"/>
+              </a:rPr>
+              <a:t> </a:t>
+            </a:r>
+            <a:fld id="{2A710F11-D8FC-B640-9CD7-9E66F8DF94F3}" type="slidenum">
+              <a:rPr kumimoji="0" lang="it-IT" altLang="it-IT" sz="1100" b="0" i="0" u="none" strike="noStrike" kern="1200" cap="none" spc="0" normalizeH="0" baseline="0" noProof="0" smtClean="0">
+                <a:ln>
+                  <a:noFill/>
+                </a:ln>
+                <a:solidFill>
+                  <a:prstClr val="white"/>
+                </a:solidFill>
+                <a:effectLst/>
+                <a:uLnTx/>
+                <a:uFillTx/>
+                <a:latin typeface="Palatino Linotype" panose="02040502050505030304" pitchFamily="18" charset="0"/>
+                <a:ea typeface="ＭＳ Ｐゴシック" panose="020B0600070205080204" pitchFamily="34" charset="-128"/>
+                <a:cs typeface="+mn-cs"/>
+              </a:rPr>
+              <a:pPr marL="0" marR="0" lvl="0" indent="0" algn="r" defTabSz="914400" rtl="0" eaLnBrk="0" fontAlgn="base" latinLnBrk="0" hangingPunct="0">
+                <a:lnSpc>
+                  <a:spcPct val="100000"/>
+                </a:lnSpc>
+                <a:spcBef>
+                  <a:spcPct val="0"/>
+                </a:spcBef>
+                <a:spcAft>
+                  <a:spcPct val="0"/>
+                </a:spcAft>
+                <a:buClrTx/>
+                <a:buSzTx/>
+                <a:buFontTx/>
+                <a:buNone/>
+                <a:tabLst/>
+                <a:defRPr/>
+              </a:pPr>
+              <a:t>22</a:t>
+            </a:fld>
+            <a:endParaRPr kumimoji="0" lang="it-IT" altLang="it-IT" sz="1100" b="0" i="0" u="none" strike="noStrike" kern="1200" cap="none" spc="0" normalizeH="0" baseline="0" noProof="0">
+              <a:ln>
+                <a:noFill/>
+              </a:ln>
+              <a:solidFill>
+                <a:prstClr val="white"/>
+              </a:solidFill>
+              <a:effectLst/>
+              <a:uLnTx/>
+              <a:uFillTx/>
+              <a:latin typeface="Palatino Linotype" panose="02040502050505030304" pitchFamily="18" charset="0"/>
+              <a:ea typeface="ＭＳ Ｐゴシック" panose="020B0600070205080204" pitchFamily="34" charset="-128"/>
+              <a:cs typeface="+mn-cs"/>
+            </a:endParaRPr>
+          </a:p>
+        </p:txBody>
+      </p:sp>
+      <p:sp>
+        <p:nvSpPr>
+          <p:cNvPr id="3" name="CasellaDiTesto 2">
+            <a:extLst>
+              <a:ext uri="{FF2B5EF4-FFF2-40B4-BE49-F238E27FC236}">
+                <a16:creationId xmlns:a16="http://schemas.microsoft.com/office/drawing/2014/main" id="{658D1B0D-CB97-9940-E2D9-3EAB767CCC14}"/>
+              </a:ext>
+            </a:extLst>
+          </p:cNvPr>
+          <p:cNvSpPr txBox="1"/>
+          <p:nvPr/>
+        </p:nvSpPr>
+        <p:spPr>
+          <a:xfrm>
+            <a:off x="706315" y="1624896"/>
+            <a:ext cx="7731369" cy="4231928"/>
+          </a:xfrm>
+          <a:prstGeom prst="rect">
+            <a:avLst/>
+          </a:prstGeom>
+          <a:noFill/>
+        </p:spPr>
+        <p:txBody>
+          <a:bodyPr wrap="square" rtlCol="0">
+            <a:spAutoFit/>
+          </a:bodyPr>
+          <a:lstStyle/>
+          <a:p>
+            <a:r>
+              <a:rPr kumimoji="0" lang="it-IT" sz="2000" b="0" i="0" u="none" strike="noStrike" kern="1200" cap="none" spc="0" normalizeH="0" baseline="0" noProof="0" dirty="0">
+                <a:ln>
+                  <a:noFill/>
+                </a:ln>
+                <a:solidFill>
+                  <a:srgbClr val="9C2C3F"/>
+                </a:solidFill>
+                <a:effectLst/>
+                <a:uLnTx/>
+                <a:uFillTx/>
+                <a:latin typeface="Arial"/>
+                <a:ea typeface="ＭＳ Ｐゴシック"/>
+                <a:cs typeface="Arial"/>
+              </a:rPr>
+              <a:t>▶ </a:t>
+            </a:r>
+            <a:r>
+              <a:rPr kumimoji="0" lang="it-IT" sz="2000" b="0" i="0" u="none" strike="noStrike" kern="1200" cap="none" spc="0" normalizeH="0" baseline="0" noProof="0" dirty="0" err="1">
+                <a:ln>
+                  <a:noFill/>
+                </a:ln>
+                <a:solidFill>
+                  <a:srgbClr val="9C2C3F"/>
+                </a:solidFill>
+                <a:effectLst/>
+                <a:uLnTx/>
+                <a:uFillTx/>
+                <a:latin typeface="Arial"/>
+                <a:ea typeface="ＭＳ Ｐゴシック"/>
+                <a:cs typeface="Arial"/>
+              </a:rPr>
+              <a:t>Introduction</a:t>
+            </a:r>
+            <a:endParaRPr kumimoji="0" lang="it-IT" sz="2000" b="0" i="0" u="none" strike="noStrike" kern="1200" cap="none" spc="0" normalizeH="0" baseline="0" noProof="0" dirty="0">
+              <a:ln>
+                <a:noFill/>
+              </a:ln>
+              <a:solidFill>
+                <a:srgbClr val="9C2C3F"/>
+              </a:solidFill>
+              <a:effectLst/>
+              <a:uLnTx/>
+              <a:uFillTx/>
+              <a:latin typeface="Arial"/>
+              <a:ea typeface="ＭＳ Ｐゴシック"/>
+              <a:cs typeface="Arial"/>
+            </a:endParaRPr>
+          </a:p>
+          <a:p>
+            <a:endParaRPr lang="it-IT" sz="2000" dirty="0">
+              <a:solidFill>
+                <a:prstClr val="white"/>
+              </a:solidFill>
+              <a:latin typeface="Arial"/>
+              <a:ea typeface="ＭＳ Ｐゴシック"/>
+              <a:cs typeface="Arial"/>
+            </a:endParaRPr>
+          </a:p>
+          <a:p>
+            <a:r>
+              <a:rPr kumimoji="0" lang="it-IT" sz="2000" b="0" i="0" u="none" strike="noStrike" kern="1200" cap="none" spc="0" normalizeH="0" baseline="0" noProof="0" dirty="0">
+                <a:ln>
+                  <a:noFill/>
+                </a:ln>
+                <a:solidFill>
+                  <a:srgbClr val="9C2C3F"/>
+                </a:solidFill>
+                <a:effectLst/>
+                <a:uLnTx/>
+                <a:uFillTx/>
+                <a:latin typeface="Arial"/>
+                <a:ea typeface="ＭＳ Ｐゴシック"/>
+                <a:cs typeface="Arial"/>
+              </a:rPr>
+              <a:t>▶ Feature </a:t>
+            </a:r>
+            <a:r>
+              <a:rPr kumimoji="0" lang="it-IT" sz="2000" b="0" i="0" u="none" strike="noStrike" kern="1200" cap="none" spc="0" normalizeH="0" baseline="0" noProof="0" dirty="0" err="1">
+                <a:ln>
+                  <a:noFill/>
+                </a:ln>
+                <a:solidFill>
+                  <a:srgbClr val="9C2C3F"/>
+                </a:solidFill>
+                <a:effectLst/>
+                <a:uLnTx/>
+                <a:uFillTx/>
+                <a:latin typeface="Arial"/>
+                <a:ea typeface="ＭＳ Ｐゴシック"/>
+                <a:cs typeface="Arial"/>
+              </a:rPr>
+              <a:t>Extractors</a:t>
+            </a:r>
+            <a:endParaRPr kumimoji="0" lang="it-IT" sz="2000" b="0" i="0" u="none" strike="noStrike" kern="1200" cap="none" spc="0" normalizeH="0" baseline="0" noProof="0" dirty="0">
+              <a:ln>
+                <a:noFill/>
+              </a:ln>
+              <a:solidFill>
+                <a:srgbClr val="9C2C3F"/>
+              </a:solidFill>
+              <a:effectLst/>
+              <a:uLnTx/>
+              <a:uFillTx/>
+              <a:latin typeface="Arial" panose="020B0604020202020204" pitchFamily="34" charset="0"/>
+              <a:ea typeface="ＭＳ Ｐゴシック" panose="020B0600070205080204" pitchFamily="34" charset="-128"/>
+              <a:cs typeface="Arial"/>
+            </a:endParaRPr>
+          </a:p>
+          <a:p>
+            <a:endParaRPr kumimoji="0" lang="it-IT" sz="2000" b="0" i="0" u="none" strike="noStrike" kern="1200" cap="none" spc="0" normalizeH="0" baseline="0" noProof="0" dirty="0">
+              <a:ln>
+                <a:noFill/>
+              </a:ln>
+              <a:solidFill>
+                <a:srgbClr val="9C2C3F"/>
+              </a:solidFill>
+              <a:effectLst/>
+              <a:uLnTx/>
+              <a:uFillTx/>
+              <a:latin typeface="Arial"/>
+              <a:ea typeface="ＭＳ Ｐゴシック"/>
+              <a:cs typeface="Arial"/>
+            </a:endParaRPr>
+          </a:p>
+          <a:p>
+            <a:r>
+              <a:rPr kumimoji="0" lang="it-IT" sz="2000" b="0" i="0" u="none" strike="noStrike" kern="1200" cap="none" spc="0" normalizeH="0" baseline="0" noProof="0" dirty="0">
+                <a:ln>
+                  <a:noFill/>
+                </a:ln>
+                <a:solidFill>
+                  <a:srgbClr val="9C2C3F"/>
+                </a:solidFill>
+                <a:effectLst/>
+                <a:uLnTx/>
+                <a:uFillTx/>
+                <a:latin typeface="Arial"/>
+                <a:ea typeface="ＭＳ Ｐゴシック"/>
+                <a:cs typeface="Arial"/>
+              </a:rPr>
+              <a:t>▶ Dataset</a:t>
+            </a:r>
+            <a:endParaRPr kumimoji="0" lang="it-IT" sz="2000" b="0" i="0" u="none" strike="noStrike" kern="1200" cap="none" spc="0" normalizeH="0" baseline="0" noProof="0" dirty="0">
+              <a:ln>
+                <a:noFill/>
+              </a:ln>
+              <a:solidFill>
+                <a:srgbClr val="9C2C3F"/>
+              </a:solidFill>
+              <a:effectLst/>
+              <a:uLnTx/>
+              <a:uFillTx/>
+              <a:latin typeface="Arial" panose="020B0604020202020204" pitchFamily="34" charset="0"/>
+              <a:ea typeface="ＭＳ Ｐゴシック" panose="020B0600070205080204" pitchFamily="34" charset="-128"/>
+              <a:cs typeface="Arial"/>
+            </a:endParaRPr>
+          </a:p>
+          <a:p>
+            <a:endParaRPr lang="it-IT" sz="2000" noProof="0" dirty="0">
+              <a:solidFill>
+                <a:srgbClr val="9C2C3F"/>
+              </a:solidFill>
+              <a:latin typeface="Arial"/>
+              <a:ea typeface="ＭＳ Ｐゴシック"/>
+              <a:cs typeface="Arial"/>
+            </a:endParaRPr>
+          </a:p>
+          <a:p>
+            <a:r>
+              <a:rPr kumimoji="0" lang="it-IT" sz="2000" b="0" i="0" u="none" strike="noStrike" kern="1200" cap="none" spc="0" normalizeH="0" baseline="0" noProof="0" dirty="0">
+                <a:ln>
+                  <a:noFill/>
+                </a:ln>
+                <a:solidFill>
+                  <a:srgbClr val="9C2C3F"/>
+                </a:solidFill>
+                <a:effectLst/>
+                <a:uLnTx/>
+                <a:uFillTx/>
+                <a:latin typeface="Arial"/>
+                <a:ea typeface="ＭＳ Ｐゴシック"/>
+                <a:cs typeface="Arial"/>
+              </a:rPr>
+              <a:t>▶ Evaluation </a:t>
+            </a:r>
+            <a:r>
+              <a:rPr kumimoji="0" lang="it-IT" sz="2000" b="0" i="0" u="none" strike="noStrike" kern="1200" cap="none" spc="0" normalizeH="0" baseline="0" noProof="0" dirty="0" err="1">
+                <a:ln>
+                  <a:noFill/>
+                </a:ln>
+                <a:solidFill>
+                  <a:srgbClr val="9C2C3F"/>
+                </a:solidFill>
+                <a:effectLst/>
+                <a:uLnTx/>
+                <a:uFillTx/>
+                <a:latin typeface="Arial"/>
+                <a:ea typeface="ＭＳ Ｐゴシック"/>
+                <a:cs typeface="Arial"/>
+              </a:rPr>
+              <a:t>Metrics</a:t>
+            </a:r>
+            <a:endParaRPr kumimoji="0" lang="it-IT" sz="2000" b="0" i="0" u="none" strike="noStrike" kern="1200" cap="none" spc="0" normalizeH="0" baseline="0" noProof="0" dirty="0">
+              <a:ln>
+                <a:noFill/>
+              </a:ln>
+              <a:solidFill>
+                <a:srgbClr val="9C2C3F"/>
+              </a:solidFill>
+              <a:effectLst/>
+              <a:uLnTx/>
+              <a:uFillTx/>
+              <a:latin typeface="Arial" panose="020B0604020202020204" pitchFamily="34" charset="0"/>
+              <a:ea typeface="ＭＳ Ｐゴシック" panose="020B0600070205080204" pitchFamily="34" charset="-128"/>
+              <a:cs typeface="Arial"/>
+            </a:endParaRPr>
+          </a:p>
+          <a:p>
+            <a:endParaRPr kumimoji="0" lang="it-IT" sz="2000" b="0" i="0" u="none" strike="noStrike" kern="1200" cap="none" spc="0" normalizeH="0" baseline="0" dirty="0">
+              <a:ln>
+                <a:noFill/>
+              </a:ln>
+              <a:solidFill>
+                <a:srgbClr val="9C2C3F"/>
+              </a:solidFill>
+              <a:effectLst/>
+              <a:uLnTx/>
+              <a:uFillTx/>
+              <a:latin typeface="Arial"/>
+              <a:ea typeface="ＭＳ Ｐゴシック"/>
+              <a:cs typeface="Arial"/>
+            </a:endParaRPr>
+          </a:p>
+          <a:p>
+            <a:r>
+              <a:rPr kumimoji="0" lang="it-IT" sz="2000" b="0" i="0" u="none" strike="noStrike" kern="1200" cap="none" spc="0" normalizeH="0" baseline="0" noProof="0" dirty="0">
+                <a:ln>
+                  <a:noFill/>
+                </a:ln>
+                <a:solidFill>
+                  <a:srgbClr val="9C2C3F"/>
+                </a:solidFill>
+                <a:effectLst/>
+                <a:uLnTx/>
+                <a:uFillTx/>
+                <a:latin typeface="Arial"/>
+                <a:ea typeface="ＭＳ Ｐゴシック"/>
+                <a:cs typeface="Arial"/>
+              </a:rPr>
+              <a:t>▶ </a:t>
+            </a:r>
+            <a:r>
+              <a:rPr kumimoji="0" lang="it-IT" sz="2000" b="0" i="0" u="none" strike="noStrike" kern="1200" cap="none" spc="0" normalizeH="0" baseline="0" noProof="0" dirty="0" err="1">
+                <a:ln>
+                  <a:noFill/>
+                </a:ln>
+                <a:solidFill>
+                  <a:srgbClr val="9C2C3F"/>
+                </a:solidFill>
+                <a:effectLst/>
+                <a:uLnTx/>
+                <a:uFillTx/>
+                <a:latin typeface="Arial"/>
+                <a:ea typeface="ＭＳ Ｐゴシック"/>
+                <a:cs typeface="Arial"/>
+              </a:rPr>
+              <a:t>Results</a:t>
+            </a:r>
+            <a:endParaRPr kumimoji="0" lang="it-IT" sz="2000" b="0" i="0" u="none" strike="noStrike" kern="1200" cap="none" spc="0" normalizeH="0" baseline="0" noProof="0" dirty="0">
+              <a:ln>
+                <a:noFill/>
+              </a:ln>
+              <a:solidFill>
+                <a:srgbClr val="9C2C3F"/>
+              </a:solidFill>
+              <a:effectLst/>
+              <a:uLnTx/>
+              <a:uFillTx/>
+              <a:latin typeface="Arial"/>
+              <a:ea typeface="ＭＳ Ｐゴシック"/>
+              <a:cs typeface="Arial"/>
+            </a:endParaRPr>
+          </a:p>
+          <a:p>
+            <a:endParaRPr lang="it-IT" sz="2000" dirty="0">
+              <a:solidFill>
+                <a:srgbClr val="9C2C3F"/>
+              </a:solidFill>
+              <a:latin typeface="Arial"/>
+              <a:ea typeface="ＭＳ Ｐゴシック"/>
+              <a:cs typeface="Arial"/>
+            </a:endParaRPr>
+          </a:p>
+          <a:p>
+            <a:r>
+              <a:rPr kumimoji="0" lang="it-IT" sz="2000" b="0" i="0" u="none" strike="noStrike" kern="1200" cap="none" spc="0" normalizeH="0" baseline="0" noProof="0" dirty="0">
+                <a:ln>
+                  <a:noFill/>
+                </a:ln>
+                <a:effectLst/>
+                <a:uLnTx/>
+                <a:uFillTx/>
+                <a:latin typeface="Arial"/>
+                <a:ea typeface="ＭＳ Ｐゴシック"/>
+                <a:cs typeface="Arial"/>
+              </a:rPr>
+              <a:t>▶ </a:t>
+            </a:r>
+            <a:r>
+              <a:rPr kumimoji="0" lang="it-IT" sz="2000" b="0" i="0" u="none" strike="noStrike" kern="1200" cap="none" spc="0" normalizeH="0" baseline="0" noProof="0" dirty="0" err="1">
+                <a:ln>
+                  <a:noFill/>
+                </a:ln>
+                <a:effectLst/>
+                <a:uLnTx/>
+                <a:uFillTx/>
+                <a:latin typeface="Arial"/>
+                <a:ea typeface="ＭＳ Ｐゴシック"/>
+                <a:cs typeface="Arial"/>
+              </a:rPr>
+              <a:t>Conclusions</a:t>
+            </a:r>
+            <a:endParaRPr kumimoji="0" lang="it-IT" sz="2000" b="0" i="0" u="none" strike="noStrike" kern="1200" cap="none" spc="0" normalizeH="0" baseline="0" noProof="0" dirty="0">
+              <a:ln>
+                <a:noFill/>
+              </a:ln>
+              <a:effectLst/>
+              <a:uLnTx/>
+              <a:uFillTx/>
+              <a:latin typeface="Arial" panose="020B0604020202020204" pitchFamily="34" charset="0"/>
+              <a:ea typeface="ＭＳ Ｐゴシック" panose="020B0600070205080204" pitchFamily="34" charset="-128"/>
+              <a:cs typeface="Arial"/>
+            </a:endParaRPr>
+          </a:p>
+          <a:p>
+            <a:endParaRPr kumimoji="0" lang="it-IT" sz="2000" b="0" i="0" u="none" strike="noStrike" kern="1200" cap="none" spc="0" normalizeH="0" baseline="0" noProof="0" dirty="0">
+              <a:ln>
+                <a:noFill/>
+              </a:ln>
+              <a:solidFill>
+                <a:prstClr val="white"/>
+              </a:solidFill>
+              <a:effectLst/>
+              <a:uLnTx/>
+              <a:uFillTx/>
+              <a:latin typeface="Arial" panose="020B0604020202020204" pitchFamily="34" charset="0"/>
+              <a:ea typeface="ＭＳ Ｐゴシック" panose="020B0600070205080204" pitchFamily="34" charset="-128"/>
+              <a:cs typeface="Arial"/>
+            </a:endParaRPr>
+          </a:p>
+          <a:p>
+            <a:endParaRPr kumimoji="0" lang="it-IT" sz="2000" b="0" i="0" u="none" strike="noStrike" kern="1200" cap="none" spc="0" normalizeH="0" baseline="0" noProof="0" dirty="0">
+              <a:ln>
+                <a:noFill/>
+              </a:ln>
+              <a:solidFill>
+                <a:prstClr val="white"/>
+              </a:solidFill>
+              <a:effectLst/>
+              <a:uLnTx/>
+              <a:uFillTx/>
+              <a:latin typeface="Arial" panose="020B0604020202020204" pitchFamily="34" charset="0"/>
+              <a:ea typeface="ＭＳ Ｐゴシック" panose="020B0600070205080204" pitchFamily="34" charset="-128"/>
+              <a:cs typeface="Arial"/>
+            </a:endParaRPr>
+          </a:p>
+          <a:p>
+            <a:endParaRPr lang="it-IT" dirty="0"/>
+          </a:p>
+        </p:txBody>
+      </p:sp>
+    </p:spTree>
+    <p:extLst>
+      <p:ext uri="{BB962C8B-B14F-4D97-AF65-F5344CB8AC3E}">
+        <p14:creationId xmlns:p14="http://schemas.microsoft.com/office/powerpoint/2010/main" val="1784481251"/>
+      </p:ext>
+    </p:extLst>
+  </p:cSld>
+  <p:clrMapOvr>
+    <a:masterClrMapping/>
+  </p:clrMapOvr>
+</p:sld>
+</file>
+
+<file path=ppt/slides/slide23.xml><?xml version="1.0" encoding="utf-8"?>
+<p:sld xmlns:a="http://schemas.openxmlformats.org/drawingml/2006/main" xmlns:r="http://schemas.openxmlformats.org/officeDocument/2006/relationships" xmlns:p="http://schemas.openxmlformats.org/presentationml/2006/main">
+  <p:cSld>
+    <p:spTree>
+      <p:nvGrpSpPr>
+        <p:cNvPr id="1" name="">
+          <a:extLst>
+            <a:ext uri="{FF2B5EF4-FFF2-40B4-BE49-F238E27FC236}">
+              <a16:creationId xmlns:a16="http://schemas.microsoft.com/office/drawing/2014/main" id="{249E79FF-3134-B596-E5D3-3CD15D8C989D}"/>
+            </a:ext>
+          </a:extLst>
+        </p:cNvPr>
+        <p:cNvGrpSpPr/>
+        <p:nvPr/>
+      </p:nvGrpSpPr>
+      <p:grpSpPr>
+        <a:xfrm>
+          <a:off x="0" y="0"/>
+          <a:ext cx="0" cy="0"/>
+          <a:chOff x="0" y="0"/>
+          <a:chExt cx="0" cy="0"/>
+        </a:xfrm>
+      </p:grpSpPr>
+      <p:sp>
+        <p:nvSpPr>
+          <p:cNvPr id="6" name="Rettangolo 5">
+            <a:extLst>
+              <a:ext uri="{FF2B5EF4-FFF2-40B4-BE49-F238E27FC236}">
+                <a16:creationId xmlns:a16="http://schemas.microsoft.com/office/drawing/2014/main" id="{863C9A52-66A2-65E3-B320-62359C6AB905}"/>
+              </a:ext>
+            </a:extLst>
+          </p:cNvPr>
+          <p:cNvSpPr/>
+          <p:nvPr/>
+        </p:nvSpPr>
+        <p:spPr>
+          <a:xfrm>
+            <a:off x="708440" y="900"/>
+            <a:ext cx="905635" cy="1080920"/>
+          </a:xfrm>
+          <a:prstGeom prst="rect">
+            <a:avLst/>
+          </a:prstGeom>
+          <a:solidFill>
+            <a:srgbClr val="822433"/>
+          </a:solidFill>
+          <a:ln>
+            <a:noFill/>
+          </a:ln>
+        </p:spPr>
+        <p:style>
+          <a:lnRef idx="2">
+            <a:schemeClr val="accent1">
+              <a:shade val="15000"/>
+            </a:schemeClr>
+          </a:lnRef>
+          <a:fillRef idx="1">
+            <a:schemeClr val="accent1"/>
+          </a:fillRef>
+          <a:effectRef idx="0">
+            <a:schemeClr val="accent1"/>
+          </a:effectRef>
+          <a:fontRef idx="minor">
+            <a:schemeClr val="lt1"/>
+          </a:fontRef>
+        </p:style>
+        <p:txBody>
+          <a:bodyPr rtlCol="0" anchor="ctr"/>
+          <a:lstStyle/>
+          <a:p>
+            <a:pPr marL="0" marR="0" lvl="0" indent="0" algn="ctr" defTabSz="914400" rtl="0" eaLnBrk="0" fontAlgn="base" latinLnBrk="0" hangingPunct="0">
+              <a:lnSpc>
+                <a:spcPct val="100000"/>
+              </a:lnSpc>
+              <a:spcBef>
+                <a:spcPct val="0"/>
+              </a:spcBef>
+              <a:spcAft>
+                <a:spcPct val="0"/>
+              </a:spcAft>
+              <a:buClrTx/>
+              <a:buSzTx/>
+              <a:buFontTx/>
+              <a:buNone/>
+              <a:tabLst/>
+              <a:defRPr/>
+            </a:pPr>
+            <a:endParaRPr kumimoji="0" lang="it-IT" sz="900" b="0" i="0" u="none" strike="noStrike" kern="1200" cap="none" spc="0" normalizeH="0" baseline="0" noProof="0">
+              <a:ln>
+                <a:noFill/>
+              </a:ln>
+              <a:solidFill>
+                <a:prstClr val="white"/>
+              </a:solidFill>
+              <a:effectLst/>
+              <a:uLnTx/>
+              <a:uFillTx/>
+              <a:latin typeface="Neue Haas Grotesk Text Pro"/>
+              <a:ea typeface="+mn-ea"/>
+              <a:cs typeface="+mn-cs"/>
+            </a:endParaRPr>
+          </a:p>
+        </p:txBody>
+      </p:sp>
+      <p:pic>
+        <p:nvPicPr>
+          <p:cNvPr id="10" name="Immagine 9" descr="Target studenti | Area didattica di Economia - Sede di Latina">
+            <a:extLst>
+              <a:ext uri="{FF2B5EF4-FFF2-40B4-BE49-F238E27FC236}">
+                <a16:creationId xmlns:a16="http://schemas.microsoft.com/office/drawing/2014/main" id="{59D20A49-5065-70F5-618C-3B97BD5B05FF}"/>
+              </a:ext>
+            </a:extLst>
+          </p:cNvPr>
+          <p:cNvPicPr>
+            <a:picLocks noChangeAspect="1"/>
+          </p:cNvPicPr>
+          <p:nvPr/>
+        </p:nvPicPr>
+        <p:blipFill>
+          <a:blip r:embed="rId2"/>
+          <a:stretch>
+            <a:fillRect/>
+          </a:stretch>
+        </p:blipFill>
+        <p:spPr>
+          <a:xfrm>
+            <a:off x="658265" y="184763"/>
+            <a:ext cx="1001485" cy="712644"/>
+          </a:xfrm>
+          <a:prstGeom prst="rect">
+            <a:avLst/>
+          </a:prstGeom>
+        </p:spPr>
+      </p:pic>
+      <p:sp>
+        <p:nvSpPr>
+          <p:cNvPr id="11" name="Segnaposto numero diapositiva 5">
+            <a:extLst>
+              <a:ext uri="{FF2B5EF4-FFF2-40B4-BE49-F238E27FC236}">
+                <a16:creationId xmlns:a16="http://schemas.microsoft.com/office/drawing/2014/main" id="{9BCC30CA-5BB4-D26B-0CB2-61277D2BBC42}"/>
+              </a:ext>
+            </a:extLst>
+          </p:cNvPr>
+          <p:cNvSpPr>
+            <a:spLocks noGrp="1"/>
+          </p:cNvSpPr>
+          <p:nvPr>
+            <p:ph type="sldNum" sz="quarter" idx="12"/>
+          </p:nvPr>
+        </p:nvSpPr>
+        <p:spPr>
+          <a:xfrm>
+            <a:off x="-396552" y="6399900"/>
+            <a:ext cx="1905000" cy="457200"/>
+          </a:xfrm>
+          <a:noFill/>
+          <a:extLst>
+            <a:ext uri="{909E8E84-426E-40DD-AFC4-6F175D3DCCD1}">
+              <a14:hiddenFill xmlns:a14="http://schemas.microsoft.com/office/drawing/2010/main">
+                <a:solidFill>
+                  <a:schemeClr val="accent1"/>
+                </a:solidFill>
+              </a14:hiddenFill>
+            </a:ext>
+            <a:ext uri="{91240B29-F687-4F45-9708-019B960494DF}">
+              <a14:hiddenLine xmlns:a14="http://schemas.microsoft.com/office/drawing/2010/main" w="9525">
+                <a:solidFill>
+                  <a:schemeClr val="tx1"/>
+                </a:solidFill>
+                <a:miter lim="800000"/>
+                <a:headEnd/>
+                <a:tailEnd/>
+              </a14:hiddenLine>
+            </a:ext>
+          </a:extLst>
+        </p:spPr>
+        <p:txBody>
+          <a:bodyPr/>
+          <a:lstStyle>
+            <a:lvl1pPr>
+              <a:spcBef>
+                <a:spcPct val="20000"/>
+              </a:spcBef>
+              <a:buClr>
+                <a:srgbClr val="822433"/>
+              </a:buClr>
+              <a:buChar char="•"/>
+              <a:defRPr sz="2400">
+                <a:solidFill>
+                  <a:srgbClr val="000000"/>
+                </a:solidFill>
+                <a:latin typeface="Arial" panose="020B0604020202020204" pitchFamily="34" charset="0"/>
+                <a:ea typeface="ＭＳ Ｐゴシック" panose="020B0600070205080204" pitchFamily="34" charset="-128"/>
+              </a:defRPr>
+            </a:lvl1pPr>
+            <a:lvl2pPr marL="742950" indent="-285750">
+              <a:spcBef>
+                <a:spcPct val="20000"/>
+              </a:spcBef>
+              <a:buChar char="–"/>
+              <a:defRPr sz="2000">
+                <a:solidFill>
+                  <a:srgbClr val="000000"/>
+                </a:solidFill>
+                <a:latin typeface="Arial" panose="020B0604020202020204" pitchFamily="34" charset="0"/>
+                <a:ea typeface="ＭＳ Ｐゴシック" panose="020B0600070205080204" pitchFamily="34" charset="-128"/>
+              </a:defRPr>
+            </a:lvl2pPr>
+            <a:lvl3pPr marL="1143000" indent="-228600">
+              <a:spcBef>
+                <a:spcPct val="20000"/>
+              </a:spcBef>
+              <a:buChar char="•"/>
+              <a:defRPr sz="1600">
+                <a:solidFill>
+                  <a:srgbClr val="000000"/>
+                </a:solidFill>
+                <a:latin typeface="Arial" panose="020B0604020202020204" pitchFamily="34" charset="0"/>
+                <a:ea typeface="ＭＳ Ｐゴシック" panose="020B0600070205080204" pitchFamily="34" charset="-128"/>
+              </a:defRPr>
+            </a:lvl3pPr>
+            <a:lvl4pPr marL="1600200" indent="-228600">
+              <a:spcBef>
+                <a:spcPct val="20000"/>
+              </a:spcBef>
+              <a:buChar char="–"/>
+              <a:defRPr sz="1400">
+                <a:solidFill>
+                  <a:srgbClr val="000000"/>
+                </a:solidFill>
+                <a:latin typeface="Arial" panose="020B0604020202020204" pitchFamily="34" charset="0"/>
+                <a:ea typeface="ＭＳ Ｐゴシック" panose="020B0600070205080204" pitchFamily="34" charset="-128"/>
+              </a:defRPr>
+            </a:lvl4pPr>
+            <a:lvl5pPr marL="2057400" indent="-228600">
+              <a:spcBef>
+                <a:spcPct val="20000"/>
+              </a:spcBef>
+              <a:buChar char="»"/>
+              <a:defRPr sz="1200">
+                <a:solidFill>
+                  <a:srgbClr val="000000"/>
+                </a:solidFill>
+                <a:latin typeface="Arial" panose="020B0604020202020204" pitchFamily="34" charset="0"/>
+                <a:ea typeface="ＭＳ Ｐゴシック" panose="020B0600070205080204" pitchFamily="34" charset="-128"/>
+              </a:defRPr>
+            </a:lvl5pPr>
+            <a:lvl6pPr marL="2514600" indent="-228600" eaLnBrk="0" fontAlgn="base" hangingPunct="0">
+              <a:spcBef>
+                <a:spcPct val="20000"/>
+              </a:spcBef>
+              <a:spcAft>
+                <a:spcPct val="0"/>
+              </a:spcAft>
+              <a:buChar char="»"/>
+              <a:defRPr sz="1200">
+                <a:solidFill>
+                  <a:srgbClr val="000000"/>
+                </a:solidFill>
+                <a:latin typeface="Arial" panose="020B0604020202020204" pitchFamily="34" charset="0"/>
+                <a:ea typeface="ＭＳ Ｐゴシック" panose="020B0600070205080204" pitchFamily="34" charset="-128"/>
+              </a:defRPr>
+            </a:lvl6pPr>
+            <a:lvl7pPr marL="2971800" indent="-228600" eaLnBrk="0" fontAlgn="base" hangingPunct="0">
+              <a:spcBef>
+                <a:spcPct val="20000"/>
+              </a:spcBef>
+              <a:spcAft>
+                <a:spcPct val="0"/>
+              </a:spcAft>
+              <a:buChar char="»"/>
+              <a:defRPr sz="1200">
+                <a:solidFill>
+                  <a:srgbClr val="000000"/>
+                </a:solidFill>
+                <a:latin typeface="Arial" panose="020B0604020202020204" pitchFamily="34" charset="0"/>
+                <a:ea typeface="ＭＳ Ｐゴシック" panose="020B0600070205080204" pitchFamily="34" charset="-128"/>
+              </a:defRPr>
+            </a:lvl7pPr>
+            <a:lvl8pPr marL="3429000" indent="-228600" eaLnBrk="0" fontAlgn="base" hangingPunct="0">
+              <a:spcBef>
+                <a:spcPct val="20000"/>
+              </a:spcBef>
+              <a:spcAft>
+                <a:spcPct val="0"/>
+              </a:spcAft>
+              <a:buChar char="»"/>
+              <a:defRPr sz="1200">
+                <a:solidFill>
+                  <a:srgbClr val="000000"/>
+                </a:solidFill>
+                <a:latin typeface="Arial" panose="020B0604020202020204" pitchFamily="34" charset="0"/>
+                <a:ea typeface="ＭＳ Ｐゴシック" panose="020B0600070205080204" pitchFamily="34" charset="-128"/>
+              </a:defRPr>
+            </a:lvl8pPr>
+            <a:lvl9pPr marL="3886200" indent="-228600" eaLnBrk="0" fontAlgn="base" hangingPunct="0">
+              <a:spcBef>
+                <a:spcPct val="20000"/>
+              </a:spcBef>
+              <a:spcAft>
+                <a:spcPct val="0"/>
+              </a:spcAft>
+              <a:buChar char="»"/>
+              <a:defRPr sz="1200">
+                <a:solidFill>
+                  <a:srgbClr val="000000"/>
+                </a:solidFill>
+                <a:latin typeface="Arial" panose="020B0604020202020204" pitchFamily="34" charset="0"/>
+                <a:ea typeface="ＭＳ Ｐゴシック" panose="020B0600070205080204" pitchFamily="34" charset="-128"/>
+              </a:defRPr>
+            </a:lvl9pPr>
+          </a:lstStyle>
+          <a:p>
+            <a:pPr marL="0" marR="0" lvl="0" indent="0" algn="r" defTabSz="914400" rtl="0" eaLnBrk="0" fontAlgn="base" latinLnBrk="0" hangingPunct="0">
+              <a:lnSpc>
+                <a:spcPct val="100000"/>
+              </a:lnSpc>
+              <a:spcBef>
+                <a:spcPct val="0"/>
+              </a:spcBef>
+              <a:spcAft>
+                <a:spcPct val="0"/>
+              </a:spcAft>
+              <a:buClrTx/>
+              <a:buSzTx/>
+              <a:buFontTx/>
+              <a:buNone/>
+              <a:tabLst/>
+              <a:defRPr/>
+            </a:pPr>
+            <a:r>
+              <a:rPr kumimoji="0" lang="it-IT" altLang="it-IT" sz="1100" b="0" i="0" u="none" strike="noStrike" kern="1200" cap="none" spc="0" normalizeH="0" baseline="0" noProof="0">
+                <a:ln>
+                  <a:noFill/>
+                </a:ln>
+                <a:solidFill>
+                  <a:srgbClr val="822433"/>
+                </a:solidFill>
+                <a:effectLst/>
+                <a:uLnTx/>
+                <a:uFillTx/>
+                <a:latin typeface="Palatino Linotype" panose="02040502050505030304" pitchFamily="18" charset="0"/>
+                <a:ea typeface="ＭＳ Ｐゴシック" panose="020B0600070205080204" pitchFamily="34" charset="-128"/>
+                <a:cs typeface="+mn-cs"/>
+              </a:rPr>
+              <a:t>Page </a:t>
+            </a:r>
+            <a:fld id="{2A710F11-D8FC-B640-9CD7-9E66F8DF94F3}" type="slidenum">
+              <a:rPr kumimoji="0" lang="it-IT" altLang="it-IT" sz="1100" b="0" i="0" u="none" strike="noStrike" kern="1200" cap="none" spc="0" normalizeH="0" baseline="0" noProof="0" smtClean="0">
+                <a:ln>
+                  <a:noFill/>
+                </a:ln>
+                <a:solidFill>
+                  <a:srgbClr val="822433"/>
+                </a:solidFill>
+                <a:effectLst/>
+                <a:uLnTx/>
+                <a:uFillTx/>
+                <a:latin typeface="Palatino Linotype" panose="02040502050505030304" pitchFamily="18" charset="0"/>
+                <a:ea typeface="ＭＳ Ｐゴシック" panose="020B0600070205080204" pitchFamily="34" charset="-128"/>
+                <a:cs typeface="+mn-cs"/>
+              </a:rPr>
+              <a:pPr marL="0" marR="0" lvl="0" indent="0" algn="r" defTabSz="914400" rtl="0" eaLnBrk="0" fontAlgn="base" latinLnBrk="0" hangingPunct="0">
+                <a:lnSpc>
+                  <a:spcPct val="100000"/>
+                </a:lnSpc>
+                <a:spcBef>
+                  <a:spcPct val="0"/>
+                </a:spcBef>
+                <a:spcAft>
+                  <a:spcPct val="0"/>
+                </a:spcAft>
+                <a:buClrTx/>
+                <a:buSzTx/>
+                <a:buFontTx/>
+                <a:buNone/>
+                <a:tabLst/>
+                <a:defRPr/>
+              </a:pPr>
+              <a:t>23</a:t>
+            </a:fld>
+            <a:endParaRPr kumimoji="0" lang="it-IT" altLang="it-IT" sz="1100" b="0" i="0" u="none" strike="noStrike" kern="1200" cap="none" spc="0" normalizeH="0" baseline="0" noProof="0">
+              <a:ln>
+                <a:noFill/>
+              </a:ln>
+              <a:solidFill>
+                <a:srgbClr val="822433"/>
+              </a:solidFill>
+              <a:effectLst/>
+              <a:uLnTx/>
+              <a:uFillTx/>
+              <a:latin typeface="Palatino Linotype" panose="02040502050505030304" pitchFamily="18" charset="0"/>
+              <a:ea typeface="ＭＳ Ｐゴシック" panose="020B0600070205080204" pitchFamily="34" charset="-128"/>
+              <a:cs typeface="+mn-cs"/>
+            </a:endParaRPr>
+          </a:p>
+        </p:txBody>
+      </p:sp>
+      <p:sp>
+        <p:nvSpPr>
+          <p:cNvPr id="2" name="Rectangle 2">
+            <a:extLst>
+              <a:ext uri="{FF2B5EF4-FFF2-40B4-BE49-F238E27FC236}">
+                <a16:creationId xmlns:a16="http://schemas.microsoft.com/office/drawing/2014/main" id="{8FA2FE8E-36B9-6859-3C2F-A48EC4F4A053}"/>
+              </a:ext>
+            </a:extLst>
+          </p:cNvPr>
+          <p:cNvSpPr txBox="1">
+            <a:spLocks noChangeArrowheads="1"/>
+          </p:cNvSpPr>
+          <p:nvPr/>
+        </p:nvSpPr>
+        <p:spPr bwMode="auto">
+          <a:xfrm>
+            <a:off x="1920556" y="379656"/>
+            <a:ext cx="5306106" cy="701169"/>
+          </a:xfrm>
+          <a:prstGeom prst="rect">
+            <a:avLst/>
+          </a:prstGeom>
+          <a:noFill/>
+          <a:ln>
+            <a:noFill/>
+          </a:ln>
+          <a:extLst>
+            <a:ext uri="{909E8E84-426E-40DD-AFC4-6F175D3DCCD1}">
+              <a14:hiddenFill xmlns:a14="http://schemas.microsoft.com/office/drawing/2010/main">
+                <a:solidFill>
+                  <a:schemeClr val="accent1"/>
+                </a:solidFill>
+              </a14:hiddenFill>
+            </a:ext>
+            <a:ext uri="{91240B29-F687-4F45-9708-019B960494DF}">
+              <a14:hiddenLine xmlns:a14="http://schemas.microsoft.com/office/drawing/2010/main" w="9525">
+                <a:solidFill>
+                  <a:schemeClr val="tx1"/>
+                </a:solidFill>
+                <a:miter lim="800000"/>
+                <a:headEnd/>
+                <a:tailEnd/>
+              </a14:hiddenLine>
+            </a:ext>
+          </a:extLst>
+        </p:spPr>
+        <p:txBody>
+          <a:bodyPr vert="horz" wrap="square" lIns="91440" tIns="45720" rIns="91440" bIns="45720" numCol="1" anchor="t" anchorCtr="0" compatLnSpc="1">
+            <a:prstTxWarp prst="textNoShape">
+              <a:avLst/>
+            </a:prstTxWarp>
+          </a:bodyPr>
+          <a:lstStyle>
+            <a:defPPr>
+              <a:defRPr lang="it-IT"/>
+            </a:defPPr>
+            <a:lvl1pPr algn="l" rtl="0" eaLnBrk="0" fontAlgn="base" hangingPunct="0">
+              <a:spcBef>
+                <a:spcPct val="0"/>
+              </a:spcBef>
+              <a:spcAft>
+                <a:spcPct val="0"/>
+              </a:spcAft>
+              <a:defRPr sz="900" kern="1200">
+                <a:solidFill>
+                  <a:schemeClr val="bg1"/>
+                </a:solidFill>
+                <a:latin typeface="Arial" panose="020B0604020202020204" pitchFamily="34" charset="0"/>
+                <a:ea typeface="ＭＳ Ｐゴシック" panose="020B0600070205080204" pitchFamily="34" charset="-128"/>
+                <a:cs typeface="+mn-cs"/>
+              </a:defRPr>
+            </a:lvl1pPr>
+            <a:lvl2pPr marL="457200" algn="l" rtl="0" eaLnBrk="0" fontAlgn="base" hangingPunct="0">
+              <a:spcBef>
+                <a:spcPct val="0"/>
+              </a:spcBef>
+              <a:spcAft>
+                <a:spcPct val="0"/>
+              </a:spcAft>
+              <a:defRPr sz="900" kern="1200">
+                <a:solidFill>
+                  <a:schemeClr val="bg1"/>
+                </a:solidFill>
+                <a:latin typeface="Arial" panose="020B0604020202020204" pitchFamily="34" charset="0"/>
+                <a:ea typeface="ＭＳ Ｐゴシック" panose="020B0600070205080204" pitchFamily="34" charset="-128"/>
+                <a:cs typeface="+mn-cs"/>
+              </a:defRPr>
+            </a:lvl2pPr>
+            <a:lvl3pPr marL="914400" algn="l" rtl="0" eaLnBrk="0" fontAlgn="base" hangingPunct="0">
+              <a:spcBef>
+                <a:spcPct val="0"/>
+              </a:spcBef>
+              <a:spcAft>
+                <a:spcPct val="0"/>
+              </a:spcAft>
+              <a:defRPr sz="900" kern="1200">
+                <a:solidFill>
+                  <a:schemeClr val="bg1"/>
+                </a:solidFill>
+                <a:latin typeface="Arial" panose="020B0604020202020204" pitchFamily="34" charset="0"/>
+                <a:ea typeface="ＭＳ Ｐゴシック" panose="020B0600070205080204" pitchFamily="34" charset="-128"/>
+                <a:cs typeface="+mn-cs"/>
+              </a:defRPr>
+            </a:lvl3pPr>
+            <a:lvl4pPr marL="1371600" algn="l" rtl="0" eaLnBrk="0" fontAlgn="base" hangingPunct="0">
+              <a:spcBef>
+                <a:spcPct val="0"/>
+              </a:spcBef>
+              <a:spcAft>
+                <a:spcPct val="0"/>
+              </a:spcAft>
+              <a:defRPr sz="900" kern="1200">
+                <a:solidFill>
+                  <a:schemeClr val="bg1"/>
+                </a:solidFill>
+                <a:latin typeface="Arial" panose="020B0604020202020204" pitchFamily="34" charset="0"/>
+                <a:ea typeface="ＭＳ Ｐゴシック" panose="020B0600070205080204" pitchFamily="34" charset="-128"/>
+                <a:cs typeface="+mn-cs"/>
+              </a:defRPr>
+            </a:lvl4pPr>
+            <a:lvl5pPr marL="1828800" algn="l" rtl="0" eaLnBrk="0" fontAlgn="base" hangingPunct="0">
+              <a:spcBef>
+                <a:spcPct val="0"/>
+              </a:spcBef>
+              <a:spcAft>
+                <a:spcPct val="0"/>
+              </a:spcAft>
+              <a:defRPr sz="900" kern="1200">
+                <a:solidFill>
+                  <a:schemeClr val="bg1"/>
+                </a:solidFill>
+                <a:latin typeface="Arial" panose="020B0604020202020204" pitchFamily="34" charset="0"/>
+                <a:ea typeface="ＭＳ Ｐゴシック" panose="020B0600070205080204" pitchFamily="34" charset="-128"/>
+                <a:cs typeface="+mn-cs"/>
+              </a:defRPr>
+            </a:lvl5pPr>
+            <a:lvl6pPr marL="2286000" algn="l" defTabSz="914400" rtl="0" eaLnBrk="1" latinLnBrk="0" hangingPunct="1">
+              <a:defRPr sz="900" kern="1200">
+                <a:solidFill>
+                  <a:schemeClr val="bg1"/>
+                </a:solidFill>
+                <a:latin typeface="Arial" panose="020B0604020202020204" pitchFamily="34" charset="0"/>
+                <a:ea typeface="ＭＳ Ｐゴシック" panose="020B0600070205080204" pitchFamily="34" charset="-128"/>
+                <a:cs typeface="+mn-cs"/>
+              </a:defRPr>
+            </a:lvl6pPr>
+            <a:lvl7pPr marL="2743200" algn="l" defTabSz="914400" rtl="0" eaLnBrk="1" latinLnBrk="0" hangingPunct="1">
+              <a:defRPr sz="900" kern="1200">
+                <a:solidFill>
+                  <a:schemeClr val="bg1"/>
+                </a:solidFill>
+                <a:latin typeface="Arial" panose="020B0604020202020204" pitchFamily="34" charset="0"/>
+                <a:ea typeface="ＭＳ Ｐゴシック" panose="020B0600070205080204" pitchFamily="34" charset="-128"/>
+                <a:cs typeface="+mn-cs"/>
+              </a:defRPr>
+            </a:lvl7pPr>
+            <a:lvl8pPr marL="3200400" algn="l" defTabSz="914400" rtl="0" eaLnBrk="1" latinLnBrk="0" hangingPunct="1">
+              <a:defRPr sz="900" kern="1200">
+                <a:solidFill>
+                  <a:schemeClr val="bg1"/>
+                </a:solidFill>
+                <a:latin typeface="Arial" panose="020B0604020202020204" pitchFamily="34" charset="0"/>
+                <a:ea typeface="ＭＳ Ｐゴシック" panose="020B0600070205080204" pitchFamily="34" charset="-128"/>
+                <a:cs typeface="+mn-cs"/>
+              </a:defRPr>
+            </a:lvl8pPr>
+            <a:lvl9pPr marL="3657600" algn="l" defTabSz="914400" rtl="0" eaLnBrk="1" latinLnBrk="0" hangingPunct="1">
+              <a:defRPr sz="900" kern="1200">
+                <a:solidFill>
+                  <a:schemeClr val="bg1"/>
+                </a:solidFill>
+                <a:latin typeface="Arial" panose="020B0604020202020204" pitchFamily="34" charset="0"/>
+                <a:ea typeface="ＭＳ Ｐゴシック" panose="020B0600070205080204" pitchFamily="34" charset="-128"/>
+                <a:cs typeface="+mn-cs"/>
+              </a:defRPr>
+            </a:lvl9pPr>
+          </a:lstStyle>
+          <a:p>
+            <a:pPr marL="0" marR="0" lvl="0" indent="0" algn="l" defTabSz="914400" rtl="0" eaLnBrk="1" fontAlgn="base" latinLnBrk="0" hangingPunct="1">
+              <a:lnSpc>
+                <a:spcPct val="100000"/>
+              </a:lnSpc>
+              <a:spcBef>
+                <a:spcPct val="0"/>
+              </a:spcBef>
+              <a:spcAft>
+                <a:spcPct val="0"/>
+              </a:spcAft>
+              <a:buClrTx/>
+              <a:buSzTx/>
+              <a:buFontTx/>
+              <a:buNone/>
+              <a:tabLst/>
+              <a:defRPr/>
+            </a:pPr>
+            <a:r>
+              <a:rPr lang="it-IT" sz="2000" b="1" dirty="0" err="1">
+                <a:solidFill>
+                  <a:srgbClr val="822433"/>
+                </a:solidFill>
+                <a:latin typeface="+mn-lt"/>
+                <a:ea typeface="ＭＳ Ｐゴシック"/>
+                <a:cs typeface="Arial"/>
+              </a:rPr>
+              <a:t>Conclusions</a:t>
+            </a:r>
+            <a:endParaRPr kumimoji="0" lang="it-IT" sz="900" b="0" i="0" u="none" strike="noStrike" kern="1200" cap="none" spc="0" normalizeH="0" baseline="0" noProof="0" dirty="0">
+              <a:ln>
+                <a:noFill/>
+              </a:ln>
+              <a:solidFill>
+                <a:srgbClr val="FFFFFF"/>
+              </a:solidFill>
+              <a:effectLst/>
+              <a:uLnTx/>
+              <a:uFillTx/>
+              <a:latin typeface="+mn-lt"/>
+              <a:ea typeface="ＭＳ Ｐゴシック" panose="020B0600070205080204" pitchFamily="34" charset="-128"/>
+              <a:cs typeface="Arial"/>
+            </a:endParaRPr>
+          </a:p>
+          <a:p>
+            <a:pPr>
+              <a:defRPr/>
+            </a:pPr>
+            <a:r>
+              <a:rPr lang="it-IT" sz="1200" dirty="0" err="1">
+                <a:solidFill>
+                  <a:srgbClr val="822433"/>
+                </a:solidFill>
+                <a:latin typeface="+mj-lt"/>
+                <a:ea typeface="ＭＳ Ｐゴシック"/>
+                <a:cs typeface="Arial"/>
+              </a:rPr>
+              <a:t>Conclusions</a:t>
+            </a:r>
+            <a:br>
+              <a:rPr lang="it-IT" sz="900" b="0" i="0" u="none" strike="noStrike" kern="1200" cap="none" spc="0" normalizeH="0" baseline="0" noProof="0" dirty="0">
+                <a:ln>
+                  <a:noFill/>
+                </a:ln>
+                <a:effectLst/>
+                <a:uLnTx/>
+                <a:uFillTx/>
+                <a:latin typeface="Platino lino"/>
+                <a:ea typeface="ＭＳ Ｐゴシック" panose="020B0600070205080204" pitchFamily="34" charset="-128"/>
+                <a:cs typeface="Arial"/>
+              </a:rPr>
+            </a:br>
+            <a:r>
+              <a:rPr kumimoji="0" lang="it-IT" sz="900" b="0" i="0" u="none" strike="noStrike" kern="1200" cap="none" spc="0" normalizeH="0" baseline="0" noProof="0" dirty="0">
+                <a:ln>
+                  <a:noFill/>
+                </a:ln>
+                <a:solidFill>
+                  <a:prstClr val="white"/>
+                </a:solidFill>
+                <a:effectLst/>
+                <a:uLnTx/>
+                <a:uFillTx/>
+                <a:latin typeface="Platino lino"/>
+                <a:ea typeface="ＭＳ Ｐゴシック"/>
+                <a:cs typeface="Arial"/>
+              </a:rPr>
+              <a:t>1 Sottotitolo</a:t>
+            </a:r>
+            <a:endParaRPr kumimoji="0" lang="it-IT" sz="900" b="0" i="0" u="none" strike="noStrike" kern="1200" cap="none" spc="0" normalizeH="0" baseline="0" noProof="0" dirty="0">
+              <a:ln>
+                <a:noFill/>
+              </a:ln>
+              <a:solidFill>
+                <a:prstClr val="white"/>
+              </a:solidFill>
+              <a:effectLst/>
+              <a:uLnTx/>
+              <a:uFillTx/>
+              <a:latin typeface="Platino lino"/>
+              <a:ea typeface="ＭＳ Ｐゴシック" panose="020B0600070205080204" pitchFamily="34" charset="-128"/>
+              <a:cs typeface="Arial"/>
+            </a:endParaRPr>
+          </a:p>
+        </p:txBody>
+      </p:sp>
+      <p:sp>
+        <p:nvSpPr>
+          <p:cNvPr id="7" name="Rectangle 1">
+            <a:extLst>
+              <a:ext uri="{FF2B5EF4-FFF2-40B4-BE49-F238E27FC236}">
+                <a16:creationId xmlns:a16="http://schemas.microsoft.com/office/drawing/2014/main" id="{DF8E0E4A-7299-CDAE-3B4F-2F35164AC381}"/>
+              </a:ext>
+            </a:extLst>
+          </p:cNvPr>
+          <p:cNvSpPr>
+            <a:spLocks noChangeArrowheads="1"/>
+          </p:cNvSpPr>
+          <p:nvPr/>
+        </p:nvSpPr>
+        <p:spPr bwMode="auto">
+          <a:xfrm>
+            <a:off x="425451" y="2937658"/>
+            <a:ext cx="10600214" cy="457113"/>
+          </a:xfrm>
+          <a:prstGeom prst="rect">
+            <a:avLst/>
+          </a:prstGeom>
+          <a:noFill/>
+          <a:ln>
+            <a:noFill/>
+          </a:ln>
+          <a:effectLst/>
+          <a:extLst>
+            <a:ext uri="{909E8E84-426E-40DD-AFC4-6F175D3DCCD1}">
+              <a14:hiddenFill xmlns:a14="http://schemas.microsoft.com/office/drawing/2010/main">
+                <a:solidFill>
+                  <a:schemeClr val="accent1"/>
+                </a:solidFill>
+              </a14:hiddenFill>
+            </a:ext>
+            <a:ext uri="{91240B29-F687-4F45-9708-019B960494DF}">
+              <a14:hiddenLine xmlns:a14="http://schemas.microsoft.com/office/drawing/2010/main" w="9525">
+                <a:solidFill>
+                  <a:schemeClr val="tx1"/>
+                </a:solidFill>
+                <a:miter lim="800000"/>
+                <a:headEnd/>
+                <a:tailEnd/>
+              </a14:hiddenLine>
+            </a:ext>
+            <a:ext uri="{AF507438-7753-43E0-B8FC-AC1667EBCBE1}">
+              <a14:hiddenEffects xmlns:a14="http://schemas.microsoft.com/office/drawing/2010/main">
+                <a:effectLst>
+                  <a:outerShdw dist="35921" dir="2700000" algn="ctr" rotWithShape="0">
+                    <a:schemeClr val="bg2"/>
+                  </a:outerShdw>
+                </a:effectLst>
+              </a14:hiddenEffects>
+            </a:ext>
+          </a:extLst>
+        </p:spPr>
+        <p:txBody>
+          <a:bodyPr vert="horz" wrap="square" lIns="91440" tIns="45720" rIns="91440" bIns="45720" numCol="1" anchor="ctr" anchorCtr="0" compatLnSpc="1">
+            <a:prstTxWarp prst="textNoShape">
+              <a:avLst/>
+            </a:prstTxWarp>
+            <a:spAutoFit/>
+          </a:bodyPr>
+          <a:lstStyle/>
+          <a:p>
+            <a:endParaRPr lang="it-IT"/>
+          </a:p>
+        </p:txBody>
+      </p:sp>
+    </p:spTree>
+    <p:extLst>
+      <p:ext uri="{BB962C8B-B14F-4D97-AF65-F5344CB8AC3E}">
+        <p14:creationId xmlns:p14="http://schemas.microsoft.com/office/powerpoint/2010/main" val="944750019"/>
+      </p:ext>
+    </p:extLst>
+  </p:cSld>
+  <p:clrMapOvr>
+    <a:masterClrMapping/>
+  </p:clrMapOvr>
+</p:sld>
+</file>
+
+<file path=ppt/slides/slide24.xml><?xml version="1.0" encoding="utf-8"?>
+<p:sld xmlns:a="http://schemas.openxmlformats.org/drawingml/2006/main" xmlns:r="http://schemas.openxmlformats.org/officeDocument/2006/relationships" xmlns:p="http://schemas.openxmlformats.org/presentationml/2006/main">
+  <p:cSld>
+    <p:spTree>
+      <p:nvGrpSpPr>
+        <p:cNvPr id="1" name="">
+          <a:extLst>
+            <a:ext uri="{FF2B5EF4-FFF2-40B4-BE49-F238E27FC236}">
+              <a16:creationId xmlns:a16="http://schemas.microsoft.com/office/drawing/2014/main" id="{F108B30E-69D1-4742-28DD-4C83CA6BFF11}"/>
+            </a:ext>
+          </a:extLst>
+        </p:cNvPr>
+        <p:cNvGrpSpPr/>
+        <p:nvPr/>
+      </p:nvGrpSpPr>
+      <p:grpSpPr>
+        <a:xfrm>
+          <a:off x="0" y="0"/>
+          <a:ext cx="0" cy="0"/>
+          <a:chOff x="0" y="0"/>
+          <a:chExt cx="0" cy="0"/>
+        </a:xfrm>
+      </p:grpSpPr>
+      <p:sp>
+        <p:nvSpPr>
+          <p:cNvPr id="6" name="Rettangolo 5">
+            <a:extLst>
+              <a:ext uri="{FF2B5EF4-FFF2-40B4-BE49-F238E27FC236}">
+                <a16:creationId xmlns:a16="http://schemas.microsoft.com/office/drawing/2014/main" id="{68C4FB64-D530-1C5C-20DA-09EDC8BA7D39}"/>
+              </a:ext>
+            </a:extLst>
+          </p:cNvPr>
+          <p:cNvSpPr/>
+          <p:nvPr/>
+        </p:nvSpPr>
+        <p:spPr>
+          <a:xfrm>
+            <a:off x="708440" y="900"/>
+            <a:ext cx="905635" cy="1080920"/>
+          </a:xfrm>
+          <a:prstGeom prst="rect">
+            <a:avLst/>
+          </a:prstGeom>
+          <a:solidFill>
+            <a:srgbClr val="822433"/>
+          </a:solidFill>
+          <a:ln>
+            <a:noFill/>
+          </a:ln>
+        </p:spPr>
+        <p:style>
+          <a:lnRef idx="2">
+            <a:schemeClr val="accent1">
+              <a:shade val="15000"/>
+            </a:schemeClr>
+          </a:lnRef>
+          <a:fillRef idx="1">
+            <a:schemeClr val="accent1"/>
+          </a:fillRef>
+          <a:effectRef idx="0">
+            <a:schemeClr val="accent1"/>
+          </a:effectRef>
+          <a:fontRef idx="minor">
+            <a:schemeClr val="lt1"/>
+          </a:fontRef>
+        </p:style>
+        <p:txBody>
+          <a:bodyPr rtlCol="0" anchor="ctr"/>
+          <a:lstStyle/>
+          <a:p>
+            <a:pPr marL="0" marR="0" lvl="0" indent="0" algn="ctr" defTabSz="914400" rtl="0" eaLnBrk="0" fontAlgn="base" latinLnBrk="0" hangingPunct="0">
+              <a:lnSpc>
+                <a:spcPct val="100000"/>
+              </a:lnSpc>
+              <a:spcBef>
+                <a:spcPct val="0"/>
+              </a:spcBef>
+              <a:spcAft>
+                <a:spcPct val="0"/>
+              </a:spcAft>
+              <a:buClrTx/>
+              <a:buSzTx/>
+              <a:buFontTx/>
+              <a:buNone/>
+              <a:tabLst/>
+              <a:defRPr/>
+            </a:pPr>
+            <a:endParaRPr kumimoji="0" lang="it-IT" sz="900" b="0" i="0" u="none" strike="noStrike" kern="1200" cap="none" spc="0" normalizeH="0" baseline="0" noProof="0">
+              <a:ln>
+                <a:noFill/>
+              </a:ln>
+              <a:solidFill>
+                <a:prstClr val="white"/>
+              </a:solidFill>
+              <a:effectLst/>
+              <a:uLnTx/>
+              <a:uFillTx/>
+              <a:latin typeface="Neue Haas Grotesk Text Pro"/>
+              <a:ea typeface="+mn-ea"/>
+              <a:cs typeface="+mn-cs"/>
+            </a:endParaRPr>
+          </a:p>
+        </p:txBody>
+      </p:sp>
+      <p:pic>
+        <p:nvPicPr>
+          <p:cNvPr id="10" name="Immagine 9" descr="Target studenti | Area didattica di Economia - Sede di Latina">
+            <a:extLst>
+              <a:ext uri="{FF2B5EF4-FFF2-40B4-BE49-F238E27FC236}">
+                <a16:creationId xmlns:a16="http://schemas.microsoft.com/office/drawing/2014/main" id="{8C3EAC9D-9CE4-A9A5-E639-42D0966194B7}"/>
+              </a:ext>
+            </a:extLst>
+          </p:cNvPr>
+          <p:cNvPicPr>
+            <a:picLocks noChangeAspect="1"/>
+          </p:cNvPicPr>
+          <p:nvPr/>
+        </p:nvPicPr>
+        <p:blipFill>
+          <a:blip r:embed="rId2"/>
+          <a:stretch>
+            <a:fillRect/>
+          </a:stretch>
+        </p:blipFill>
+        <p:spPr>
+          <a:xfrm>
+            <a:off x="658265" y="184763"/>
+            <a:ext cx="1001485" cy="712644"/>
+          </a:xfrm>
+          <a:prstGeom prst="rect">
+            <a:avLst/>
+          </a:prstGeom>
+        </p:spPr>
+      </p:pic>
+      <p:sp>
+        <p:nvSpPr>
+          <p:cNvPr id="11" name="Segnaposto numero diapositiva 5">
+            <a:extLst>
+              <a:ext uri="{FF2B5EF4-FFF2-40B4-BE49-F238E27FC236}">
+                <a16:creationId xmlns:a16="http://schemas.microsoft.com/office/drawing/2014/main" id="{F6A1E243-6BFC-240B-8EBE-690BAE5EB86F}"/>
+              </a:ext>
+            </a:extLst>
+          </p:cNvPr>
+          <p:cNvSpPr>
+            <a:spLocks noGrp="1"/>
+          </p:cNvSpPr>
+          <p:nvPr>
+            <p:ph type="sldNum" sz="quarter" idx="12"/>
+          </p:nvPr>
+        </p:nvSpPr>
+        <p:spPr>
+          <a:xfrm>
+            <a:off x="-396552" y="6399900"/>
+            <a:ext cx="1905000" cy="457200"/>
+          </a:xfrm>
+          <a:noFill/>
+          <a:extLst>
+            <a:ext uri="{909E8E84-426E-40DD-AFC4-6F175D3DCCD1}">
+              <a14:hiddenFill xmlns:a14="http://schemas.microsoft.com/office/drawing/2010/main">
+                <a:solidFill>
+                  <a:schemeClr val="accent1"/>
+                </a:solidFill>
+              </a14:hiddenFill>
+            </a:ext>
+            <a:ext uri="{91240B29-F687-4F45-9708-019B960494DF}">
+              <a14:hiddenLine xmlns:a14="http://schemas.microsoft.com/office/drawing/2010/main" w="9525">
+                <a:solidFill>
+                  <a:schemeClr val="tx1"/>
+                </a:solidFill>
+                <a:miter lim="800000"/>
+                <a:headEnd/>
+                <a:tailEnd/>
+              </a14:hiddenLine>
+            </a:ext>
+          </a:extLst>
+        </p:spPr>
+        <p:txBody>
+          <a:bodyPr/>
+          <a:lstStyle>
+            <a:lvl1pPr>
+              <a:spcBef>
+                <a:spcPct val="20000"/>
+              </a:spcBef>
+              <a:buClr>
+                <a:srgbClr val="822433"/>
+              </a:buClr>
+              <a:buChar char="•"/>
+              <a:defRPr sz="2400">
+                <a:solidFill>
+                  <a:srgbClr val="000000"/>
+                </a:solidFill>
+                <a:latin typeface="Arial" panose="020B0604020202020204" pitchFamily="34" charset="0"/>
+                <a:ea typeface="ＭＳ Ｐゴシック" panose="020B0600070205080204" pitchFamily="34" charset="-128"/>
+              </a:defRPr>
+            </a:lvl1pPr>
+            <a:lvl2pPr marL="742950" indent="-285750">
+              <a:spcBef>
+                <a:spcPct val="20000"/>
+              </a:spcBef>
+              <a:buChar char="–"/>
+              <a:defRPr sz="2000">
+                <a:solidFill>
+                  <a:srgbClr val="000000"/>
+                </a:solidFill>
+                <a:latin typeface="Arial" panose="020B0604020202020204" pitchFamily="34" charset="0"/>
+                <a:ea typeface="ＭＳ Ｐゴシック" panose="020B0600070205080204" pitchFamily="34" charset="-128"/>
+              </a:defRPr>
+            </a:lvl2pPr>
+            <a:lvl3pPr marL="1143000" indent="-228600">
+              <a:spcBef>
+                <a:spcPct val="20000"/>
+              </a:spcBef>
+              <a:buChar char="•"/>
+              <a:defRPr sz="1600">
+                <a:solidFill>
+                  <a:srgbClr val="000000"/>
+                </a:solidFill>
+                <a:latin typeface="Arial" panose="020B0604020202020204" pitchFamily="34" charset="0"/>
+                <a:ea typeface="ＭＳ Ｐゴシック" panose="020B0600070205080204" pitchFamily="34" charset="-128"/>
+              </a:defRPr>
+            </a:lvl3pPr>
+            <a:lvl4pPr marL="1600200" indent="-228600">
+              <a:spcBef>
+                <a:spcPct val="20000"/>
+              </a:spcBef>
+              <a:buChar char="–"/>
+              <a:defRPr sz="1400">
+                <a:solidFill>
+                  <a:srgbClr val="000000"/>
+                </a:solidFill>
+                <a:latin typeface="Arial" panose="020B0604020202020204" pitchFamily="34" charset="0"/>
+                <a:ea typeface="ＭＳ Ｐゴシック" panose="020B0600070205080204" pitchFamily="34" charset="-128"/>
+              </a:defRPr>
+            </a:lvl4pPr>
+            <a:lvl5pPr marL="2057400" indent="-228600">
+              <a:spcBef>
+                <a:spcPct val="20000"/>
+              </a:spcBef>
+              <a:buChar char="»"/>
+              <a:defRPr sz="1200">
+                <a:solidFill>
+                  <a:srgbClr val="000000"/>
+                </a:solidFill>
+                <a:latin typeface="Arial" panose="020B0604020202020204" pitchFamily="34" charset="0"/>
+                <a:ea typeface="ＭＳ Ｐゴシック" panose="020B0600070205080204" pitchFamily="34" charset="-128"/>
+              </a:defRPr>
+            </a:lvl5pPr>
+            <a:lvl6pPr marL="2514600" indent="-228600" eaLnBrk="0" fontAlgn="base" hangingPunct="0">
+              <a:spcBef>
+                <a:spcPct val="20000"/>
+              </a:spcBef>
+              <a:spcAft>
+                <a:spcPct val="0"/>
+              </a:spcAft>
+              <a:buChar char="»"/>
+              <a:defRPr sz="1200">
+                <a:solidFill>
+                  <a:srgbClr val="000000"/>
+                </a:solidFill>
+                <a:latin typeface="Arial" panose="020B0604020202020204" pitchFamily="34" charset="0"/>
+                <a:ea typeface="ＭＳ Ｐゴシック" panose="020B0600070205080204" pitchFamily="34" charset="-128"/>
+              </a:defRPr>
+            </a:lvl6pPr>
+            <a:lvl7pPr marL="2971800" indent="-228600" eaLnBrk="0" fontAlgn="base" hangingPunct="0">
+              <a:spcBef>
+                <a:spcPct val="20000"/>
+              </a:spcBef>
+              <a:spcAft>
+                <a:spcPct val="0"/>
+              </a:spcAft>
+              <a:buChar char="»"/>
+              <a:defRPr sz="1200">
+                <a:solidFill>
+                  <a:srgbClr val="000000"/>
+                </a:solidFill>
+                <a:latin typeface="Arial" panose="020B0604020202020204" pitchFamily="34" charset="0"/>
+                <a:ea typeface="ＭＳ Ｐゴシック" panose="020B0600070205080204" pitchFamily="34" charset="-128"/>
+              </a:defRPr>
+            </a:lvl7pPr>
+            <a:lvl8pPr marL="3429000" indent="-228600" eaLnBrk="0" fontAlgn="base" hangingPunct="0">
+              <a:spcBef>
+                <a:spcPct val="20000"/>
+              </a:spcBef>
+              <a:spcAft>
+                <a:spcPct val="0"/>
+              </a:spcAft>
+              <a:buChar char="»"/>
+              <a:defRPr sz="1200">
+                <a:solidFill>
+                  <a:srgbClr val="000000"/>
+                </a:solidFill>
+                <a:latin typeface="Arial" panose="020B0604020202020204" pitchFamily="34" charset="0"/>
+                <a:ea typeface="ＭＳ Ｐゴシック" panose="020B0600070205080204" pitchFamily="34" charset="-128"/>
+              </a:defRPr>
+            </a:lvl8pPr>
+            <a:lvl9pPr marL="3886200" indent="-228600" eaLnBrk="0" fontAlgn="base" hangingPunct="0">
+              <a:spcBef>
+                <a:spcPct val="20000"/>
+              </a:spcBef>
+              <a:spcAft>
+                <a:spcPct val="0"/>
+              </a:spcAft>
+              <a:buChar char="»"/>
+              <a:defRPr sz="1200">
+                <a:solidFill>
+                  <a:srgbClr val="000000"/>
+                </a:solidFill>
+                <a:latin typeface="Arial" panose="020B0604020202020204" pitchFamily="34" charset="0"/>
+                <a:ea typeface="ＭＳ Ｐゴシック" panose="020B0600070205080204" pitchFamily="34" charset="-128"/>
+              </a:defRPr>
+            </a:lvl9pPr>
+          </a:lstStyle>
+          <a:p>
+            <a:pPr marL="0" marR="0" lvl="0" indent="0" algn="r" defTabSz="914400" rtl="0" eaLnBrk="0" fontAlgn="base" latinLnBrk="0" hangingPunct="0">
+              <a:lnSpc>
+                <a:spcPct val="100000"/>
+              </a:lnSpc>
+              <a:spcBef>
+                <a:spcPct val="0"/>
+              </a:spcBef>
+              <a:spcAft>
+                <a:spcPct val="0"/>
+              </a:spcAft>
+              <a:buClrTx/>
+              <a:buSzTx/>
+              <a:buFontTx/>
+              <a:buNone/>
+              <a:tabLst/>
+              <a:defRPr/>
+            </a:pPr>
+            <a:r>
+              <a:rPr kumimoji="0" lang="it-IT" altLang="it-IT" sz="1100" b="0" i="0" u="none" strike="noStrike" kern="1200" cap="none" spc="0" normalizeH="0" baseline="0" noProof="0">
+                <a:ln>
+                  <a:noFill/>
+                </a:ln>
+                <a:solidFill>
+                  <a:srgbClr val="822433"/>
+                </a:solidFill>
+                <a:effectLst/>
+                <a:uLnTx/>
+                <a:uFillTx/>
+                <a:latin typeface="Palatino Linotype" panose="02040502050505030304" pitchFamily="18" charset="0"/>
+                <a:ea typeface="ＭＳ Ｐゴシック" panose="020B0600070205080204" pitchFamily="34" charset="-128"/>
+                <a:cs typeface="+mn-cs"/>
+              </a:rPr>
+              <a:t>Page </a:t>
+            </a:r>
+            <a:fld id="{2A710F11-D8FC-B640-9CD7-9E66F8DF94F3}" type="slidenum">
+              <a:rPr kumimoji="0" lang="it-IT" altLang="it-IT" sz="1100" b="0" i="0" u="none" strike="noStrike" kern="1200" cap="none" spc="0" normalizeH="0" baseline="0" noProof="0" smtClean="0">
+                <a:ln>
+                  <a:noFill/>
+                </a:ln>
+                <a:solidFill>
+                  <a:srgbClr val="822433"/>
+                </a:solidFill>
+                <a:effectLst/>
+                <a:uLnTx/>
+                <a:uFillTx/>
+                <a:latin typeface="Palatino Linotype" panose="02040502050505030304" pitchFamily="18" charset="0"/>
+                <a:ea typeface="ＭＳ Ｐゴシック" panose="020B0600070205080204" pitchFamily="34" charset="-128"/>
+                <a:cs typeface="+mn-cs"/>
+              </a:rPr>
+              <a:pPr marL="0" marR="0" lvl="0" indent="0" algn="r" defTabSz="914400" rtl="0" eaLnBrk="0" fontAlgn="base" latinLnBrk="0" hangingPunct="0">
+                <a:lnSpc>
+                  <a:spcPct val="100000"/>
+                </a:lnSpc>
+                <a:spcBef>
+                  <a:spcPct val="0"/>
+                </a:spcBef>
+                <a:spcAft>
+                  <a:spcPct val="0"/>
+                </a:spcAft>
+                <a:buClrTx/>
+                <a:buSzTx/>
+                <a:buFontTx/>
+                <a:buNone/>
+                <a:tabLst/>
+                <a:defRPr/>
+              </a:pPr>
+              <a:t>24</a:t>
+            </a:fld>
+            <a:endParaRPr kumimoji="0" lang="it-IT" altLang="it-IT" sz="1100" b="0" i="0" u="none" strike="noStrike" kern="1200" cap="none" spc="0" normalizeH="0" baseline="0" noProof="0">
+              <a:ln>
+                <a:noFill/>
+              </a:ln>
+              <a:solidFill>
+                <a:srgbClr val="822433"/>
+              </a:solidFill>
+              <a:effectLst/>
+              <a:uLnTx/>
+              <a:uFillTx/>
+              <a:latin typeface="Palatino Linotype" panose="02040502050505030304" pitchFamily="18" charset="0"/>
+              <a:ea typeface="ＭＳ Ｐゴシック" panose="020B0600070205080204" pitchFamily="34" charset="-128"/>
+              <a:cs typeface="+mn-cs"/>
+            </a:endParaRPr>
+          </a:p>
+        </p:txBody>
+      </p:sp>
+      <p:sp>
+        <p:nvSpPr>
+          <p:cNvPr id="2" name="Rectangle 2">
+            <a:extLst>
+              <a:ext uri="{FF2B5EF4-FFF2-40B4-BE49-F238E27FC236}">
+                <a16:creationId xmlns:a16="http://schemas.microsoft.com/office/drawing/2014/main" id="{5DC54CB7-BCA8-D384-9332-602E6591B35B}"/>
+              </a:ext>
+            </a:extLst>
+          </p:cNvPr>
+          <p:cNvSpPr txBox="1">
+            <a:spLocks noChangeArrowheads="1"/>
+          </p:cNvSpPr>
+          <p:nvPr/>
+        </p:nvSpPr>
+        <p:spPr bwMode="auto">
+          <a:xfrm>
+            <a:off x="1920556" y="379656"/>
+            <a:ext cx="5306106" cy="701169"/>
+          </a:xfrm>
+          <a:prstGeom prst="rect">
+            <a:avLst/>
+          </a:prstGeom>
+          <a:noFill/>
+          <a:ln>
+            <a:noFill/>
+          </a:ln>
+          <a:extLst>
+            <a:ext uri="{909E8E84-426E-40DD-AFC4-6F175D3DCCD1}">
+              <a14:hiddenFill xmlns:a14="http://schemas.microsoft.com/office/drawing/2010/main">
+                <a:solidFill>
+                  <a:schemeClr val="accent1"/>
+                </a:solidFill>
+              </a14:hiddenFill>
+            </a:ext>
+            <a:ext uri="{91240B29-F687-4F45-9708-019B960494DF}">
+              <a14:hiddenLine xmlns:a14="http://schemas.microsoft.com/office/drawing/2010/main" w="9525">
+                <a:solidFill>
+                  <a:schemeClr val="tx1"/>
+                </a:solidFill>
+                <a:miter lim="800000"/>
+                <a:headEnd/>
+                <a:tailEnd/>
+              </a14:hiddenLine>
+            </a:ext>
+          </a:extLst>
+        </p:spPr>
+        <p:txBody>
+          <a:bodyPr vert="horz" wrap="square" lIns="91440" tIns="45720" rIns="91440" bIns="45720" numCol="1" anchor="t" anchorCtr="0" compatLnSpc="1">
+            <a:prstTxWarp prst="textNoShape">
+              <a:avLst/>
+            </a:prstTxWarp>
+          </a:bodyPr>
+          <a:lstStyle>
+            <a:defPPr>
+              <a:defRPr lang="it-IT"/>
+            </a:defPPr>
+            <a:lvl1pPr algn="l" rtl="0" eaLnBrk="0" fontAlgn="base" hangingPunct="0">
+              <a:spcBef>
+                <a:spcPct val="0"/>
+              </a:spcBef>
+              <a:spcAft>
+                <a:spcPct val="0"/>
+              </a:spcAft>
+              <a:defRPr sz="900" kern="1200">
+                <a:solidFill>
+                  <a:schemeClr val="bg1"/>
+                </a:solidFill>
+                <a:latin typeface="Arial" panose="020B0604020202020204" pitchFamily="34" charset="0"/>
+                <a:ea typeface="ＭＳ Ｐゴシック" panose="020B0600070205080204" pitchFamily="34" charset="-128"/>
+                <a:cs typeface="+mn-cs"/>
+              </a:defRPr>
+            </a:lvl1pPr>
+            <a:lvl2pPr marL="457200" algn="l" rtl="0" eaLnBrk="0" fontAlgn="base" hangingPunct="0">
+              <a:spcBef>
+                <a:spcPct val="0"/>
+              </a:spcBef>
+              <a:spcAft>
+                <a:spcPct val="0"/>
+              </a:spcAft>
+              <a:defRPr sz="900" kern="1200">
+                <a:solidFill>
+                  <a:schemeClr val="bg1"/>
+                </a:solidFill>
+                <a:latin typeface="Arial" panose="020B0604020202020204" pitchFamily="34" charset="0"/>
+                <a:ea typeface="ＭＳ Ｐゴシック" panose="020B0600070205080204" pitchFamily="34" charset="-128"/>
+                <a:cs typeface="+mn-cs"/>
+              </a:defRPr>
+            </a:lvl2pPr>
+            <a:lvl3pPr marL="914400" algn="l" rtl="0" eaLnBrk="0" fontAlgn="base" hangingPunct="0">
+              <a:spcBef>
+                <a:spcPct val="0"/>
+              </a:spcBef>
+              <a:spcAft>
+                <a:spcPct val="0"/>
+              </a:spcAft>
+              <a:defRPr sz="900" kern="1200">
+                <a:solidFill>
+                  <a:schemeClr val="bg1"/>
+                </a:solidFill>
+                <a:latin typeface="Arial" panose="020B0604020202020204" pitchFamily="34" charset="0"/>
+                <a:ea typeface="ＭＳ Ｐゴシック" panose="020B0600070205080204" pitchFamily="34" charset="-128"/>
+                <a:cs typeface="+mn-cs"/>
+              </a:defRPr>
+            </a:lvl3pPr>
+            <a:lvl4pPr marL="1371600" algn="l" rtl="0" eaLnBrk="0" fontAlgn="base" hangingPunct="0">
+              <a:spcBef>
+                <a:spcPct val="0"/>
+              </a:spcBef>
+              <a:spcAft>
+                <a:spcPct val="0"/>
+              </a:spcAft>
+              <a:defRPr sz="900" kern="1200">
+                <a:solidFill>
+                  <a:schemeClr val="bg1"/>
+                </a:solidFill>
+                <a:latin typeface="Arial" panose="020B0604020202020204" pitchFamily="34" charset="0"/>
+                <a:ea typeface="ＭＳ Ｐゴシック" panose="020B0600070205080204" pitchFamily="34" charset="-128"/>
+                <a:cs typeface="+mn-cs"/>
+              </a:defRPr>
+            </a:lvl4pPr>
+            <a:lvl5pPr marL="1828800" algn="l" rtl="0" eaLnBrk="0" fontAlgn="base" hangingPunct="0">
+              <a:spcBef>
+                <a:spcPct val="0"/>
+              </a:spcBef>
+              <a:spcAft>
+                <a:spcPct val="0"/>
+              </a:spcAft>
+              <a:defRPr sz="900" kern="1200">
+                <a:solidFill>
+                  <a:schemeClr val="bg1"/>
+                </a:solidFill>
+                <a:latin typeface="Arial" panose="020B0604020202020204" pitchFamily="34" charset="0"/>
+                <a:ea typeface="ＭＳ Ｐゴシック" panose="020B0600070205080204" pitchFamily="34" charset="-128"/>
+                <a:cs typeface="+mn-cs"/>
+              </a:defRPr>
+            </a:lvl5pPr>
+            <a:lvl6pPr marL="2286000" algn="l" defTabSz="914400" rtl="0" eaLnBrk="1" latinLnBrk="0" hangingPunct="1">
+              <a:defRPr sz="900" kern="1200">
+                <a:solidFill>
+                  <a:schemeClr val="bg1"/>
+                </a:solidFill>
+                <a:latin typeface="Arial" panose="020B0604020202020204" pitchFamily="34" charset="0"/>
+                <a:ea typeface="ＭＳ Ｐゴシック" panose="020B0600070205080204" pitchFamily="34" charset="-128"/>
+                <a:cs typeface="+mn-cs"/>
+              </a:defRPr>
+            </a:lvl6pPr>
+            <a:lvl7pPr marL="2743200" algn="l" defTabSz="914400" rtl="0" eaLnBrk="1" latinLnBrk="0" hangingPunct="1">
+              <a:defRPr sz="900" kern="1200">
+                <a:solidFill>
+                  <a:schemeClr val="bg1"/>
+                </a:solidFill>
+                <a:latin typeface="Arial" panose="020B0604020202020204" pitchFamily="34" charset="0"/>
+                <a:ea typeface="ＭＳ Ｐゴシック" panose="020B0600070205080204" pitchFamily="34" charset="-128"/>
+                <a:cs typeface="+mn-cs"/>
+              </a:defRPr>
+            </a:lvl7pPr>
+            <a:lvl8pPr marL="3200400" algn="l" defTabSz="914400" rtl="0" eaLnBrk="1" latinLnBrk="0" hangingPunct="1">
+              <a:defRPr sz="900" kern="1200">
+                <a:solidFill>
+                  <a:schemeClr val="bg1"/>
+                </a:solidFill>
+                <a:latin typeface="Arial" panose="020B0604020202020204" pitchFamily="34" charset="0"/>
+                <a:ea typeface="ＭＳ Ｐゴシック" panose="020B0600070205080204" pitchFamily="34" charset="-128"/>
+                <a:cs typeface="+mn-cs"/>
+              </a:defRPr>
+            </a:lvl8pPr>
+            <a:lvl9pPr marL="3657600" algn="l" defTabSz="914400" rtl="0" eaLnBrk="1" latinLnBrk="0" hangingPunct="1">
+              <a:defRPr sz="900" kern="1200">
+                <a:solidFill>
+                  <a:schemeClr val="bg1"/>
+                </a:solidFill>
+                <a:latin typeface="Arial" panose="020B0604020202020204" pitchFamily="34" charset="0"/>
+                <a:ea typeface="ＭＳ Ｐゴシック" panose="020B0600070205080204" pitchFamily="34" charset="-128"/>
+                <a:cs typeface="+mn-cs"/>
+              </a:defRPr>
+            </a:lvl9pPr>
+          </a:lstStyle>
+          <a:p>
+            <a:pPr marL="0" marR="0" lvl="0" indent="0" algn="l" defTabSz="914400" rtl="0" eaLnBrk="1" fontAlgn="base" latinLnBrk="0" hangingPunct="1">
+              <a:lnSpc>
+                <a:spcPct val="100000"/>
+              </a:lnSpc>
+              <a:spcBef>
+                <a:spcPct val="0"/>
+              </a:spcBef>
+              <a:spcAft>
+                <a:spcPct val="0"/>
+              </a:spcAft>
+              <a:buClrTx/>
+              <a:buSzTx/>
+              <a:buFontTx/>
+              <a:buNone/>
+              <a:tabLst/>
+              <a:defRPr/>
+            </a:pPr>
+            <a:r>
+              <a:rPr lang="it-IT" sz="2000" b="1" dirty="0">
+                <a:solidFill>
+                  <a:srgbClr val="822433"/>
+                </a:solidFill>
+                <a:latin typeface="+mn-lt"/>
+                <a:ea typeface="ＭＳ Ｐゴシック"/>
+                <a:cs typeface="Arial"/>
+              </a:rPr>
+              <a:t>Future Works</a:t>
+            </a:r>
+            <a:endParaRPr kumimoji="0" lang="it-IT" sz="900" b="0" i="0" u="none" strike="noStrike" kern="1200" cap="none" spc="0" normalizeH="0" baseline="0" noProof="0" dirty="0">
+              <a:ln>
+                <a:noFill/>
+              </a:ln>
+              <a:solidFill>
+                <a:srgbClr val="FFFFFF"/>
+              </a:solidFill>
+              <a:effectLst/>
+              <a:uLnTx/>
+              <a:uFillTx/>
+              <a:latin typeface="+mn-lt"/>
+              <a:ea typeface="ＭＳ Ｐゴシック" panose="020B0600070205080204" pitchFamily="34" charset="-128"/>
+              <a:cs typeface="Arial"/>
+            </a:endParaRPr>
+          </a:p>
+          <a:p>
+            <a:pPr>
+              <a:defRPr/>
+            </a:pPr>
+            <a:r>
+              <a:rPr lang="it-IT" sz="1200" dirty="0" err="1">
+                <a:solidFill>
+                  <a:srgbClr val="822433"/>
+                </a:solidFill>
+                <a:latin typeface="+mj-lt"/>
+                <a:ea typeface="ＭＳ Ｐゴシック"/>
+                <a:cs typeface="Arial"/>
+              </a:rPr>
+              <a:t>Conclusions</a:t>
+            </a:r>
+            <a:br>
+              <a:rPr lang="it-IT" sz="900" b="0" i="0" u="none" strike="noStrike" kern="1200" cap="none" spc="0" normalizeH="0" baseline="0" noProof="0" dirty="0">
+                <a:ln>
+                  <a:noFill/>
+                </a:ln>
+                <a:effectLst/>
+                <a:uLnTx/>
+                <a:uFillTx/>
+                <a:latin typeface="Platino lino"/>
+                <a:ea typeface="ＭＳ Ｐゴシック" panose="020B0600070205080204" pitchFamily="34" charset="-128"/>
+                <a:cs typeface="Arial"/>
+              </a:rPr>
+            </a:br>
+            <a:r>
+              <a:rPr kumimoji="0" lang="it-IT" sz="900" b="0" i="0" u="none" strike="noStrike" kern="1200" cap="none" spc="0" normalizeH="0" baseline="0" noProof="0" dirty="0">
+                <a:ln>
+                  <a:noFill/>
+                </a:ln>
+                <a:solidFill>
+                  <a:prstClr val="white"/>
+                </a:solidFill>
+                <a:effectLst/>
+                <a:uLnTx/>
+                <a:uFillTx/>
+                <a:latin typeface="Platino lino"/>
+                <a:ea typeface="ＭＳ Ｐゴシック"/>
+                <a:cs typeface="Arial"/>
+              </a:rPr>
+              <a:t>1 Sottotitolo</a:t>
+            </a:r>
+            <a:endParaRPr kumimoji="0" lang="it-IT" sz="900" b="0" i="0" u="none" strike="noStrike" kern="1200" cap="none" spc="0" normalizeH="0" baseline="0" noProof="0" dirty="0">
+              <a:ln>
+                <a:noFill/>
+              </a:ln>
+              <a:solidFill>
+                <a:prstClr val="white"/>
+              </a:solidFill>
+              <a:effectLst/>
+              <a:uLnTx/>
+              <a:uFillTx/>
+              <a:latin typeface="Platino lino"/>
+              <a:ea typeface="ＭＳ Ｐゴシック" panose="020B0600070205080204" pitchFamily="34" charset="-128"/>
+              <a:cs typeface="Arial"/>
+            </a:endParaRPr>
+          </a:p>
+        </p:txBody>
+      </p:sp>
+      <p:sp>
+        <p:nvSpPr>
+          <p:cNvPr id="7" name="Rectangle 1">
+            <a:extLst>
+              <a:ext uri="{FF2B5EF4-FFF2-40B4-BE49-F238E27FC236}">
+                <a16:creationId xmlns:a16="http://schemas.microsoft.com/office/drawing/2014/main" id="{F59D8AD3-0BC2-3DF3-FAB3-61A71E0202A5}"/>
+              </a:ext>
+            </a:extLst>
+          </p:cNvPr>
+          <p:cNvSpPr>
+            <a:spLocks noChangeArrowheads="1"/>
+          </p:cNvSpPr>
+          <p:nvPr/>
+        </p:nvSpPr>
+        <p:spPr bwMode="auto">
+          <a:xfrm>
+            <a:off x="425451" y="2937658"/>
+            <a:ext cx="10600214" cy="457113"/>
+          </a:xfrm>
+          <a:prstGeom prst="rect">
+            <a:avLst/>
+          </a:prstGeom>
+          <a:noFill/>
+          <a:ln>
+            <a:noFill/>
+          </a:ln>
+          <a:effectLst/>
+          <a:extLst>
+            <a:ext uri="{909E8E84-426E-40DD-AFC4-6F175D3DCCD1}">
+              <a14:hiddenFill xmlns:a14="http://schemas.microsoft.com/office/drawing/2010/main">
+                <a:solidFill>
+                  <a:schemeClr val="accent1"/>
+                </a:solidFill>
+              </a14:hiddenFill>
+            </a:ext>
+            <a:ext uri="{91240B29-F687-4F45-9708-019B960494DF}">
+              <a14:hiddenLine xmlns:a14="http://schemas.microsoft.com/office/drawing/2010/main" w="9525">
+                <a:solidFill>
+                  <a:schemeClr val="tx1"/>
+                </a:solidFill>
+                <a:miter lim="800000"/>
+                <a:headEnd/>
+                <a:tailEnd/>
+              </a14:hiddenLine>
+            </a:ext>
+            <a:ext uri="{AF507438-7753-43E0-B8FC-AC1667EBCBE1}">
+              <a14:hiddenEffects xmlns:a14="http://schemas.microsoft.com/office/drawing/2010/main">
+                <a:effectLst>
+                  <a:outerShdw dist="35921" dir="2700000" algn="ctr" rotWithShape="0">
+                    <a:schemeClr val="bg2"/>
+                  </a:outerShdw>
+                </a:effectLst>
+              </a14:hiddenEffects>
+            </a:ext>
+          </a:extLst>
+        </p:spPr>
+        <p:txBody>
+          <a:bodyPr vert="horz" wrap="square" lIns="91440" tIns="45720" rIns="91440" bIns="45720" numCol="1" anchor="ctr" anchorCtr="0" compatLnSpc="1">
+            <a:prstTxWarp prst="textNoShape">
+              <a:avLst/>
+            </a:prstTxWarp>
+            <a:spAutoFit/>
+          </a:bodyPr>
+          <a:lstStyle/>
+          <a:p>
+            <a:endParaRPr lang="it-IT"/>
+          </a:p>
+        </p:txBody>
+      </p:sp>
+    </p:spTree>
+    <p:extLst>
+      <p:ext uri="{BB962C8B-B14F-4D97-AF65-F5344CB8AC3E}">
+        <p14:creationId xmlns:p14="http://schemas.microsoft.com/office/powerpoint/2010/main" val="800199728"/>
+      </p:ext>
+    </p:extLst>
+  </p:cSld>
+  <p:clrMapOvr>
+    <a:masterClrMapping/>
+  </p:clrMapOvr>
+</p:sld>
+</file>
+
+<file path=ppt/slides/slide25.xml><?xml version="1.0" encoding="utf-8"?>
+<p:sld xmlns:a="http://schemas.openxmlformats.org/drawingml/2006/main" xmlns:r="http://schemas.openxmlformats.org/officeDocument/2006/relationships" xmlns:p="http://schemas.openxmlformats.org/presentationml/2006/main">
+  <p:cSld>
+    <p:bg>
+      <p:bgPr>
+        <a:solidFill>
+          <a:srgbClr val="822433"/>
+        </a:solidFill>
+        <a:effectLst/>
+      </p:bgPr>
+    </p:bg>
+    <p:spTree>
+      <p:nvGrpSpPr>
+        <p:cNvPr id="1" name="">
+          <a:extLst>
+            <a:ext uri="{FF2B5EF4-FFF2-40B4-BE49-F238E27FC236}">
+              <a16:creationId xmlns:a16="http://schemas.microsoft.com/office/drawing/2014/main" id="{2152CBDC-5DB0-010D-D5CB-F2B242297D4C}"/>
+            </a:ext>
+          </a:extLst>
+        </p:cNvPr>
+        <p:cNvGrpSpPr/>
+        <p:nvPr/>
+      </p:nvGrpSpPr>
+      <p:grpSpPr>
+        <a:xfrm>
+          <a:off x="0" y="0"/>
+          <a:ext cx="0" cy="0"/>
+          <a:chOff x="0" y="0"/>
+          <a:chExt cx="0" cy="0"/>
+        </a:xfrm>
+      </p:grpSpPr>
+      <p:sp>
+        <p:nvSpPr>
+          <p:cNvPr id="5" name="Rettangolo 4">
+            <a:extLst>
+              <a:ext uri="{FF2B5EF4-FFF2-40B4-BE49-F238E27FC236}">
+                <a16:creationId xmlns:a16="http://schemas.microsoft.com/office/drawing/2014/main" id="{02B771ED-BF3C-B59E-600E-C1E8AE5C5101}"/>
+              </a:ext>
+            </a:extLst>
+          </p:cNvPr>
+          <p:cNvSpPr/>
+          <p:nvPr/>
+        </p:nvSpPr>
+        <p:spPr>
+          <a:xfrm>
+            <a:off x="708440" y="900"/>
+            <a:ext cx="905635" cy="1080920"/>
+          </a:xfrm>
+          <a:prstGeom prst="rect">
+            <a:avLst/>
+          </a:prstGeom>
+          <a:solidFill>
+            <a:schemeClr val="bg1"/>
+          </a:solidFill>
+          <a:ln>
+            <a:noFill/>
+          </a:ln>
+        </p:spPr>
+        <p:style>
+          <a:lnRef idx="2">
+            <a:schemeClr val="accent1">
+              <a:shade val="15000"/>
+            </a:schemeClr>
+          </a:lnRef>
+          <a:fillRef idx="1">
+            <a:schemeClr val="accent1"/>
+          </a:fillRef>
+          <a:effectRef idx="0">
+            <a:schemeClr val="accent1"/>
+          </a:effectRef>
+          <a:fontRef idx="minor">
+            <a:schemeClr val="lt1"/>
+          </a:fontRef>
+        </p:style>
+        <p:txBody>
+          <a:bodyPr rtlCol="0" anchor="ctr"/>
+          <a:lstStyle/>
+          <a:p>
+            <a:pPr marL="0" marR="0" lvl="0" indent="0" algn="ctr" defTabSz="914400" rtl="0" eaLnBrk="0" fontAlgn="base" latinLnBrk="0" hangingPunct="0">
+              <a:lnSpc>
+                <a:spcPct val="100000"/>
+              </a:lnSpc>
+              <a:spcBef>
+                <a:spcPct val="0"/>
+              </a:spcBef>
+              <a:spcAft>
+                <a:spcPct val="0"/>
+              </a:spcAft>
+              <a:buClrTx/>
+              <a:buSzTx/>
+              <a:buFontTx/>
+              <a:buNone/>
+              <a:tabLst/>
+              <a:defRPr/>
+            </a:pPr>
+            <a:endParaRPr kumimoji="0" lang="it-IT" sz="900" b="0" i="0" u="none" strike="noStrike" kern="1200" cap="none" spc="0" normalizeH="0" baseline="0" noProof="0">
+              <a:ln>
+                <a:noFill/>
+              </a:ln>
+              <a:solidFill>
+                <a:prstClr val="white"/>
+              </a:solidFill>
+              <a:effectLst/>
+              <a:uLnTx/>
+              <a:uFillTx/>
+              <a:latin typeface="Neue Haas Grotesk Text Pro"/>
+              <a:ea typeface="+mn-ea"/>
+              <a:cs typeface="+mn-cs"/>
+            </a:endParaRPr>
+          </a:p>
+        </p:txBody>
+      </p:sp>
+      <p:pic>
+        <p:nvPicPr>
+          <p:cNvPr id="8" name="Immagine 7" descr="Partnership - Progetto MONALISA">
+            <a:extLst>
+              <a:ext uri="{FF2B5EF4-FFF2-40B4-BE49-F238E27FC236}">
+                <a16:creationId xmlns:a16="http://schemas.microsoft.com/office/drawing/2014/main" id="{DFEAED80-3D12-B829-364E-FB6333CAD876}"/>
+              </a:ext>
+            </a:extLst>
+          </p:cNvPr>
+          <p:cNvPicPr>
+            <a:picLocks noChangeAspect="1"/>
+          </p:cNvPicPr>
+          <p:nvPr/>
+        </p:nvPicPr>
+        <p:blipFill>
+          <a:blip r:embed="rId2"/>
+          <a:srcRect r="74592" b="-781"/>
+          <a:stretch/>
+        </p:blipFill>
+        <p:spPr>
+          <a:xfrm>
+            <a:off x="863173" y="192812"/>
+            <a:ext cx="594540" cy="715792"/>
+          </a:xfrm>
+          <a:prstGeom prst="rect">
+            <a:avLst/>
+          </a:prstGeom>
+        </p:spPr>
+      </p:pic>
+      <p:sp>
+        <p:nvSpPr>
+          <p:cNvPr id="6" name="Rectangle 2">
+            <a:extLst>
+              <a:ext uri="{FF2B5EF4-FFF2-40B4-BE49-F238E27FC236}">
+                <a16:creationId xmlns:a16="http://schemas.microsoft.com/office/drawing/2014/main" id="{5BABCAC4-6E5D-9355-8A08-929DB263A76E}"/>
+              </a:ext>
+            </a:extLst>
+          </p:cNvPr>
+          <p:cNvSpPr txBox="1">
+            <a:spLocks noChangeArrowheads="1"/>
+          </p:cNvSpPr>
+          <p:nvPr/>
+        </p:nvSpPr>
+        <p:spPr bwMode="auto">
+          <a:xfrm>
+            <a:off x="1920556" y="379656"/>
+            <a:ext cx="5306106" cy="701169"/>
+          </a:xfrm>
+          <a:prstGeom prst="rect">
+            <a:avLst/>
+          </a:prstGeom>
+          <a:noFill/>
+          <a:ln>
+            <a:noFill/>
+          </a:ln>
+          <a:extLst>
+            <a:ext uri="{909E8E84-426E-40DD-AFC4-6F175D3DCCD1}">
+              <a14:hiddenFill xmlns:a14="http://schemas.microsoft.com/office/drawing/2010/main">
+                <a:solidFill>
+                  <a:schemeClr val="accent1"/>
+                </a:solidFill>
+              </a14:hiddenFill>
+            </a:ext>
+            <a:ext uri="{91240B29-F687-4F45-9708-019B960494DF}">
+              <a14:hiddenLine xmlns:a14="http://schemas.microsoft.com/office/drawing/2010/main" w="9525">
+                <a:solidFill>
+                  <a:schemeClr val="tx1"/>
+                </a:solidFill>
+                <a:miter lim="800000"/>
+                <a:headEnd/>
+                <a:tailEnd/>
+              </a14:hiddenLine>
+            </a:ext>
+          </a:extLst>
+        </p:spPr>
+        <p:txBody>
+          <a:bodyPr vert="horz" wrap="square" lIns="91440" tIns="45720" rIns="91440" bIns="45720" numCol="1" anchor="t" anchorCtr="0" compatLnSpc="1">
+            <a:prstTxWarp prst="textNoShape">
+              <a:avLst/>
+            </a:prstTxWarp>
+          </a:bodyPr>
+          <a:lstStyle>
+            <a:defPPr>
+              <a:defRPr lang="it-IT"/>
+            </a:defPPr>
+            <a:lvl1pPr algn="l" rtl="0" eaLnBrk="0" fontAlgn="base" hangingPunct="0">
+              <a:spcBef>
+                <a:spcPct val="0"/>
+              </a:spcBef>
+              <a:spcAft>
+                <a:spcPct val="0"/>
+              </a:spcAft>
+              <a:defRPr sz="900" kern="1200">
+                <a:solidFill>
+                  <a:schemeClr val="bg1"/>
+                </a:solidFill>
+                <a:latin typeface="Arial" panose="020B0604020202020204" pitchFamily="34" charset="0"/>
+                <a:ea typeface="ＭＳ Ｐゴシック" panose="020B0600070205080204" pitchFamily="34" charset="-128"/>
+                <a:cs typeface="+mn-cs"/>
+              </a:defRPr>
+            </a:lvl1pPr>
+            <a:lvl2pPr marL="457200" algn="l" rtl="0" eaLnBrk="0" fontAlgn="base" hangingPunct="0">
+              <a:spcBef>
+                <a:spcPct val="0"/>
+              </a:spcBef>
+              <a:spcAft>
+                <a:spcPct val="0"/>
+              </a:spcAft>
+              <a:defRPr sz="900" kern="1200">
+                <a:solidFill>
+                  <a:schemeClr val="bg1"/>
+                </a:solidFill>
+                <a:latin typeface="Arial" panose="020B0604020202020204" pitchFamily="34" charset="0"/>
+                <a:ea typeface="ＭＳ Ｐゴシック" panose="020B0600070205080204" pitchFamily="34" charset="-128"/>
+                <a:cs typeface="+mn-cs"/>
+              </a:defRPr>
+            </a:lvl2pPr>
+            <a:lvl3pPr marL="914400" algn="l" rtl="0" eaLnBrk="0" fontAlgn="base" hangingPunct="0">
+              <a:spcBef>
+                <a:spcPct val="0"/>
+              </a:spcBef>
+              <a:spcAft>
+                <a:spcPct val="0"/>
+              </a:spcAft>
+              <a:defRPr sz="900" kern="1200">
+                <a:solidFill>
+                  <a:schemeClr val="bg1"/>
+                </a:solidFill>
+                <a:latin typeface="Arial" panose="020B0604020202020204" pitchFamily="34" charset="0"/>
+                <a:ea typeface="ＭＳ Ｐゴシック" panose="020B0600070205080204" pitchFamily="34" charset="-128"/>
+                <a:cs typeface="+mn-cs"/>
+              </a:defRPr>
+            </a:lvl3pPr>
+            <a:lvl4pPr marL="1371600" algn="l" rtl="0" eaLnBrk="0" fontAlgn="base" hangingPunct="0">
+              <a:spcBef>
+                <a:spcPct val="0"/>
+              </a:spcBef>
+              <a:spcAft>
+                <a:spcPct val="0"/>
+              </a:spcAft>
+              <a:defRPr sz="900" kern="1200">
+                <a:solidFill>
+                  <a:schemeClr val="bg1"/>
+                </a:solidFill>
+                <a:latin typeface="Arial" panose="020B0604020202020204" pitchFamily="34" charset="0"/>
+                <a:ea typeface="ＭＳ Ｐゴシック" panose="020B0600070205080204" pitchFamily="34" charset="-128"/>
+                <a:cs typeface="+mn-cs"/>
+              </a:defRPr>
+            </a:lvl4pPr>
+            <a:lvl5pPr marL="1828800" algn="l" rtl="0" eaLnBrk="0" fontAlgn="base" hangingPunct="0">
+              <a:spcBef>
+                <a:spcPct val="0"/>
+              </a:spcBef>
+              <a:spcAft>
+                <a:spcPct val="0"/>
+              </a:spcAft>
+              <a:defRPr sz="900" kern="1200">
+                <a:solidFill>
+                  <a:schemeClr val="bg1"/>
+                </a:solidFill>
+                <a:latin typeface="Arial" panose="020B0604020202020204" pitchFamily="34" charset="0"/>
+                <a:ea typeface="ＭＳ Ｐゴシック" panose="020B0600070205080204" pitchFamily="34" charset="-128"/>
+                <a:cs typeface="+mn-cs"/>
+              </a:defRPr>
+            </a:lvl5pPr>
+            <a:lvl6pPr marL="2286000" algn="l" defTabSz="914400" rtl="0" eaLnBrk="1" latinLnBrk="0" hangingPunct="1">
+              <a:defRPr sz="900" kern="1200">
+                <a:solidFill>
+                  <a:schemeClr val="bg1"/>
+                </a:solidFill>
+                <a:latin typeface="Arial" panose="020B0604020202020204" pitchFamily="34" charset="0"/>
+                <a:ea typeface="ＭＳ Ｐゴシック" panose="020B0600070205080204" pitchFamily="34" charset="-128"/>
+                <a:cs typeface="+mn-cs"/>
+              </a:defRPr>
+            </a:lvl6pPr>
+            <a:lvl7pPr marL="2743200" algn="l" defTabSz="914400" rtl="0" eaLnBrk="1" latinLnBrk="0" hangingPunct="1">
+              <a:defRPr sz="900" kern="1200">
+                <a:solidFill>
+                  <a:schemeClr val="bg1"/>
+                </a:solidFill>
+                <a:latin typeface="Arial" panose="020B0604020202020204" pitchFamily="34" charset="0"/>
+                <a:ea typeface="ＭＳ Ｐゴシック" panose="020B0600070205080204" pitchFamily="34" charset="-128"/>
+                <a:cs typeface="+mn-cs"/>
+              </a:defRPr>
+            </a:lvl7pPr>
+            <a:lvl8pPr marL="3200400" algn="l" defTabSz="914400" rtl="0" eaLnBrk="1" latinLnBrk="0" hangingPunct="1">
+              <a:defRPr sz="900" kern="1200">
+                <a:solidFill>
+                  <a:schemeClr val="bg1"/>
+                </a:solidFill>
+                <a:latin typeface="Arial" panose="020B0604020202020204" pitchFamily="34" charset="0"/>
+                <a:ea typeface="ＭＳ Ｐゴシック" panose="020B0600070205080204" pitchFamily="34" charset="-128"/>
+                <a:cs typeface="+mn-cs"/>
+              </a:defRPr>
+            </a:lvl8pPr>
+            <a:lvl9pPr marL="3657600" algn="l" defTabSz="914400" rtl="0" eaLnBrk="1" latinLnBrk="0" hangingPunct="1">
+              <a:defRPr sz="900" kern="1200">
+                <a:solidFill>
+                  <a:schemeClr val="bg1"/>
+                </a:solidFill>
+                <a:latin typeface="Arial" panose="020B0604020202020204" pitchFamily="34" charset="0"/>
+                <a:ea typeface="ＭＳ Ｐゴシック" panose="020B0600070205080204" pitchFamily="34" charset="-128"/>
+                <a:cs typeface="+mn-cs"/>
+              </a:defRPr>
+            </a:lvl9pPr>
+          </a:lstStyle>
+          <a:p>
+            <a:pPr marL="0" marR="0" lvl="0" indent="0" algn="l" defTabSz="914400" rtl="0" eaLnBrk="1" fontAlgn="base" latinLnBrk="0" hangingPunct="1">
+              <a:lnSpc>
+                <a:spcPct val="100000"/>
+              </a:lnSpc>
+              <a:spcBef>
+                <a:spcPct val="0"/>
+              </a:spcBef>
+              <a:spcAft>
+                <a:spcPct val="0"/>
+              </a:spcAft>
+              <a:buClrTx/>
+              <a:buSzTx/>
+              <a:buFontTx/>
+              <a:buNone/>
+              <a:tabLst/>
+              <a:defRPr/>
+            </a:pPr>
+            <a:endParaRPr kumimoji="0" lang="it-IT" sz="900" b="0" i="0" u="none" strike="noStrike" kern="1200" cap="none" spc="0" normalizeH="0" baseline="0" noProof="0" dirty="0">
+              <a:ln>
+                <a:noFill/>
+              </a:ln>
+              <a:solidFill>
+                <a:prstClr val="white"/>
+              </a:solidFill>
+              <a:effectLst/>
+              <a:uLnTx/>
+              <a:uFillTx/>
+              <a:latin typeface="Neue Haas Grotesk Text Pro"/>
+              <a:ea typeface="ＭＳ Ｐゴシック" panose="020B0600070205080204" pitchFamily="34" charset="-128"/>
+              <a:cs typeface="Arial"/>
+            </a:endParaRPr>
+          </a:p>
+        </p:txBody>
+      </p:sp>
+      <p:sp>
+        <p:nvSpPr>
+          <p:cNvPr id="12" name="Segnaposto numero diapositiva 5">
+            <a:extLst>
+              <a:ext uri="{FF2B5EF4-FFF2-40B4-BE49-F238E27FC236}">
+                <a16:creationId xmlns:a16="http://schemas.microsoft.com/office/drawing/2014/main" id="{30F32D6D-7BAA-45F3-1DC3-562598828E58}"/>
+              </a:ext>
+            </a:extLst>
+          </p:cNvPr>
+          <p:cNvSpPr txBox="1">
+            <a:spLocks/>
+          </p:cNvSpPr>
+          <p:nvPr/>
+        </p:nvSpPr>
+        <p:spPr>
+          <a:xfrm>
+            <a:off x="-396552" y="6399900"/>
+            <a:ext cx="1905000" cy="457200"/>
+          </a:xfrm>
+          <a:prstGeom prst="rect">
+            <a:avLst/>
+          </a:prstGeom>
+          <a:noFill/>
+          <a:extLst>
+            <a:ext uri="{909E8E84-426E-40DD-AFC4-6F175D3DCCD1}">
+              <a14:hiddenFill xmlns:a14="http://schemas.microsoft.com/office/drawing/2010/main">
+                <a:solidFill>
+                  <a:schemeClr val="accent1"/>
+                </a:solidFill>
+              </a14:hiddenFill>
+            </a:ext>
+            <a:ext uri="{91240B29-F687-4F45-9708-019B960494DF}">
+              <a14:hiddenLine xmlns:a14="http://schemas.microsoft.com/office/drawing/2010/main" w="9525">
+                <a:solidFill>
+                  <a:schemeClr val="tx1"/>
+                </a:solidFill>
+                <a:miter lim="800000"/>
+                <a:headEnd/>
+                <a:tailEnd/>
+              </a14:hiddenLine>
+            </a:ext>
+          </a:extLst>
+        </p:spPr>
+        <p:txBody>
+          <a:bodyPr vert="horz" lIns="91440" tIns="45720" rIns="91440" bIns="45720" rtlCol="0" anchor="ctr"/>
+          <a:lstStyle>
+            <a:defPPr>
+              <a:defRPr lang="it-IT"/>
+            </a:defPPr>
+            <a:lvl1pPr algn="r" rtl="0" eaLnBrk="0" fontAlgn="base" hangingPunct="0">
+              <a:spcBef>
+                <a:spcPct val="20000"/>
+              </a:spcBef>
+              <a:spcAft>
+                <a:spcPct val="0"/>
+              </a:spcAft>
+              <a:buClr>
+                <a:srgbClr val="822433"/>
+              </a:buClr>
+              <a:buChar char="•"/>
+              <a:defRPr sz="2400" kern="1200">
+                <a:solidFill>
+                  <a:srgbClr val="000000"/>
+                </a:solidFill>
+                <a:latin typeface="Arial" panose="020B0604020202020204" pitchFamily="34" charset="0"/>
+                <a:ea typeface="ＭＳ Ｐゴシック" panose="020B0600070205080204" pitchFamily="34" charset="-128"/>
+                <a:cs typeface="+mn-cs"/>
+              </a:defRPr>
+            </a:lvl1pPr>
+            <a:lvl2pPr marL="742950" indent="-285750" algn="l" rtl="0" eaLnBrk="0" fontAlgn="base" hangingPunct="0">
+              <a:spcBef>
+                <a:spcPct val="20000"/>
+              </a:spcBef>
+              <a:spcAft>
+                <a:spcPct val="0"/>
+              </a:spcAft>
+              <a:buChar char="–"/>
+              <a:defRPr sz="2000" kern="1200">
+                <a:solidFill>
+                  <a:srgbClr val="000000"/>
+                </a:solidFill>
+                <a:latin typeface="Arial" panose="020B0604020202020204" pitchFamily="34" charset="0"/>
+                <a:ea typeface="ＭＳ Ｐゴシック" panose="020B0600070205080204" pitchFamily="34" charset="-128"/>
+                <a:cs typeface="+mn-cs"/>
+              </a:defRPr>
+            </a:lvl2pPr>
+            <a:lvl3pPr marL="1143000" indent="-228600" algn="l" rtl="0" eaLnBrk="0" fontAlgn="base" hangingPunct="0">
+              <a:spcBef>
+                <a:spcPct val="20000"/>
+              </a:spcBef>
+              <a:spcAft>
+                <a:spcPct val="0"/>
+              </a:spcAft>
+              <a:buChar char="•"/>
+              <a:defRPr sz="1600" kern="1200">
+                <a:solidFill>
+                  <a:srgbClr val="000000"/>
+                </a:solidFill>
+                <a:latin typeface="Arial" panose="020B0604020202020204" pitchFamily="34" charset="0"/>
+                <a:ea typeface="ＭＳ Ｐゴシック" panose="020B0600070205080204" pitchFamily="34" charset="-128"/>
+                <a:cs typeface="+mn-cs"/>
+              </a:defRPr>
+            </a:lvl3pPr>
+            <a:lvl4pPr marL="1600200" indent="-228600" algn="l" rtl="0" eaLnBrk="0" fontAlgn="base" hangingPunct="0">
+              <a:spcBef>
+                <a:spcPct val="20000"/>
+              </a:spcBef>
+              <a:spcAft>
+                <a:spcPct val="0"/>
+              </a:spcAft>
+              <a:buChar char="–"/>
+              <a:defRPr sz="1400" kern="1200">
+                <a:solidFill>
+                  <a:srgbClr val="000000"/>
+                </a:solidFill>
+                <a:latin typeface="Arial" panose="020B0604020202020204" pitchFamily="34" charset="0"/>
+                <a:ea typeface="ＭＳ Ｐゴシック" panose="020B0600070205080204" pitchFamily="34" charset="-128"/>
+                <a:cs typeface="+mn-cs"/>
+              </a:defRPr>
+            </a:lvl4pPr>
+            <a:lvl5pPr marL="2057400" indent="-228600" algn="l" rtl="0" eaLnBrk="0" fontAlgn="base" hangingPunct="0">
+              <a:spcBef>
+                <a:spcPct val="20000"/>
+              </a:spcBef>
+              <a:spcAft>
+                <a:spcPct val="0"/>
+              </a:spcAft>
+              <a:buChar char="»"/>
+              <a:defRPr sz="1200" kern="1200">
+                <a:solidFill>
+                  <a:srgbClr val="000000"/>
+                </a:solidFill>
+                <a:latin typeface="Arial" panose="020B0604020202020204" pitchFamily="34" charset="0"/>
+                <a:ea typeface="ＭＳ Ｐゴシック" panose="020B0600070205080204" pitchFamily="34" charset="-128"/>
+                <a:cs typeface="+mn-cs"/>
+              </a:defRPr>
+            </a:lvl5pPr>
+            <a:lvl6pPr marL="2514600" indent="-228600" algn="l" defTabSz="914400" rtl="0" eaLnBrk="0" fontAlgn="base" latinLnBrk="0" hangingPunct="0">
+              <a:spcBef>
+                <a:spcPct val="20000"/>
+              </a:spcBef>
+              <a:spcAft>
+                <a:spcPct val="0"/>
+              </a:spcAft>
+              <a:buChar char="»"/>
+              <a:defRPr sz="1200" kern="1200">
+                <a:solidFill>
+                  <a:srgbClr val="000000"/>
+                </a:solidFill>
+                <a:latin typeface="Arial" panose="020B0604020202020204" pitchFamily="34" charset="0"/>
+                <a:ea typeface="ＭＳ Ｐゴシック" panose="020B0600070205080204" pitchFamily="34" charset="-128"/>
+                <a:cs typeface="+mn-cs"/>
+              </a:defRPr>
+            </a:lvl6pPr>
+            <a:lvl7pPr marL="2971800" indent="-228600" algn="l" defTabSz="914400" rtl="0" eaLnBrk="0" fontAlgn="base" latinLnBrk="0" hangingPunct="0">
+              <a:spcBef>
+                <a:spcPct val="20000"/>
+              </a:spcBef>
+              <a:spcAft>
+                <a:spcPct val="0"/>
+              </a:spcAft>
+              <a:buChar char="»"/>
+              <a:defRPr sz="1200" kern="1200">
+                <a:solidFill>
+                  <a:srgbClr val="000000"/>
+                </a:solidFill>
+                <a:latin typeface="Arial" panose="020B0604020202020204" pitchFamily="34" charset="0"/>
+                <a:ea typeface="ＭＳ Ｐゴシック" panose="020B0600070205080204" pitchFamily="34" charset="-128"/>
+                <a:cs typeface="+mn-cs"/>
+              </a:defRPr>
+            </a:lvl7pPr>
+            <a:lvl8pPr marL="3429000" indent="-228600" algn="l" defTabSz="914400" rtl="0" eaLnBrk="0" fontAlgn="base" latinLnBrk="0" hangingPunct="0">
+              <a:spcBef>
+                <a:spcPct val="20000"/>
+              </a:spcBef>
+              <a:spcAft>
+                <a:spcPct val="0"/>
+              </a:spcAft>
+              <a:buChar char="»"/>
+              <a:defRPr sz="1200" kern="1200">
+                <a:solidFill>
+                  <a:srgbClr val="000000"/>
+                </a:solidFill>
+                <a:latin typeface="Arial" panose="020B0604020202020204" pitchFamily="34" charset="0"/>
+                <a:ea typeface="ＭＳ Ｐゴシック" panose="020B0600070205080204" pitchFamily="34" charset="-128"/>
+                <a:cs typeface="+mn-cs"/>
+              </a:defRPr>
+            </a:lvl8pPr>
+            <a:lvl9pPr marL="3886200" indent="-228600" algn="l" defTabSz="914400" rtl="0" eaLnBrk="0" fontAlgn="base" latinLnBrk="0" hangingPunct="0">
+              <a:spcBef>
+                <a:spcPct val="20000"/>
+              </a:spcBef>
+              <a:spcAft>
+                <a:spcPct val="0"/>
+              </a:spcAft>
+              <a:buChar char="»"/>
+              <a:defRPr sz="1200" kern="1200">
+                <a:solidFill>
+                  <a:srgbClr val="000000"/>
+                </a:solidFill>
+                <a:latin typeface="Arial" panose="020B0604020202020204" pitchFamily="34" charset="0"/>
+                <a:ea typeface="ＭＳ Ｐゴシック" panose="020B0600070205080204" pitchFamily="34" charset="-128"/>
+                <a:cs typeface="+mn-cs"/>
+              </a:defRPr>
+            </a:lvl9pPr>
+          </a:lstStyle>
+          <a:p>
+            <a:pPr marL="0" marR="0" lvl="0" indent="0" algn="r" defTabSz="914400" rtl="0" eaLnBrk="0" fontAlgn="base" latinLnBrk="0" hangingPunct="0">
+              <a:lnSpc>
+                <a:spcPct val="100000"/>
+              </a:lnSpc>
+              <a:spcBef>
+                <a:spcPct val="0"/>
+              </a:spcBef>
+              <a:spcAft>
+                <a:spcPct val="0"/>
+              </a:spcAft>
+              <a:buClrTx/>
+              <a:buSzTx/>
+              <a:buFontTx/>
+              <a:buNone/>
+              <a:tabLst/>
+              <a:defRPr/>
+            </a:pPr>
+            <a:r>
+              <a:rPr kumimoji="0" lang="it-IT" altLang="it-IT" sz="1100" b="0" i="0" u="none" strike="noStrike" kern="1200" cap="none" spc="0" normalizeH="0" baseline="0" noProof="0">
+                <a:ln>
+                  <a:noFill/>
+                </a:ln>
+                <a:solidFill>
+                  <a:prstClr val="white"/>
+                </a:solidFill>
+                <a:effectLst/>
+                <a:uLnTx/>
+                <a:uFillTx/>
+                <a:latin typeface="Palatino Linotype" panose="02040502050505030304" pitchFamily="18" charset="0"/>
+                <a:ea typeface="ＭＳ Ｐゴシック" panose="020B0600070205080204" pitchFamily="34" charset="-128"/>
+                <a:cs typeface="+mn-cs"/>
+              </a:rPr>
+              <a:t>Page</a:t>
+            </a:r>
+            <a:r>
+              <a:rPr kumimoji="0" lang="it-IT" altLang="it-IT" sz="1100" b="0" i="0" u="none" strike="noStrike" kern="1200" cap="none" spc="0" normalizeH="0" baseline="0" noProof="0">
+                <a:ln>
+                  <a:noFill/>
+                </a:ln>
+                <a:solidFill>
+                  <a:srgbClr val="822433"/>
+                </a:solidFill>
+                <a:effectLst/>
+                <a:uLnTx/>
+                <a:uFillTx/>
+                <a:latin typeface="Palatino Linotype" panose="02040502050505030304" pitchFamily="18" charset="0"/>
+                <a:ea typeface="ＭＳ Ｐゴシック" panose="020B0600070205080204" pitchFamily="34" charset="-128"/>
+                <a:cs typeface="+mn-cs"/>
+              </a:rPr>
+              <a:t> </a:t>
+            </a:r>
+            <a:fld id="{2A710F11-D8FC-B640-9CD7-9E66F8DF94F3}" type="slidenum">
+              <a:rPr kumimoji="0" lang="it-IT" altLang="it-IT" sz="1100" b="0" i="0" u="none" strike="noStrike" kern="1200" cap="none" spc="0" normalizeH="0" baseline="0" noProof="0" smtClean="0">
+                <a:ln>
+                  <a:noFill/>
+                </a:ln>
+                <a:solidFill>
+                  <a:prstClr val="white"/>
+                </a:solidFill>
+                <a:effectLst/>
+                <a:uLnTx/>
+                <a:uFillTx/>
+                <a:latin typeface="Palatino Linotype" panose="02040502050505030304" pitchFamily="18" charset="0"/>
+                <a:ea typeface="ＭＳ Ｐゴシック" panose="020B0600070205080204" pitchFamily="34" charset="-128"/>
+                <a:cs typeface="+mn-cs"/>
+              </a:rPr>
+              <a:pPr marL="0" marR="0" lvl="0" indent="0" algn="r" defTabSz="914400" rtl="0" eaLnBrk="0" fontAlgn="base" latinLnBrk="0" hangingPunct="0">
+                <a:lnSpc>
+                  <a:spcPct val="100000"/>
+                </a:lnSpc>
+                <a:spcBef>
+                  <a:spcPct val="0"/>
+                </a:spcBef>
+                <a:spcAft>
+                  <a:spcPct val="0"/>
+                </a:spcAft>
+                <a:buClrTx/>
+                <a:buSzTx/>
+                <a:buFontTx/>
+                <a:buNone/>
+                <a:tabLst/>
+                <a:defRPr/>
+              </a:pPr>
+              <a:t>25</a:t>
+            </a:fld>
+            <a:endParaRPr kumimoji="0" lang="it-IT" altLang="it-IT" sz="1100" b="0" i="0" u="none" strike="noStrike" kern="1200" cap="none" spc="0" normalizeH="0" baseline="0" noProof="0">
+              <a:ln>
+                <a:noFill/>
+              </a:ln>
+              <a:solidFill>
+                <a:prstClr val="white"/>
+              </a:solidFill>
+              <a:effectLst/>
+              <a:uLnTx/>
+              <a:uFillTx/>
+              <a:latin typeface="Palatino Linotype" panose="02040502050505030304" pitchFamily="18" charset="0"/>
+              <a:ea typeface="ＭＳ Ｐゴシック" panose="020B0600070205080204" pitchFamily="34" charset="-128"/>
+              <a:cs typeface="+mn-cs"/>
+            </a:endParaRPr>
+          </a:p>
+        </p:txBody>
+      </p:sp>
+      <p:sp>
+        <p:nvSpPr>
+          <p:cNvPr id="3" name="CasellaDiTesto 2">
+            <a:extLst>
+              <a:ext uri="{FF2B5EF4-FFF2-40B4-BE49-F238E27FC236}">
+                <a16:creationId xmlns:a16="http://schemas.microsoft.com/office/drawing/2014/main" id="{DF548F53-D729-BE90-2F75-67BD5BAB51AD}"/>
+              </a:ext>
+            </a:extLst>
+          </p:cNvPr>
+          <p:cNvSpPr txBox="1"/>
+          <p:nvPr/>
+        </p:nvSpPr>
+        <p:spPr>
+          <a:xfrm>
+            <a:off x="706315" y="1273732"/>
+            <a:ext cx="7731369" cy="1461939"/>
+          </a:xfrm>
+          <a:prstGeom prst="rect">
+            <a:avLst/>
+          </a:prstGeom>
+          <a:noFill/>
+        </p:spPr>
+        <p:txBody>
+          <a:bodyPr wrap="square" rtlCol="0">
+            <a:spAutoFit/>
+          </a:bodyPr>
+          <a:lstStyle/>
+          <a:p>
+            <a:endParaRPr lang="it-IT" sz="2000" dirty="0">
+              <a:solidFill>
+                <a:srgbClr val="9C2C3F"/>
+              </a:solidFill>
+              <a:latin typeface="Arial"/>
+              <a:ea typeface="ＭＳ Ｐゴシック"/>
+              <a:cs typeface="Arial"/>
+            </a:endParaRPr>
+          </a:p>
+          <a:p>
+            <a:r>
+              <a:rPr kumimoji="0" lang="it-IT" sz="2000" b="0" i="0" u="none" strike="noStrike" kern="1200" cap="none" spc="0" normalizeH="0" baseline="0" noProof="0" dirty="0">
+                <a:ln>
+                  <a:noFill/>
+                </a:ln>
+                <a:effectLst/>
+                <a:uLnTx/>
+                <a:uFillTx/>
+                <a:latin typeface="Arial"/>
+                <a:ea typeface="ＭＳ Ｐゴシック"/>
+                <a:cs typeface="Arial"/>
+              </a:rPr>
+              <a:t>▶ Thanks for the </a:t>
+            </a:r>
+            <a:r>
+              <a:rPr kumimoji="0" lang="it-IT" sz="2000" b="0" i="0" u="none" strike="noStrike" kern="1200" cap="none" spc="0" normalizeH="0" baseline="0" noProof="0" dirty="0" err="1">
+                <a:ln>
+                  <a:noFill/>
+                </a:ln>
+                <a:effectLst/>
+                <a:uLnTx/>
+                <a:uFillTx/>
+                <a:latin typeface="Arial"/>
+                <a:ea typeface="ＭＳ Ｐゴシック"/>
+                <a:cs typeface="Arial"/>
+              </a:rPr>
+              <a:t>attention</a:t>
+            </a:r>
+            <a:r>
+              <a:rPr kumimoji="0" lang="it-IT" sz="2000" b="0" i="0" u="none" strike="noStrike" kern="1200" cap="none" spc="0" normalizeH="0" baseline="0" noProof="0" dirty="0">
+                <a:ln>
+                  <a:noFill/>
+                </a:ln>
+                <a:effectLst/>
+                <a:uLnTx/>
+                <a:uFillTx/>
+                <a:latin typeface="Arial"/>
+                <a:ea typeface="ＭＳ Ｐゴシック"/>
+                <a:cs typeface="Arial"/>
+              </a:rPr>
+              <a:t>!</a:t>
+            </a:r>
+            <a:endParaRPr kumimoji="0" lang="it-IT" sz="2000" b="0" i="0" u="none" strike="noStrike" kern="1200" cap="none" spc="0" normalizeH="0" baseline="0" noProof="0" dirty="0">
+              <a:ln>
+                <a:noFill/>
+              </a:ln>
+              <a:effectLst/>
+              <a:uLnTx/>
+              <a:uFillTx/>
+              <a:latin typeface="Arial" panose="020B0604020202020204" pitchFamily="34" charset="0"/>
+              <a:ea typeface="ＭＳ Ｐゴシック" panose="020B0600070205080204" pitchFamily="34" charset="-128"/>
+              <a:cs typeface="Arial"/>
+            </a:endParaRPr>
+          </a:p>
+          <a:p>
+            <a:endParaRPr kumimoji="0" lang="it-IT" sz="2000" b="0" i="0" u="none" strike="noStrike" kern="1200" cap="none" spc="0" normalizeH="0" baseline="0" noProof="0" dirty="0">
+              <a:ln>
+                <a:noFill/>
+              </a:ln>
+              <a:solidFill>
+                <a:prstClr val="white"/>
+              </a:solidFill>
+              <a:effectLst/>
+              <a:uLnTx/>
+              <a:uFillTx/>
+              <a:latin typeface="Arial" panose="020B0604020202020204" pitchFamily="34" charset="0"/>
+              <a:ea typeface="ＭＳ Ｐゴシック" panose="020B0600070205080204" pitchFamily="34" charset="-128"/>
+              <a:cs typeface="Arial"/>
+            </a:endParaRPr>
+          </a:p>
+          <a:p>
+            <a:endParaRPr kumimoji="0" lang="it-IT" sz="2000" b="0" i="0" u="none" strike="noStrike" kern="1200" cap="none" spc="0" normalizeH="0" baseline="0" noProof="0" dirty="0">
+              <a:ln>
+                <a:noFill/>
+              </a:ln>
+              <a:solidFill>
+                <a:prstClr val="white"/>
+              </a:solidFill>
+              <a:effectLst/>
+              <a:uLnTx/>
+              <a:uFillTx/>
+              <a:latin typeface="Arial" panose="020B0604020202020204" pitchFamily="34" charset="0"/>
+              <a:ea typeface="ＭＳ Ｐゴシック" panose="020B0600070205080204" pitchFamily="34" charset="-128"/>
+              <a:cs typeface="Arial"/>
+            </a:endParaRPr>
+          </a:p>
+          <a:p>
+            <a:endParaRPr lang="it-IT" dirty="0"/>
+          </a:p>
+        </p:txBody>
+      </p:sp>
+    </p:spTree>
+    <p:extLst>
+      <p:ext uri="{BB962C8B-B14F-4D97-AF65-F5344CB8AC3E}">
+        <p14:creationId xmlns:p14="http://schemas.microsoft.com/office/powerpoint/2010/main" val="2744029324"/>
       </p:ext>
     </p:extLst>
   </p:cSld>

--- a/presentation/presentation.pptx
+++ b/presentation/presentation.pptx
@@ -5,10 +5,10 @@
     <p:sldMasterId id="2147483663" r:id="rId1"/>
   </p:sldMasterIdLst>
   <p:notesMasterIdLst>
-    <p:notesMasterId r:id="rId27"/>
+    <p:notesMasterId r:id="rId29"/>
   </p:notesMasterIdLst>
   <p:handoutMasterIdLst>
-    <p:handoutMasterId r:id="rId28"/>
+    <p:handoutMasterId r:id="rId30"/>
   </p:handoutMasterIdLst>
   <p:sldIdLst>
     <p:sldId id="279" r:id="rId2"/>
@@ -36,6 +36,8 @@
     <p:sldId id="321" r:id="rId24"/>
     <p:sldId id="322" r:id="rId25"/>
     <p:sldId id="323" r:id="rId26"/>
+    <p:sldId id="324" r:id="rId27"/>
+    <p:sldId id="325" r:id="rId28"/>
   </p:sldIdLst>
   <p:sldSz cx="9144000" cy="6858000" type="screen4x3"/>
   <p:notesSz cx="6858000" cy="9144000"/>
@@ -29443,6 +29445,511 @@
           </a:p>
         </p:txBody>
       </p:sp>
+      <p:sp>
+        <p:nvSpPr>
+          <p:cNvPr id="3" name="CasellaDiTesto 2">
+            <a:extLst>
+              <a:ext uri="{FF2B5EF4-FFF2-40B4-BE49-F238E27FC236}">
+                <a16:creationId xmlns:a16="http://schemas.microsoft.com/office/drawing/2014/main" id="{6BB23F06-5A61-1B9A-C1CE-EBD2E8944A72}"/>
+              </a:ext>
+            </a:extLst>
+          </p:cNvPr>
+          <p:cNvSpPr txBox="1"/>
+          <p:nvPr/>
+        </p:nvSpPr>
+        <p:spPr>
+          <a:xfrm>
+            <a:off x="850900" y="1377950"/>
+            <a:ext cx="7569200" cy="4539704"/>
+          </a:xfrm>
+          <a:prstGeom prst="rect">
+            <a:avLst/>
+          </a:prstGeom>
+          <a:noFill/>
+        </p:spPr>
+        <p:txBody>
+          <a:bodyPr wrap="square" rtlCol="0">
+            <a:spAutoFit/>
+          </a:bodyPr>
+          <a:lstStyle/>
+          <a:p>
+            <a:pPr marL="285750" indent="-285750">
+              <a:buFont typeface="Arial" panose="020B0604020202020204" pitchFamily="34" charset="0"/>
+              <a:buChar char="•"/>
+            </a:pPr>
+            <a:r>
+              <a:rPr lang="en-US" sz="1400" dirty="0">
+                <a:solidFill>
+                  <a:schemeClr val="tx1"/>
+                </a:solidFill>
+                <a:ea typeface="Arial" panose="020B0604020202020204" pitchFamily="34" charset="0"/>
+              </a:rPr>
+              <a:t>B</a:t>
+            </a:r>
+            <a:r>
+              <a:rPr lang="en-US" sz="1400" u="none" strike="noStrike" dirty="0">
+                <a:solidFill>
+                  <a:schemeClr val="tx1"/>
+                </a:solidFill>
+                <a:effectLst/>
+                <a:latin typeface="Arial" panose="020B0604020202020204" pitchFamily="34" charset="0"/>
+                <a:ea typeface="Arial" panose="020B0604020202020204" pitchFamily="34" charset="0"/>
+              </a:rPr>
+              <a:t>est performance in terms of accuracy and F1-score were achieved by </a:t>
+            </a:r>
+            <a:r>
+              <a:rPr lang="en-US" sz="1400" b="1" u="none" strike="noStrike" dirty="0">
+                <a:solidFill>
+                  <a:schemeClr val="tx1"/>
+                </a:solidFill>
+                <a:effectLst/>
+                <a:latin typeface="Arial" panose="020B0604020202020204" pitchFamily="34" charset="0"/>
+                <a:ea typeface="Arial" panose="020B0604020202020204" pitchFamily="34" charset="0"/>
+              </a:rPr>
+              <a:t>Dense SIFT </a:t>
+            </a:r>
+            <a:r>
+              <a:rPr lang="en-US" sz="1400" u="none" strike="noStrike" dirty="0">
+                <a:solidFill>
+                  <a:schemeClr val="tx1"/>
+                </a:solidFill>
+                <a:effectLst/>
+                <a:latin typeface="Arial" panose="020B0604020202020204" pitchFamily="34" charset="0"/>
+                <a:ea typeface="Arial" panose="020B0604020202020204" pitchFamily="34" charset="0"/>
+              </a:rPr>
+              <a:t>or by concatenating traditional complementary features, such as </a:t>
+            </a:r>
+            <a:r>
+              <a:rPr lang="en-US" sz="1400" b="1" u="none" strike="noStrike" dirty="0">
+                <a:solidFill>
+                  <a:schemeClr val="tx1"/>
+                </a:solidFill>
+                <a:effectLst/>
+                <a:latin typeface="Arial" panose="020B0604020202020204" pitchFamily="34" charset="0"/>
+                <a:ea typeface="Arial" panose="020B0604020202020204" pitchFamily="34" charset="0"/>
+              </a:rPr>
+              <a:t>LBP</a:t>
+            </a:r>
+            <a:r>
+              <a:rPr lang="en-US" sz="1400" u="none" strike="noStrike" dirty="0">
+                <a:solidFill>
+                  <a:schemeClr val="tx1"/>
+                </a:solidFill>
+                <a:effectLst/>
+                <a:latin typeface="Arial" panose="020B0604020202020204" pitchFamily="34" charset="0"/>
+                <a:ea typeface="Arial" panose="020B0604020202020204" pitchFamily="34" charset="0"/>
+              </a:rPr>
+              <a:t> and </a:t>
+            </a:r>
+            <a:r>
+              <a:rPr lang="en-US" sz="1400" b="1" u="none" strike="noStrike" dirty="0">
+                <a:solidFill>
+                  <a:schemeClr val="tx1"/>
+                </a:solidFill>
+                <a:effectLst/>
+                <a:latin typeface="Arial" panose="020B0604020202020204" pitchFamily="34" charset="0"/>
+                <a:ea typeface="Arial" panose="020B0604020202020204" pitchFamily="34" charset="0"/>
+              </a:rPr>
+              <a:t>HOG</a:t>
+            </a:r>
+            <a:r>
+              <a:rPr lang="en-US" sz="1400" u="none" strike="noStrike" dirty="0">
+                <a:solidFill>
+                  <a:schemeClr val="tx1"/>
+                </a:solidFill>
+                <a:effectLst/>
+                <a:latin typeface="Arial" panose="020B0604020202020204" pitchFamily="34" charset="0"/>
+                <a:ea typeface="Arial" panose="020B0604020202020204" pitchFamily="34" charset="0"/>
+              </a:rPr>
+              <a:t>. </a:t>
+            </a:r>
+            <a:endParaRPr lang="en-US" sz="1400" dirty="0">
+              <a:solidFill>
+                <a:schemeClr val="tx1"/>
+              </a:solidFill>
+              <a:ea typeface="Arial" panose="020B0604020202020204" pitchFamily="34" charset="0"/>
+            </a:endParaRPr>
+          </a:p>
+          <a:p>
+            <a:pPr marL="285750" indent="-285750">
+              <a:buFont typeface="Arial" panose="020B0604020202020204" pitchFamily="34" charset="0"/>
+              <a:buChar char="•"/>
+            </a:pPr>
+            <a:r>
+              <a:rPr lang="en-US" sz="1400" u="none" strike="noStrike" dirty="0">
+                <a:solidFill>
+                  <a:schemeClr val="tx1"/>
+                </a:solidFill>
+                <a:effectLst/>
+                <a:latin typeface="Arial" panose="020B0604020202020204" pitchFamily="34" charset="0"/>
+                <a:ea typeface="Arial" panose="020B0604020202020204" pitchFamily="34" charset="0"/>
+              </a:rPr>
+              <a:t>They generate features with a </a:t>
+            </a:r>
+            <a:r>
+              <a:rPr lang="en-US" sz="1400" u="none" strike="noStrike" dirty="0">
+                <a:solidFill>
+                  <a:srgbClr val="822433"/>
+                </a:solidFill>
+                <a:effectLst/>
+                <a:latin typeface="Arial" panose="020B0604020202020204" pitchFamily="34" charset="0"/>
+                <a:ea typeface="Arial" panose="020B0604020202020204" pitchFamily="34" charset="0"/>
+              </a:rPr>
+              <a:t>high number of components</a:t>
+            </a:r>
+            <a:r>
+              <a:rPr lang="en-US" sz="1400" u="none" strike="noStrike" dirty="0">
+                <a:solidFill>
+                  <a:schemeClr val="tx1"/>
+                </a:solidFill>
+                <a:effectLst/>
+                <a:latin typeface="Arial" panose="020B0604020202020204" pitchFamily="34" charset="0"/>
+                <a:ea typeface="Arial" panose="020B0604020202020204" pitchFamily="34" charset="0"/>
+              </a:rPr>
+              <a:t>, increasing significantly computational time (~2000% of LBP’s training time) and resulting in models </a:t>
+            </a:r>
+            <a:r>
+              <a:rPr lang="en-US" sz="1400" u="none" strike="noStrike" dirty="0">
+                <a:solidFill>
+                  <a:srgbClr val="822433"/>
+                </a:solidFill>
+                <a:effectLst/>
+                <a:latin typeface="Arial" panose="020B0604020202020204" pitchFamily="34" charset="0"/>
+                <a:ea typeface="Arial" panose="020B0604020202020204" pitchFamily="34" charset="0"/>
+              </a:rPr>
+              <a:t>highly vulnerable</a:t>
+            </a:r>
+            <a:r>
+              <a:rPr lang="en-US" sz="1400" u="none" strike="noStrike" dirty="0">
+                <a:solidFill>
+                  <a:schemeClr val="tx1"/>
+                </a:solidFill>
+                <a:effectLst/>
+                <a:latin typeface="Arial" panose="020B0604020202020204" pitchFamily="34" charset="0"/>
+                <a:ea typeface="Arial" panose="020B0604020202020204" pitchFamily="34" charset="0"/>
+              </a:rPr>
+              <a:t> to adversarial attacks. </a:t>
+            </a:r>
+          </a:p>
+          <a:p>
+            <a:pPr marL="285750" indent="-285750">
+              <a:buFont typeface="Arial" panose="020B0604020202020204" pitchFamily="34" charset="0"/>
+              <a:buChar char="•"/>
+            </a:pPr>
+            <a:endParaRPr lang="en-US" sz="1400" dirty="0">
+              <a:solidFill>
+                <a:schemeClr val="tx1"/>
+              </a:solidFill>
+              <a:ea typeface="Arial" panose="020B0604020202020204" pitchFamily="34" charset="0"/>
+            </a:endParaRPr>
+          </a:p>
+          <a:p>
+            <a:pPr marL="285750" indent="-285750">
+              <a:buFont typeface="Arial" panose="020B0604020202020204" pitchFamily="34" charset="0"/>
+              <a:buChar char="•"/>
+            </a:pPr>
+            <a:r>
+              <a:rPr lang="en-US" sz="1400" b="1" dirty="0">
+                <a:solidFill>
+                  <a:schemeClr val="tx1"/>
+                </a:solidFill>
+                <a:ea typeface="Arial" panose="020B0604020202020204" pitchFamily="34" charset="0"/>
+              </a:rPr>
+              <a:t>HOG</a:t>
+            </a:r>
+            <a:r>
+              <a:rPr lang="en-US" sz="1400" dirty="0">
+                <a:solidFill>
+                  <a:schemeClr val="tx1"/>
+                </a:solidFill>
+                <a:ea typeface="Arial" panose="020B0604020202020204" pitchFamily="34" charset="0"/>
+              </a:rPr>
+              <a:t> features</a:t>
+            </a:r>
+            <a:r>
+              <a:rPr lang="en-US" sz="1400" dirty="0">
+                <a:solidFill>
+                  <a:schemeClr val="tx1"/>
+                </a:solidFill>
+                <a:effectLst/>
+                <a:latin typeface="Arial" panose="020B0604020202020204" pitchFamily="34" charset="0"/>
+                <a:ea typeface="Arial" panose="020B0604020202020204" pitchFamily="34" charset="0"/>
+              </a:rPr>
+              <a:t> stood out for the balance between </a:t>
+            </a:r>
+            <a:r>
+              <a:rPr lang="en-US" sz="1400" dirty="0">
+                <a:solidFill>
+                  <a:srgbClr val="822433"/>
+                </a:solidFill>
+                <a:effectLst/>
+                <a:latin typeface="Arial" panose="020B0604020202020204" pitchFamily="34" charset="0"/>
+                <a:ea typeface="Arial" panose="020B0604020202020204" pitchFamily="34" charset="0"/>
+              </a:rPr>
+              <a:t>performance and computational efficiency.</a:t>
+            </a:r>
+            <a:r>
+              <a:rPr lang="en-US" sz="1400" dirty="0">
+                <a:solidFill>
+                  <a:schemeClr val="tx1"/>
+                </a:solidFill>
+                <a:effectLst/>
+                <a:latin typeface="Arial" panose="020B0604020202020204" pitchFamily="34" charset="0"/>
+                <a:ea typeface="Arial" panose="020B0604020202020204" pitchFamily="34" charset="0"/>
+              </a:rPr>
+              <a:t> </a:t>
+            </a:r>
+          </a:p>
+          <a:p>
+            <a:pPr marL="285750" indent="-285750">
+              <a:buFont typeface="Arial" panose="020B0604020202020204" pitchFamily="34" charset="0"/>
+              <a:buChar char="•"/>
+            </a:pPr>
+            <a:r>
+              <a:rPr lang="en-US" sz="1400" dirty="0">
+                <a:solidFill>
+                  <a:schemeClr val="tx1"/>
+                </a:solidFill>
+                <a:effectLst/>
+                <a:latin typeface="Arial" panose="020B0604020202020204" pitchFamily="34" charset="0"/>
+                <a:ea typeface="Arial" panose="020B0604020202020204" pitchFamily="34" charset="0"/>
+              </a:rPr>
+              <a:t>It achieved better accuracy than the tested participants while requiring only ~68 seconds of training time (78.8% of </a:t>
+            </a:r>
+            <a:r>
+              <a:rPr lang="en-US" sz="1400" b="1" dirty="0">
+                <a:solidFill>
+                  <a:schemeClr val="tx1"/>
+                </a:solidFill>
+                <a:effectLst/>
+                <a:latin typeface="Arial" panose="020B0604020202020204" pitchFamily="34" charset="0"/>
+                <a:ea typeface="Arial" panose="020B0604020202020204" pitchFamily="34" charset="0"/>
+              </a:rPr>
+              <a:t>LBP</a:t>
+            </a:r>
+            <a:r>
+              <a:rPr lang="en-US" sz="1400" dirty="0">
+                <a:solidFill>
+                  <a:schemeClr val="tx1"/>
+                </a:solidFill>
+                <a:effectLst/>
+                <a:latin typeface="Arial" panose="020B0604020202020204" pitchFamily="34" charset="0"/>
+                <a:ea typeface="Arial" panose="020B0604020202020204" pitchFamily="34" charset="0"/>
+              </a:rPr>
+              <a:t>’s training time). </a:t>
+            </a:r>
+          </a:p>
+          <a:p>
+            <a:pPr marL="285750" indent="-285750">
+              <a:buFont typeface="Arial" panose="020B0604020202020204" pitchFamily="34" charset="0"/>
+              <a:buChar char="•"/>
+            </a:pPr>
+            <a:r>
+              <a:rPr lang="en-US" sz="1400" dirty="0">
+                <a:solidFill>
+                  <a:schemeClr val="tx1"/>
+                </a:solidFill>
+                <a:effectLst/>
+                <a:latin typeface="Arial" panose="020B0604020202020204" pitchFamily="34" charset="0"/>
+                <a:ea typeface="Arial" panose="020B0604020202020204" pitchFamily="34" charset="0"/>
+              </a:rPr>
+              <a:t>In terms of adversarial robustness, it performed comparably to the </a:t>
+            </a:r>
+            <a:r>
+              <a:rPr lang="en-US" sz="1400" b="1" dirty="0">
+                <a:solidFill>
+                  <a:schemeClr val="tx1"/>
+                </a:solidFill>
+                <a:effectLst/>
+                <a:latin typeface="Arial" panose="020B0604020202020204" pitchFamily="34" charset="0"/>
+                <a:ea typeface="Arial" panose="020B0604020202020204" pitchFamily="34" charset="0"/>
+              </a:rPr>
+              <a:t>LBP + HOG </a:t>
+            </a:r>
+            <a:r>
+              <a:rPr lang="en-US" sz="1400" dirty="0">
+                <a:solidFill>
+                  <a:schemeClr val="tx1"/>
+                </a:solidFill>
+                <a:effectLst/>
+                <a:latin typeface="Arial" panose="020B0604020202020204" pitchFamily="34" charset="0"/>
+                <a:ea typeface="Arial" panose="020B0604020202020204" pitchFamily="34" charset="0"/>
+              </a:rPr>
+              <a:t>model for simpler attacks and demonstrated relatively </a:t>
+            </a:r>
+            <a:r>
+              <a:rPr lang="en-US" sz="1400" dirty="0">
+                <a:solidFill>
+                  <a:srgbClr val="822433"/>
+                </a:solidFill>
+                <a:effectLst/>
+                <a:latin typeface="Arial" panose="020B0604020202020204" pitchFamily="34" charset="0"/>
+                <a:ea typeface="Arial" panose="020B0604020202020204" pitchFamily="34" charset="0"/>
+              </a:rPr>
+              <a:t>strong resilience against more complex attacks</a:t>
+            </a:r>
+            <a:r>
+              <a:rPr lang="en-US" sz="1400" dirty="0">
+                <a:solidFill>
+                  <a:schemeClr val="tx1"/>
+                </a:solidFill>
+                <a:effectLst/>
+                <a:latin typeface="Arial" panose="020B0604020202020204" pitchFamily="34" charset="0"/>
+                <a:ea typeface="Arial" panose="020B0604020202020204" pitchFamily="34" charset="0"/>
+              </a:rPr>
+              <a:t>, with a success rate below 45% at the tested confidence levels.</a:t>
+            </a:r>
+          </a:p>
+          <a:p>
+            <a:pPr marL="285750" indent="-285750">
+              <a:buFont typeface="Arial" panose="020B0604020202020204" pitchFamily="34" charset="0"/>
+              <a:buChar char="•"/>
+            </a:pPr>
+            <a:endParaRPr lang="en-US" sz="1400" u="none" strike="noStrike" dirty="0">
+              <a:solidFill>
+                <a:schemeClr val="tx1"/>
+              </a:solidFill>
+              <a:ea typeface="Arial" panose="020B0604020202020204" pitchFamily="34" charset="0"/>
+            </a:endParaRPr>
+          </a:p>
+          <a:p>
+            <a:pPr marL="285750" indent="-285750">
+              <a:buFont typeface="Arial" panose="020B0604020202020204" pitchFamily="34" charset="0"/>
+              <a:buChar char="•"/>
+            </a:pPr>
+            <a:r>
+              <a:rPr lang="en-US" sz="1400" b="1" u="none" strike="noStrike" dirty="0">
+                <a:solidFill>
+                  <a:schemeClr val="tx1"/>
+                </a:solidFill>
+                <a:effectLst/>
+                <a:latin typeface="Arial" panose="020B0604020202020204" pitchFamily="34" charset="0"/>
+                <a:ea typeface="Arial" panose="020B0604020202020204" pitchFamily="34" charset="0"/>
+              </a:rPr>
+              <a:t>CNN</a:t>
+            </a:r>
+            <a:r>
+              <a:rPr lang="en-US" sz="1400" u="none" strike="noStrike" dirty="0">
+                <a:solidFill>
+                  <a:schemeClr val="tx1"/>
+                </a:solidFill>
+                <a:effectLst/>
+                <a:latin typeface="Arial" panose="020B0604020202020204" pitchFamily="34" charset="0"/>
+                <a:ea typeface="Arial" panose="020B0604020202020204" pitchFamily="34" charset="0"/>
+              </a:rPr>
+              <a:t> models, have the potential to achieve higher accuracy levels given sufficient computational resources and larger datasets. </a:t>
+            </a:r>
+          </a:p>
+          <a:p>
+            <a:pPr marL="285750" indent="-285750">
+              <a:buFont typeface="Arial" panose="020B0604020202020204" pitchFamily="34" charset="0"/>
+              <a:buChar char="•"/>
+            </a:pPr>
+            <a:r>
+              <a:rPr lang="en-US" sz="1400" u="none" strike="noStrike" dirty="0">
+                <a:solidFill>
+                  <a:schemeClr val="tx1"/>
+                </a:solidFill>
+                <a:effectLst/>
+                <a:latin typeface="Arial" panose="020B0604020202020204" pitchFamily="34" charset="0"/>
+                <a:ea typeface="Arial" panose="020B0604020202020204" pitchFamily="34" charset="0"/>
+              </a:rPr>
+              <a:t>However, under the constraints of this project, </a:t>
+            </a:r>
+            <a:r>
+              <a:rPr lang="en-US" sz="1400" b="1" u="none" strike="noStrike" dirty="0">
+                <a:solidFill>
+                  <a:schemeClr val="tx1"/>
+                </a:solidFill>
+                <a:effectLst/>
+                <a:latin typeface="Arial" panose="020B0604020202020204" pitchFamily="34" charset="0"/>
+                <a:ea typeface="Arial" panose="020B0604020202020204" pitchFamily="34" charset="0"/>
+              </a:rPr>
+              <a:t>CNN</a:t>
+            </a:r>
+            <a:r>
+              <a:rPr lang="en-US" sz="1400" u="none" strike="noStrike" dirty="0">
+                <a:solidFill>
+                  <a:schemeClr val="tx1"/>
+                </a:solidFill>
+                <a:effectLst/>
+                <a:latin typeface="Arial" panose="020B0604020202020204" pitchFamily="34" charset="0"/>
+                <a:ea typeface="Arial" panose="020B0604020202020204" pitchFamily="34" charset="0"/>
+              </a:rPr>
+              <a:t> </a:t>
+            </a:r>
+            <a:r>
+              <a:rPr lang="en-US" sz="1400" u="none" strike="noStrike" dirty="0">
+                <a:solidFill>
+                  <a:srgbClr val="822433"/>
+                </a:solidFill>
+                <a:effectLst/>
+                <a:latin typeface="Arial" panose="020B0604020202020204" pitchFamily="34" charset="0"/>
+                <a:ea typeface="Arial" panose="020B0604020202020204" pitchFamily="34" charset="0"/>
+              </a:rPr>
+              <a:t>underperformed</a:t>
+            </a:r>
+            <a:r>
+              <a:rPr lang="en-US" sz="1400" u="none" strike="noStrike" dirty="0">
+                <a:solidFill>
+                  <a:schemeClr val="tx1"/>
+                </a:solidFill>
+                <a:effectLst/>
+                <a:latin typeface="Arial" panose="020B0604020202020204" pitchFamily="34" charset="0"/>
+                <a:ea typeface="Arial" panose="020B0604020202020204" pitchFamily="34" charset="0"/>
+              </a:rPr>
+              <a:t> compared to more complex traditional features extractor. Despite their lower accuracy, </a:t>
+            </a:r>
+            <a:r>
+              <a:rPr lang="en-US" sz="1400" b="1" u="none" strike="noStrike" dirty="0">
+                <a:solidFill>
+                  <a:schemeClr val="tx1"/>
+                </a:solidFill>
+                <a:effectLst/>
+                <a:latin typeface="Arial" panose="020B0604020202020204" pitchFamily="34" charset="0"/>
+                <a:ea typeface="Arial" panose="020B0604020202020204" pitchFamily="34" charset="0"/>
+              </a:rPr>
+              <a:t>CNN</a:t>
+            </a:r>
+            <a:r>
+              <a:rPr lang="en-US" sz="1400" u="none" strike="noStrike" dirty="0">
+                <a:solidFill>
+                  <a:schemeClr val="tx1"/>
+                </a:solidFill>
+                <a:effectLst/>
+                <a:latin typeface="Arial" panose="020B0604020202020204" pitchFamily="34" charset="0"/>
+                <a:ea typeface="Arial" panose="020B0604020202020204" pitchFamily="34" charset="0"/>
+              </a:rPr>
+              <a:t> demonstrated greater robustness to FGM attacks for higher values of epsilon.</a:t>
+            </a:r>
+            <a:endParaRPr lang="it-IT" sz="1400" u="none" strike="noStrike" dirty="0">
+              <a:solidFill>
+                <a:schemeClr val="tx1"/>
+              </a:solidFill>
+              <a:effectLst/>
+              <a:latin typeface="Arial" panose="020B0604020202020204" pitchFamily="34" charset="0"/>
+              <a:ea typeface="Arial" panose="020B0604020202020204" pitchFamily="34" charset="0"/>
+            </a:endParaRPr>
+          </a:p>
+          <a:p>
+            <a:pPr marL="285750" indent="-285750">
+              <a:buFont typeface="Arial" panose="020B0604020202020204" pitchFamily="34" charset="0"/>
+              <a:buChar char="•"/>
+            </a:pPr>
+            <a:endParaRPr lang="it-IT" sz="1400" u="none" strike="noStrike" dirty="0">
+              <a:solidFill>
+                <a:schemeClr val="tx1"/>
+              </a:solidFill>
+              <a:effectLst/>
+              <a:latin typeface="Arial" panose="020B0604020202020204" pitchFamily="34" charset="0"/>
+              <a:ea typeface="Arial" panose="020B0604020202020204" pitchFamily="34" charset="0"/>
+            </a:endParaRPr>
+          </a:p>
+          <a:p>
+            <a:endParaRPr lang="it-IT" dirty="0"/>
+          </a:p>
+        </p:txBody>
+      </p:sp>
     </p:spTree>
     <p:extLst>
       <p:ext uri="{BB962C8B-B14F-4D97-AF65-F5344CB8AC3E}">
@@ -30203,6 +30710,478 @@
           <a:lstStyle/>
           <a:p>
             <a:endParaRPr lang="it-IT"/>
+          </a:p>
+        </p:txBody>
+      </p:sp>
+      <p:sp>
+        <p:nvSpPr>
+          <p:cNvPr id="3" name="CasellaDiTesto 2">
+            <a:extLst>
+              <a:ext uri="{FF2B5EF4-FFF2-40B4-BE49-F238E27FC236}">
+                <a16:creationId xmlns:a16="http://schemas.microsoft.com/office/drawing/2014/main" id="{1D1AD371-BE21-F63C-7019-ADAEB9E680E9}"/>
+              </a:ext>
+            </a:extLst>
+          </p:cNvPr>
+          <p:cNvSpPr txBox="1"/>
+          <p:nvPr/>
+        </p:nvSpPr>
+        <p:spPr>
+          <a:xfrm>
+            <a:off x="658265" y="1289050"/>
+            <a:ext cx="8104735" cy="4462760"/>
+          </a:xfrm>
+          <a:prstGeom prst="rect">
+            <a:avLst/>
+          </a:prstGeom>
+          <a:noFill/>
+        </p:spPr>
+        <p:txBody>
+          <a:bodyPr wrap="square" rtlCol="0">
+            <a:spAutoFit/>
+          </a:bodyPr>
+          <a:lstStyle/>
+          <a:p>
+            <a:r>
+              <a:rPr lang="it-IT" sz="1600" b="1" dirty="0" err="1">
+                <a:solidFill>
+                  <a:schemeClr val="tx1"/>
+                </a:solidFill>
+              </a:rPr>
+              <a:t>Opportunities</a:t>
+            </a:r>
+            <a:r>
+              <a:rPr lang="it-IT" sz="1600" b="1" dirty="0">
+                <a:solidFill>
+                  <a:schemeClr val="tx1"/>
+                </a:solidFill>
+              </a:rPr>
+              <a:t> for </a:t>
+            </a:r>
+            <a:r>
+              <a:rPr lang="it-IT" sz="1600" b="1" dirty="0" err="1">
+                <a:solidFill>
+                  <a:schemeClr val="tx1"/>
+                </a:solidFill>
+              </a:rPr>
+              <a:t>Growth</a:t>
+            </a:r>
+            <a:r>
+              <a:rPr lang="it-IT" sz="1600" b="1" dirty="0">
+                <a:solidFill>
+                  <a:schemeClr val="tx1"/>
+                </a:solidFill>
+              </a:rPr>
+              <a:t>:</a:t>
+            </a:r>
+          </a:p>
+          <a:p>
+            <a:endParaRPr lang="it-IT" sz="1600" b="1" dirty="0">
+              <a:solidFill>
+                <a:schemeClr val="tx1"/>
+              </a:solidFill>
+            </a:endParaRPr>
+          </a:p>
+          <a:p>
+            <a:pPr marL="285750" indent="-285750">
+              <a:buFont typeface="Arial" panose="020B0604020202020204" pitchFamily="34" charset="0"/>
+              <a:buChar char="•"/>
+            </a:pPr>
+            <a:r>
+              <a:rPr lang="it-IT" sz="1400" b="1" dirty="0" err="1">
+                <a:solidFill>
+                  <a:srgbClr val="822433"/>
+                </a:solidFill>
+              </a:rPr>
+              <a:t>Further</a:t>
+            </a:r>
+            <a:r>
+              <a:rPr lang="it-IT" sz="1400" b="1" dirty="0">
+                <a:solidFill>
+                  <a:srgbClr val="822433"/>
+                </a:solidFill>
+              </a:rPr>
+              <a:t> </a:t>
+            </a:r>
+            <a:r>
+              <a:rPr lang="it-IT" sz="1400" b="1" dirty="0" err="1">
+                <a:solidFill>
+                  <a:srgbClr val="822433"/>
+                </a:solidFill>
+              </a:rPr>
+              <a:t>analysis</a:t>
+            </a:r>
+            <a:r>
+              <a:rPr lang="it-IT" sz="1400" b="1" dirty="0">
+                <a:solidFill>
+                  <a:srgbClr val="822433"/>
+                </a:solidFill>
+              </a:rPr>
+              <a:t> on CL2 </a:t>
+            </a:r>
+            <a:r>
+              <a:rPr lang="it-IT" sz="1400" b="1" dirty="0" err="1">
+                <a:solidFill>
+                  <a:srgbClr val="822433"/>
+                </a:solidFill>
+              </a:rPr>
+              <a:t>attacks</a:t>
+            </a:r>
+            <a:r>
+              <a:rPr lang="it-IT" sz="1400" b="1" dirty="0">
+                <a:solidFill>
+                  <a:srgbClr val="822433"/>
+                </a:solidFill>
+              </a:rPr>
+              <a:t>:</a:t>
+            </a:r>
+          </a:p>
+          <a:p>
+            <a:pPr marL="742950" lvl="1" indent="-285750">
+              <a:buFont typeface="Arial" panose="020B0604020202020204" pitchFamily="34" charset="0"/>
+              <a:buChar char="•"/>
+            </a:pPr>
+            <a:r>
+              <a:rPr lang="en-US" sz="1400" dirty="0">
+                <a:solidFill>
+                  <a:schemeClr val="tx1"/>
+                </a:solidFill>
+              </a:rPr>
+              <a:t>With additional resources, it would be possible to extend the analysis of CL2 attacks to more complex feature extractors, such as </a:t>
+            </a:r>
+            <a:r>
+              <a:rPr lang="en-US" sz="1400" b="1" dirty="0">
+                <a:solidFill>
+                  <a:schemeClr val="tx1"/>
+                </a:solidFill>
+              </a:rPr>
+              <a:t>Dense SIFT</a:t>
+            </a:r>
+            <a:r>
+              <a:rPr lang="en-US" sz="1400" dirty="0">
+                <a:solidFill>
+                  <a:schemeClr val="tx1"/>
+                </a:solidFill>
+              </a:rPr>
+              <a:t>, </a:t>
+            </a:r>
+            <a:r>
+              <a:rPr lang="en-US" sz="1400" b="1" dirty="0">
+                <a:solidFill>
+                  <a:schemeClr val="tx1"/>
+                </a:solidFill>
+              </a:rPr>
+              <a:t>LBP + HOG</a:t>
+            </a:r>
+            <a:r>
+              <a:rPr lang="en-US" sz="1400" dirty="0">
+                <a:solidFill>
+                  <a:schemeClr val="tx1"/>
+                </a:solidFill>
+              </a:rPr>
+              <a:t>, and </a:t>
+            </a:r>
+            <a:r>
+              <a:rPr lang="en-US" sz="1400" b="1" dirty="0">
+                <a:solidFill>
+                  <a:schemeClr val="tx1"/>
+                </a:solidFill>
+              </a:rPr>
+              <a:t>Mean SIFT + HOG</a:t>
+            </a:r>
+            <a:r>
+              <a:rPr lang="en-US" sz="1400" dirty="0">
+                <a:solidFill>
+                  <a:schemeClr val="tx1"/>
+                </a:solidFill>
+              </a:rPr>
+              <a:t>.</a:t>
+            </a:r>
+          </a:p>
+          <a:p>
+            <a:pPr marL="742950" lvl="1" indent="-285750">
+              <a:buFont typeface="Arial" panose="020B0604020202020204" pitchFamily="34" charset="0"/>
+              <a:buChar char="•"/>
+            </a:pPr>
+            <a:endParaRPr lang="it-IT" sz="1400" dirty="0">
+              <a:solidFill>
+                <a:schemeClr val="tx1"/>
+              </a:solidFill>
+            </a:endParaRPr>
+          </a:p>
+          <a:p>
+            <a:pPr marL="285750" indent="-285750">
+              <a:buFont typeface="Arial" panose="020B0604020202020204" pitchFamily="34" charset="0"/>
+              <a:buChar char="•"/>
+            </a:pPr>
+            <a:r>
+              <a:rPr lang="it-IT" sz="1400" b="1" dirty="0" err="1">
+                <a:solidFill>
+                  <a:srgbClr val="822433"/>
+                </a:solidFill>
+              </a:rPr>
+              <a:t>Dimensionality</a:t>
+            </a:r>
+            <a:r>
+              <a:rPr lang="it-IT" sz="1400" b="1" dirty="0">
+                <a:solidFill>
+                  <a:srgbClr val="822433"/>
+                </a:solidFill>
+              </a:rPr>
+              <a:t> </a:t>
+            </a:r>
+            <a:r>
+              <a:rPr lang="it-IT" sz="1400" b="1" dirty="0" err="1">
+                <a:solidFill>
+                  <a:srgbClr val="822433"/>
+                </a:solidFill>
+              </a:rPr>
+              <a:t>optimization</a:t>
+            </a:r>
+            <a:r>
+              <a:rPr lang="it-IT" sz="1400" b="1" dirty="0">
+                <a:solidFill>
+                  <a:srgbClr val="822433"/>
+                </a:solidFill>
+              </a:rPr>
+              <a:t>:</a:t>
+            </a:r>
+          </a:p>
+          <a:p>
+            <a:pPr marL="742950" lvl="1" indent="-285750">
+              <a:buFont typeface="Arial" panose="020B0604020202020204" pitchFamily="34" charset="0"/>
+              <a:buChar char="•"/>
+            </a:pPr>
+            <a:r>
+              <a:rPr lang="en-US" sz="1400" dirty="0">
+                <a:solidFill>
+                  <a:schemeClr val="tx1"/>
+                </a:solidFill>
+              </a:rPr>
+              <a:t>Using Principal Component Analysis (</a:t>
+            </a:r>
+            <a:r>
+              <a:rPr lang="en-US" sz="1400" b="1" dirty="0">
+                <a:solidFill>
+                  <a:schemeClr val="tx1"/>
+                </a:solidFill>
+              </a:rPr>
+              <a:t>PCA</a:t>
+            </a:r>
+            <a:r>
+              <a:rPr lang="en-US" sz="1400" dirty="0">
+                <a:solidFill>
+                  <a:schemeClr val="tx1"/>
+                </a:solidFill>
+              </a:rPr>
+              <a:t>), the dimensionality of the best-performing features could be reduced, embedding them in a </a:t>
+            </a:r>
+            <a:r>
+              <a:rPr lang="en-US" sz="1400" dirty="0">
+                <a:solidFill>
+                  <a:srgbClr val="9C2C3F"/>
+                </a:solidFill>
+              </a:rPr>
+              <a:t>lower-dimensional</a:t>
+            </a:r>
+            <a:r>
+              <a:rPr lang="en-US" sz="1400" dirty="0">
+                <a:solidFill>
+                  <a:schemeClr val="tx1"/>
+                </a:solidFill>
+              </a:rPr>
+              <a:t> space. This would result in </a:t>
+            </a:r>
+            <a:r>
+              <a:rPr lang="en-US" sz="1400" dirty="0">
+                <a:solidFill>
+                  <a:srgbClr val="9C2C3F"/>
+                </a:solidFill>
+              </a:rPr>
+              <a:t>shorter training times </a:t>
+            </a:r>
+            <a:r>
+              <a:rPr lang="en-US" sz="1400" dirty="0">
+                <a:solidFill>
+                  <a:schemeClr val="tx1"/>
+                </a:solidFill>
+              </a:rPr>
+              <a:t>and improved computational efficiency.</a:t>
+            </a:r>
+            <a:br>
+              <a:rPr lang="it-IT" sz="1400" dirty="0">
+                <a:solidFill>
+                  <a:schemeClr val="tx1"/>
+                </a:solidFill>
+              </a:rPr>
+            </a:br>
+            <a:endParaRPr lang="it-IT" sz="1400" dirty="0">
+              <a:solidFill>
+                <a:schemeClr val="tx1"/>
+              </a:solidFill>
+            </a:endParaRPr>
+          </a:p>
+          <a:p>
+            <a:pPr marL="285750" indent="-285750">
+              <a:buFont typeface="Arial" panose="020B0604020202020204" pitchFamily="34" charset="0"/>
+              <a:buChar char="•"/>
+            </a:pPr>
+            <a:r>
+              <a:rPr lang="it-IT" sz="1400" b="1" dirty="0" err="1">
+                <a:solidFill>
+                  <a:srgbClr val="822433"/>
+                </a:solidFill>
+              </a:rPr>
+              <a:t>Explore</a:t>
+            </a:r>
+            <a:r>
+              <a:rPr lang="it-IT" sz="1400" b="1" dirty="0">
+                <a:solidFill>
+                  <a:srgbClr val="822433"/>
+                </a:solidFill>
+              </a:rPr>
+              <a:t> </a:t>
+            </a:r>
+            <a:r>
+              <a:rPr lang="it-IT" sz="1400" b="1" dirty="0" err="1">
+                <a:solidFill>
+                  <a:srgbClr val="822433"/>
+                </a:solidFill>
+              </a:rPr>
+              <a:t>other</a:t>
+            </a:r>
+            <a:r>
+              <a:rPr lang="it-IT" sz="1400" b="1" dirty="0">
+                <a:solidFill>
+                  <a:srgbClr val="822433"/>
+                </a:solidFill>
+              </a:rPr>
+              <a:t> feature </a:t>
+            </a:r>
+            <a:r>
+              <a:rPr lang="it-IT" sz="1400" b="1" dirty="0" err="1">
+                <a:solidFill>
+                  <a:srgbClr val="822433"/>
+                </a:solidFill>
+              </a:rPr>
+              <a:t>extractor</a:t>
+            </a:r>
+            <a:r>
+              <a:rPr lang="it-IT" sz="1400" b="1" dirty="0">
+                <a:solidFill>
+                  <a:srgbClr val="822433"/>
+                </a:solidFill>
+              </a:rPr>
+              <a:t>:</a:t>
+            </a:r>
+          </a:p>
+          <a:p>
+            <a:pPr marL="742950" lvl="1" indent="-285750">
+              <a:buFont typeface="Arial" panose="020B0604020202020204" pitchFamily="34" charset="0"/>
+              <a:buChar char="•"/>
+            </a:pPr>
+            <a:r>
+              <a:rPr lang="en-US" sz="1400" dirty="0">
+                <a:solidFill>
+                  <a:schemeClr val="tx1"/>
+                </a:solidFill>
+              </a:rPr>
+              <a:t>Investigate additional feature extraction method.</a:t>
+            </a:r>
+          </a:p>
+          <a:p>
+            <a:pPr lvl="1"/>
+            <a:endParaRPr lang="it-IT" sz="1400" b="1" dirty="0">
+              <a:solidFill>
+                <a:srgbClr val="822433"/>
+              </a:solidFill>
+            </a:endParaRPr>
+          </a:p>
+          <a:p>
+            <a:pPr marL="285750" indent="-285750">
+              <a:buFont typeface="Arial" panose="020B0604020202020204" pitchFamily="34" charset="0"/>
+              <a:buChar char="•"/>
+            </a:pPr>
+            <a:r>
+              <a:rPr lang="it-IT" sz="1400" b="1" dirty="0" err="1">
+                <a:solidFill>
+                  <a:srgbClr val="822433"/>
+                </a:solidFill>
+              </a:rPr>
+              <a:t>Optimization</a:t>
+            </a:r>
+            <a:r>
+              <a:rPr lang="it-IT" sz="1400" b="1" dirty="0">
+                <a:solidFill>
+                  <a:srgbClr val="822433"/>
+                </a:solidFill>
+              </a:rPr>
+              <a:t> of CNN model:</a:t>
+            </a:r>
+          </a:p>
+          <a:p>
+            <a:pPr marL="742950" lvl="1" indent="-285750">
+              <a:buFont typeface="Arial" panose="020B0604020202020204" pitchFamily="34" charset="0"/>
+              <a:buChar char="•"/>
+            </a:pPr>
+            <a:r>
+              <a:rPr lang="en-US" sz="1400" dirty="0">
+                <a:solidFill>
+                  <a:schemeClr val="tx1"/>
+                </a:solidFill>
+              </a:rPr>
+              <a:t>Further analysis could focus on developing a more </a:t>
+            </a:r>
+            <a:r>
+              <a:rPr lang="en-US" sz="1400" dirty="0">
+                <a:solidFill>
+                  <a:srgbClr val="9C2C3F"/>
+                </a:solidFill>
+              </a:rPr>
+              <a:t>complex and optimized neural network</a:t>
+            </a:r>
+            <a:r>
+              <a:rPr lang="en-US" sz="1400" dirty="0">
+                <a:solidFill>
+                  <a:schemeClr val="tx1"/>
+                </a:solidFill>
+              </a:rPr>
+              <a:t> architecture.</a:t>
+            </a:r>
+          </a:p>
+          <a:p>
+            <a:pPr marL="742950" lvl="1" indent="-285750">
+              <a:buFont typeface="Arial" panose="020B0604020202020204" pitchFamily="34" charset="0"/>
+              <a:buChar char="•"/>
+            </a:pPr>
+            <a:r>
+              <a:rPr lang="en-US" sz="1400" dirty="0">
+                <a:solidFill>
+                  <a:schemeClr val="tx1"/>
+                </a:solidFill>
+              </a:rPr>
+              <a:t>With increased resources, a </a:t>
+            </a:r>
+            <a:r>
+              <a:rPr lang="en-US" sz="1400" dirty="0">
+                <a:solidFill>
+                  <a:srgbClr val="9C2C3F"/>
+                </a:solidFill>
+              </a:rPr>
+              <a:t>larger training dataset </a:t>
+            </a:r>
+            <a:r>
+              <a:rPr lang="en-US" sz="1400" dirty="0">
+                <a:solidFill>
+                  <a:schemeClr val="tx1"/>
+                </a:solidFill>
+              </a:rPr>
+              <a:t>could be utilized to fully exploit the advantages of deep learning.</a:t>
+            </a:r>
+            <a:endParaRPr lang="it-IT" sz="1400" dirty="0">
+              <a:solidFill>
+                <a:schemeClr val="tx1"/>
+              </a:solidFill>
+            </a:endParaRPr>
           </a:p>
         </p:txBody>
       </p:sp>
@@ -31014,6 +31993,2442 @@
     <p:extLst>
       <p:ext uri="{BB962C8B-B14F-4D97-AF65-F5344CB8AC3E}">
         <p14:creationId xmlns:p14="http://schemas.microsoft.com/office/powerpoint/2010/main" val="2744029324"/>
+      </p:ext>
+    </p:extLst>
+  </p:cSld>
+  <p:clrMapOvr>
+    <a:masterClrMapping/>
+  </p:clrMapOvr>
+</p:sld>
+</file>
+
+<file path=ppt/slides/slide26.xml><?xml version="1.0" encoding="utf-8"?>
+<p:sld xmlns:a="http://schemas.openxmlformats.org/drawingml/2006/main" xmlns:r="http://schemas.openxmlformats.org/officeDocument/2006/relationships" xmlns:p="http://schemas.openxmlformats.org/presentationml/2006/main">
+  <p:cSld>
+    <p:spTree>
+      <p:nvGrpSpPr>
+        <p:cNvPr id="1" name="">
+          <a:extLst>
+            <a:ext uri="{FF2B5EF4-FFF2-40B4-BE49-F238E27FC236}">
+              <a16:creationId xmlns:a16="http://schemas.microsoft.com/office/drawing/2014/main" id="{50953CDA-9F28-82A3-1D6C-FC7A8570E5A1}"/>
+            </a:ext>
+          </a:extLst>
+        </p:cNvPr>
+        <p:cNvGrpSpPr/>
+        <p:nvPr/>
+      </p:nvGrpSpPr>
+      <p:grpSpPr>
+        <a:xfrm>
+          <a:off x="0" y="0"/>
+          <a:ext cx="0" cy="0"/>
+          <a:chOff x="0" y="0"/>
+          <a:chExt cx="0" cy="0"/>
+        </a:xfrm>
+      </p:grpSpPr>
+      <p:sp>
+        <p:nvSpPr>
+          <p:cNvPr id="6" name="Rettangolo 5">
+            <a:extLst>
+              <a:ext uri="{FF2B5EF4-FFF2-40B4-BE49-F238E27FC236}">
+                <a16:creationId xmlns:a16="http://schemas.microsoft.com/office/drawing/2014/main" id="{EAEE1A9D-3C05-DEBC-D856-A4074DB36A1D}"/>
+              </a:ext>
+            </a:extLst>
+          </p:cNvPr>
+          <p:cNvSpPr/>
+          <p:nvPr/>
+        </p:nvSpPr>
+        <p:spPr>
+          <a:xfrm>
+            <a:off x="708440" y="900"/>
+            <a:ext cx="905635" cy="1080920"/>
+          </a:xfrm>
+          <a:prstGeom prst="rect">
+            <a:avLst/>
+          </a:prstGeom>
+          <a:solidFill>
+            <a:srgbClr val="822433"/>
+          </a:solidFill>
+          <a:ln>
+            <a:noFill/>
+          </a:ln>
+        </p:spPr>
+        <p:style>
+          <a:lnRef idx="2">
+            <a:schemeClr val="accent1">
+              <a:shade val="15000"/>
+            </a:schemeClr>
+          </a:lnRef>
+          <a:fillRef idx="1">
+            <a:schemeClr val="accent1"/>
+          </a:fillRef>
+          <a:effectRef idx="0">
+            <a:schemeClr val="accent1"/>
+          </a:effectRef>
+          <a:fontRef idx="minor">
+            <a:schemeClr val="lt1"/>
+          </a:fontRef>
+        </p:style>
+        <p:txBody>
+          <a:bodyPr rtlCol="0" anchor="ctr"/>
+          <a:lstStyle/>
+          <a:p>
+            <a:pPr marL="0" marR="0" lvl="0" indent="0" algn="ctr" defTabSz="914400" rtl="0" eaLnBrk="0" fontAlgn="base" latinLnBrk="0" hangingPunct="0">
+              <a:lnSpc>
+                <a:spcPct val="100000"/>
+              </a:lnSpc>
+              <a:spcBef>
+                <a:spcPct val="0"/>
+              </a:spcBef>
+              <a:spcAft>
+                <a:spcPct val="0"/>
+              </a:spcAft>
+              <a:buClrTx/>
+              <a:buSzTx/>
+              <a:buFontTx/>
+              <a:buNone/>
+              <a:tabLst/>
+              <a:defRPr/>
+            </a:pPr>
+            <a:endParaRPr kumimoji="0" lang="it-IT" sz="900" b="0" i="0" u="none" strike="noStrike" kern="1200" cap="none" spc="0" normalizeH="0" baseline="0" noProof="0">
+              <a:ln>
+                <a:noFill/>
+              </a:ln>
+              <a:solidFill>
+                <a:prstClr val="white"/>
+              </a:solidFill>
+              <a:effectLst/>
+              <a:uLnTx/>
+              <a:uFillTx/>
+              <a:latin typeface="Neue Haas Grotesk Text Pro"/>
+              <a:ea typeface="+mn-ea"/>
+              <a:cs typeface="+mn-cs"/>
+            </a:endParaRPr>
+          </a:p>
+        </p:txBody>
+      </p:sp>
+      <p:pic>
+        <p:nvPicPr>
+          <p:cNvPr id="10" name="Immagine 9" descr="Target studenti | Area didattica di Economia - Sede di Latina">
+            <a:extLst>
+              <a:ext uri="{FF2B5EF4-FFF2-40B4-BE49-F238E27FC236}">
+                <a16:creationId xmlns:a16="http://schemas.microsoft.com/office/drawing/2014/main" id="{A8C65F56-6ADA-6983-0714-5B5ABF3A637B}"/>
+              </a:ext>
+            </a:extLst>
+          </p:cNvPr>
+          <p:cNvPicPr>
+            <a:picLocks noChangeAspect="1"/>
+          </p:cNvPicPr>
+          <p:nvPr/>
+        </p:nvPicPr>
+        <p:blipFill>
+          <a:blip r:embed="rId2"/>
+          <a:stretch>
+            <a:fillRect/>
+          </a:stretch>
+        </p:blipFill>
+        <p:spPr>
+          <a:xfrm>
+            <a:off x="658265" y="184763"/>
+            <a:ext cx="1001485" cy="712644"/>
+          </a:xfrm>
+          <a:prstGeom prst="rect">
+            <a:avLst/>
+          </a:prstGeom>
+        </p:spPr>
+      </p:pic>
+      <p:sp>
+        <p:nvSpPr>
+          <p:cNvPr id="11" name="Segnaposto numero diapositiva 5">
+            <a:extLst>
+              <a:ext uri="{FF2B5EF4-FFF2-40B4-BE49-F238E27FC236}">
+                <a16:creationId xmlns:a16="http://schemas.microsoft.com/office/drawing/2014/main" id="{5B7F2626-4D62-F056-3BEA-61A1DA7E61D2}"/>
+              </a:ext>
+            </a:extLst>
+          </p:cNvPr>
+          <p:cNvSpPr>
+            <a:spLocks noGrp="1"/>
+          </p:cNvSpPr>
+          <p:nvPr>
+            <p:ph type="sldNum" sz="quarter" idx="12"/>
+          </p:nvPr>
+        </p:nvSpPr>
+        <p:spPr>
+          <a:xfrm>
+            <a:off x="-396552" y="6399900"/>
+            <a:ext cx="1905000" cy="457200"/>
+          </a:xfrm>
+          <a:noFill/>
+          <a:extLst>
+            <a:ext uri="{909E8E84-426E-40DD-AFC4-6F175D3DCCD1}">
+              <a14:hiddenFill xmlns:a14="http://schemas.microsoft.com/office/drawing/2010/main">
+                <a:solidFill>
+                  <a:schemeClr val="accent1"/>
+                </a:solidFill>
+              </a14:hiddenFill>
+            </a:ext>
+            <a:ext uri="{91240B29-F687-4F45-9708-019B960494DF}">
+              <a14:hiddenLine xmlns:a14="http://schemas.microsoft.com/office/drawing/2010/main" w="9525">
+                <a:solidFill>
+                  <a:schemeClr val="tx1"/>
+                </a:solidFill>
+                <a:miter lim="800000"/>
+                <a:headEnd/>
+                <a:tailEnd/>
+              </a14:hiddenLine>
+            </a:ext>
+          </a:extLst>
+        </p:spPr>
+        <p:txBody>
+          <a:bodyPr/>
+          <a:lstStyle>
+            <a:lvl1pPr>
+              <a:spcBef>
+                <a:spcPct val="20000"/>
+              </a:spcBef>
+              <a:buClr>
+                <a:srgbClr val="822433"/>
+              </a:buClr>
+              <a:buChar char="•"/>
+              <a:defRPr sz="2400">
+                <a:solidFill>
+                  <a:srgbClr val="000000"/>
+                </a:solidFill>
+                <a:latin typeface="Arial" panose="020B0604020202020204" pitchFamily="34" charset="0"/>
+                <a:ea typeface="ＭＳ Ｐゴシック" panose="020B0600070205080204" pitchFamily="34" charset="-128"/>
+              </a:defRPr>
+            </a:lvl1pPr>
+            <a:lvl2pPr marL="742950" indent="-285750">
+              <a:spcBef>
+                <a:spcPct val="20000"/>
+              </a:spcBef>
+              <a:buChar char="–"/>
+              <a:defRPr sz="2000">
+                <a:solidFill>
+                  <a:srgbClr val="000000"/>
+                </a:solidFill>
+                <a:latin typeface="Arial" panose="020B0604020202020204" pitchFamily="34" charset="0"/>
+                <a:ea typeface="ＭＳ Ｐゴシック" panose="020B0600070205080204" pitchFamily="34" charset="-128"/>
+              </a:defRPr>
+            </a:lvl2pPr>
+            <a:lvl3pPr marL="1143000" indent="-228600">
+              <a:spcBef>
+                <a:spcPct val="20000"/>
+              </a:spcBef>
+              <a:buChar char="•"/>
+              <a:defRPr sz="1600">
+                <a:solidFill>
+                  <a:srgbClr val="000000"/>
+                </a:solidFill>
+                <a:latin typeface="Arial" panose="020B0604020202020204" pitchFamily="34" charset="0"/>
+                <a:ea typeface="ＭＳ Ｐゴシック" panose="020B0600070205080204" pitchFamily="34" charset="-128"/>
+              </a:defRPr>
+            </a:lvl3pPr>
+            <a:lvl4pPr marL="1600200" indent="-228600">
+              <a:spcBef>
+                <a:spcPct val="20000"/>
+              </a:spcBef>
+              <a:buChar char="–"/>
+              <a:defRPr sz="1400">
+                <a:solidFill>
+                  <a:srgbClr val="000000"/>
+                </a:solidFill>
+                <a:latin typeface="Arial" panose="020B0604020202020204" pitchFamily="34" charset="0"/>
+                <a:ea typeface="ＭＳ Ｐゴシック" panose="020B0600070205080204" pitchFamily="34" charset="-128"/>
+              </a:defRPr>
+            </a:lvl4pPr>
+            <a:lvl5pPr marL="2057400" indent="-228600">
+              <a:spcBef>
+                <a:spcPct val="20000"/>
+              </a:spcBef>
+              <a:buChar char="»"/>
+              <a:defRPr sz="1200">
+                <a:solidFill>
+                  <a:srgbClr val="000000"/>
+                </a:solidFill>
+                <a:latin typeface="Arial" panose="020B0604020202020204" pitchFamily="34" charset="0"/>
+                <a:ea typeface="ＭＳ Ｐゴシック" panose="020B0600070205080204" pitchFamily="34" charset="-128"/>
+              </a:defRPr>
+            </a:lvl5pPr>
+            <a:lvl6pPr marL="2514600" indent="-228600" eaLnBrk="0" fontAlgn="base" hangingPunct="0">
+              <a:spcBef>
+                <a:spcPct val="20000"/>
+              </a:spcBef>
+              <a:spcAft>
+                <a:spcPct val="0"/>
+              </a:spcAft>
+              <a:buChar char="»"/>
+              <a:defRPr sz="1200">
+                <a:solidFill>
+                  <a:srgbClr val="000000"/>
+                </a:solidFill>
+                <a:latin typeface="Arial" panose="020B0604020202020204" pitchFamily="34" charset="0"/>
+                <a:ea typeface="ＭＳ Ｐゴシック" panose="020B0600070205080204" pitchFamily="34" charset="-128"/>
+              </a:defRPr>
+            </a:lvl6pPr>
+            <a:lvl7pPr marL="2971800" indent="-228600" eaLnBrk="0" fontAlgn="base" hangingPunct="0">
+              <a:spcBef>
+                <a:spcPct val="20000"/>
+              </a:spcBef>
+              <a:spcAft>
+                <a:spcPct val="0"/>
+              </a:spcAft>
+              <a:buChar char="»"/>
+              <a:defRPr sz="1200">
+                <a:solidFill>
+                  <a:srgbClr val="000000"/>
+                </a:solidFill>
+                <a:latin typeface="Arial" panose="020B0604020202020204" pitchFamily="34" charset="0"/>
+                <a:ea typeface="ＭＳ Ｐゴシック" panose="020B0600070205080204" pitchFamily="34" charset="-128"/>
+              </a:defRPr>
+            </a:lvl7pPr>
+            <a:lvl8pPr marL="3429000" indent="-228600" eaLnBrk="0" fontAlgn="base" hangingPunct="0">
+              <a:spcBef>
+                <a:spcPct val="20000"/>
+              </a:spcBef>
+              <a:spcAft>
+                <a:spcPct val="0"/>
+              </a:spcAft>
+              <a:buChar char="»"/>
+              <a:defRPr sz="1200">
+                <a:solidFill>
+                  <a:srgbClr val="000000"/>
+                </a:solidFill>
+                <a:latin typeface="Arial" panose="020B0604020202020204" pitchFamily="34" charset="0"/>
+                <a:ea typeface="ＭＳ Ｐゴシック" panose="020B0600070205080204" pitchFamily="34" charset="-128"/>
+              </a:defRPr>
+            </a:lvl8pPr>
+            <a:lvl9pPr marL="3886200" indent="-228600" eaLnBrk="0" fontAlgn="base" hangingPunct="0">
+              <a:spcBef>
+                <a:spcPct val="20000"/>
+              </a:spcBef>
+              <a:spcAft>
+                <a:spcPct val="0"/>
+              </a:spcAft>
+              <a:buChar char="»"/>
+              <a:defRPr sz="1200">
+                <a:solidFill>
+                  <a:srgbClr val="000000"/>
+                </a:solidFill>
+                <a:latin typeface="Arial" panose="020B0604020202020204" pitchFamily="34" charset="0"/>
+                <a:ea typeface="ＭＳ Ｐゴシック" panose="020B0600070205080204" pitchFamily="34" charset="-128"/>
+              </a:defRPr>
+            </a:lvl9pPr>
+          </a:lstStyle>
+          <a:p>
+            <a:pPr marL="0" marR="0" lvl="0" indent="0" algn="r" defTabSz="914400" rtl="0" eaLnBrk="0" fontAlgn="base" latinLnBrk="0" hangingPunct="0">
+              <a:lnSpc>
+                <a:spcPct val="100000"/>
+              </a:lnSpc>
+              <a:spcBef>
+                <a:spcPct val="0"/>
+              </a:spcBef>
+              <a:spcAft>
+                <a:spcPct val="0"/>
+              </a:spcAft>
+              <a:buClrTx/>
+              <a:buSzTx/>
+              <a:buFontTx/>
+              <a:buNone/>
+              <a:tabLst/>
+              <a:defRPr/>
+            </a:pPr>
+            <a:r>
+              <a:rPr kumimoji="0" lang="it-IT" altLang="it-IT" sz="1100" b="0" i="0" u="none" strike="noStrike" kern="1200" cap="none" spc="0" normalizeH="0" baseline="0" noProof="0">
+                <a:ln>
+                  <a:noFill/>
+                </a:ln>
+                <a:solidFill>
+                  <a:srgbClr val="822433"/>
+                </a:solidFill>
+                <a:effectLst/>
+                <a:uLnTx/>
+                <a:uFillTx/>
+                <a:latin typeface="Palatino Linotype" panose="02040502050505030304" pitchFamily="18" charset="0"/>
+                <a:ea typeface="ＭＳ Ｐゴシック" panose="020B0600070205080204" pitchFamily="34" charset="-128"/>
+                <a:cs typeface="+mn-cs"/>
+              </a:rPr>
+              <a:t>Page </a:t>
+            </a:r>
+            <a:fld id="{2A710F11-D8FC-B640-9CD7-9E66F8DF94F3}" type="slidenum">
+              <a:rPr kumimoji="0" lang="it-IT" altLang="it-IT" sz="1100" b="0" i="0" u="none" strike="noStrike" kern="1200" cap="none" spc="0" normalizeH="0" baseline="0" noProof="0" smtClean="0">
+                <a:ln>
+                  <a:noFill/>
+                </a:ln>
+                <a:solidFill>
+                  <a:srgbClr val="822433"/>
+                </a:solidFill>
+                <a:effectLst/>
+                <a:uLnTx/>
+                <a:uFillTx/>
+                <a:latin typeface="Palatino Linotype" panose="02040502050505030304" pitchFamily="18" charset="0"/>
+                <a:ea typeface="ＭＳ Ｐゴシック" panose="020B0600070205080204" pitchFamily="34" charset="-128"/>
+                <a:cs typeface="+mn-cs"/>
+              </a:rPr>
+              <a:pPr marL="0" marR="0" lvl="0" indent="0" algn="r" defTabSz="914400" rtl="0" eaLnBrk="0" fontAlgn="base" latinLnBrk="0" hangingPunct="0">
+                <a:lnSpc>
+                  <a:spcPct val="100000"/>
+                </a:lnSpc>
+                <a:spcBef>
+                  <a:spcPct val="0"/>
+                </a:spcBef>
+                <a:spcAft>
+                  <a:spcPct val="0"/>
+                </a:spcAft>
+                <a:buClrTx/>
+                <a:buSzTx/>
+                <a:buFontTx/>
+                <a:buNone/>
+                <a:tabLst/>
+                <a:defRPr/>
+              </a:pPr>
+              <a:t>26</a:t>
+            </a:fld>
+            <a:endParaRPr kumimoji="0" lang="it-IT" altLang="it-IT" sz="1100" b="0" i="0" u="none" strike="noStrike" kern="1200" cap="none" spc="0" normalizeH="0" baseline="0" noProof="0">
+              <a:ln>
+                <a:noFill/>
+              </a:ln>
+              <a:solidFill>
+                <a:srgbClr val="822433"/>
+              </a:solidFill>
+              <a:effectLst/>
+              <a:uLnTx/>
+              <a:uFillTx/>
+              <a:latin typeface="Palatino Linotype" panose="02040502050505030304" pitchFamily="18" charset="0"/>
+              <a:ea typeface="ＭＳ Ｐゴシック" panose="020B0600070205080204" pitchFamily="34" charset="-128"/>
+              <a:cs typeface="+mn-cs"/>
+            </a:endParaRPr>
+          </a:p>
+        </p:txBody>
+      </p:sp>
+      <p:sp>
+        <p:nvSpPr>
+          <p:cNvPr id="2" name="Rectangle 2">
+            <a:extLst>
+              <a:ext uri="{FF2B5EF4-FFF2-40B4-BE49-F238E27FC236}">
+                <a16:creationId xmlns:a16="http://schemas.microsoft.com/office/drawing/2014/main" id="{E15B8F83-498E-C426-3CF2-3DF3124608BF}"/>
+              </a:ext>
+            </a:extLst>
+          </p:cNvPr>
+          <p:cNvSpPr txBox="1">
+            <a:spLocks noChangeArrowheads="1"/>
+          </p:cNvSpPr>
+          <p:nvPr/>
+        </p:nvSpPr>
+        <p:spPr bwMode="auto">
+          <a:xfrm>
+            <a:off x="1920556" y="379656"/>
+            <a:ext cx="5306106" cy="701169"/>
+          </a:xfrm>
+          <a:prstGeom prst="rect">
+            <a:avLst/>
+          </a:prstGeom>
+          <a:noFill/>
+          <a:ln>
+            <a:noFill/>
+          </a:ln>
+          <a:extLst>
+            <a:ext uri="{909E8E84-426E-40DD-AFC4-6F175D3DCCD1}">
+              <a14:hiddenFill xmlns:a14="http://schemas.microsoft.com/office/drawing/2010/main">
+                <a:solidFill>
+                  <a:schemeClr val="accent1"/>
+                </a:solidFill>
+              </a14:hiddenFill>
+            </a:ext>
+            <a:ext uri="{91240B29-F687-4F45-9708-019B960494DF}">
+              <a14:hiddenLine xmlns:a14="http://schemas.microsoft.com/office/drawing/2010/main" w="9525">
+                <a:solidFill>
+                  <a:schemeClr val="tx1"/>
+                </a:solidFill>
+                <a:miter lim="800000"/>
+                <a:headEnd/>
+                <a:tailEnd/>
+              </a14:hiddenLine>
+            </a:ext>
+          </a:extLst>
+        </p:spPr>
+        <p:txBody>
+          <a:bodyPr vert="horz" wrap="square" lIns="91440" tIns="45720" rIns="91440" bIns="45720" numCol="1" anchor="t" anchorCtr="0" compatLnSpc="1">
+            <a:prstTxWarp prst="textNoShape">
+              <a:avLst/>
+            </a:prstTxWarp>
+          </a:bodyPr>
+          <a:lstStyle>
+            <a:defPPr>
+              <a:defRPr lang="it-IT"/>
+            </a:defPPr>
+            <a:lvl1pPr algn="l" rtl="0" eaLnBrk="0" fontAlgn="base" hangingPunct="0">
+              <a:spcBef>
+                <a:spcPct val="0"/>
+              </a:spcBef>
+              <a:spcAft>
+                <a:spcPct val="0"/>
+              </a:spcAft>
+              <a:defRPr sz="900" kern="1200">
+                <a:solidFill>
+                  <a:schemeClr val="bg1"/>
+                </a:solidFill>
+                <a:latin typeface="Arial" panose="020B0604020202020204" pitchFamily="34" charset="0"/>
+                <a:ea typeface="ＭＳ Ｐゴシック" panose="020B0600070205080204" pitchFamily="34" charset="-128"/>
+                <a:cs typeface="+mn-cs"/>
+              </a:defRPr>
+            </a:lvl1pPr>
+            <a:lvl2pPr marL="457200" algn="l" rtl="0" eaLnBrk="0" fontAlgn="base" hangingPunct="0">
+              <a:spcBef>
+                <a:spcPct val="0"/>
+              </a:spcBef>
+              <a:spcAft>
+                <a:spcPct val="0"/>
+              </a:spcAft>
+              <a:defRPr sz="900" kern="1200">
+                <a:solidFill>
+                  <a:schemeClr val="bg1"/>
+                </a:solidFill>
+                <a:latin typeface="Arial" panose="020B0604020202020204" pitchFamily="34" charset="0"/>
+                <a:ea typeface="ＭＳ Ｐゴシック" panose="020B0600070205080204" pitchFamily="34" charset="-128"/>
+                <a:cs typeface="+mn-cs"/>
+              </a:defRPr>
+            </a:lvl2pPr>
+            <a:lvl3pPr marL="914400" algn="l" rtl="0" eaLnBrk="0" fontAlgn="base" hangingPunct="0">
+              <a:spcBef>
+                <a:spcPct val="0"/>
+              </a:spcBef>
+              <a:spcAft>
+                <a:spcPct val="0"/>
+              </a:spcAft>
+              <a:defRPr sz="900" kern="1200">
+                <a:solidFill>
+                  <a:schemeClr val="bg1"/>
+                </a:solidFill>
+                <a:latin typeface="Arial" panose="020B0604020202020204" pitchFamily="34" charset="0"/>
+                <a:ea typeface="ＭＳ Ｐゴシック" panose="020B0600070205080204" pitchFamily="34" charset="-128"/>
+                <a:cs typeface="+mn-cs"/>
+              </a:defRPr>
+            </a:lvl3pPr>
+            <a:lvl4pPr marL="1371600" algn="l" rtl="0" eaLnBrk="0" fontAlgn="base" hangingPunct="0">
+              <a:spcBef>
+                <a:spcPct val="0"/>
+              </a:spcBef>
+              <a:spcAft>
+                <a:spcPct val="0"/>
+              </a:spcAft>
+              <a:defRPr sz="900" kern="1200">
+                <a:solidFill>
+                  <a:schemeClr val="bg1"/>
+                </a:solidFill>
+                <a:latin typeface="Arial" panose="020B0604020202020204" pitchFamily="34" charset="0"/>
+                <a:ea typeface="ＭＳ Ｐゴシック" panose="020B0600070205080204" pitchFamily="34" charset="-128"/>
+                <a:cs typeface="+mn-cs"/>
+              </a:defRPr>
+            </a:lvl4pPr>
+            <a:lvl5pPr marL="1828800" algn="l" rtl="0" eaLnBrk="0" fontAlgn="base" hangingPunct="0">
+              <a:spcBef>
+                <a:spcPct val="0"/>
+              </a:spcBef>
+              <a:spcAft>
+                <a:spcPct val="0"/>
+              </a:spcAft>
+              <a:defRPr sz="900" kern="1200">
+                <a:solidFill>
+                  <a:schemeClr val="bg1"/>
+                </a:solidFill>
+                <a:latin typeface="Arial" panose="020B0604020202020204" pitchFamily="34" charset="0"/>
+                <a:ea typeface="ＭＳ Ｐゴシック" panose="020B0600070205080204" pitchFamily="34" charset="-128"/>
+                <a:cs typeface="+mn-cs"/>
+              </a:defRPr>
+            </a:lvl5pPr>
+            <a:lvl6pPr marL="2286000" algn="l" defTabSz="914400" rtl="0" eaLnBrk="1" latinLnBrk="0" hangingPunct="1">
+              <a:defRPr sz="900" kern="1200">
+                <a:solidFill>
+                  <a:schemeClr val="bg1"/>
+                </a:solidFill>
+                <a:latin typeface="Arial" panose="020B0604020202020204" pitchFamily="34" charset="0"/>
+                <a:ea typeface="ＭＳ Ｐゴシック" panose="020B0600070205080204" pitchFamily="34" charset="-128"/>
+                <a:cs typeface="+mn-cs"/>
+              </a:defRPr>
+            </a:lvl6pPr>
+            <a:lvl7pPr marL="2743200" algn="l" defTabSz="914400" rtl="0" eaLnBrk="1" latinLnBrk="0" hangingPunct="1">
+              <a:defRPr sz="900" kern="1200">
+                <a:solidFill>
+                  <a:schemeClr val="bg1"/>
+                </a:solidFill>
+                <a:latin typeface="Arial" panose="020B0604020202020204" pitchFamily="34" charset="0"/>
+                <a:ea typeface="ＭＳ Ｐゴシック" panose="020B0600070205080204" pitchFamily="34" charset="-128"/>
+                <a:cs typeface="+mn-cs"/>
+              </a:defRPr>
+            </a:lvl7pPr>
+            <a:lvl8pPr marL="3200400" algn="l" defTabSz="914400" rtl="0" eaLnBrk="1" latinLnBrk="0" hangingPunct="1">
+              <a:defRPr sz="900" kern="1200">
+                <a:solidFill>
+                  <a:schemeClr val="bg1"/>
+                </a:solidFill>
+                <a:latin typeface="Arial" panose="020B0604020202020204" pitchFamily="34" charset="0"/>
+                <a:ea typeface="ＭＳ Ｐゴシック" panose="020B0600070205080204" pitchFamily="34" charset="-128"/>
+                <a:cs typeface="+mn-cs"/>
+              </a:defRPr>
+            </a:lvl8pPr>
+            <a:lvl9pPr marL="3657600" algn="l" defTabSz="914400" rtl="0" eaLnBrk="1" latinLnBrk="0" hangingPunct="1">
+              <a:defRPr sz="900" kern="1200">
+                <a:solidFill>
+                  <a:schemeClr val="bg1"/>
+                </a:solidFill>
+                <a:latin typeface="Arial" panose="020B0604020202020204" pitchFamily="34" charset="0"/>
+                <a:ea typeface="ＭＳ Ｐゴシック" panose="020B0600070205080204" pitchFamily="34" charset="-128"/>
+                <a:cs typeface="+mn-cs"/>
+              </a:defRPr>
+            </a:lvl9pPr>
+          </a:lstStyle>
+          <a:p>
+            <a:pPr marL="0" marR="0" lvl="0" indent="0" algn="l" defTabSz="914400" rtl="0" eaLnBrk="1" fontAlgn="base" latinLnBrk="0" hangingPunct="1">
+              <a:lnSpc>
+                <a:spcPct val="100000"/>
+              </a:lnSpc>
+              <a:spcBef>
+                <a:spcPct val="0"/>
+              </a:spcBef>
+              <a:spcAft>
+                <a:spcPct val="0"/>
+              </a:spcAft>
+              <a:buClrTx/>
+              <a:buSzTx/>
+              <a:buFontTx/>
+              <a:buNone/>
+              <a:tabLst/>
+              <a:defRPr/>
+            </a:pPr>
+            <a:r>
+              <a:rPr lang="it-IT" sz="2000" b="1" dirty="0" err="1">
+                <a:solidFill>
+                  <a:srgbClr val="822433"/>
+                </a:solidFill>
+                <a:latin typeface="+mn-lt"/>
+                <a:ea typeface="ＭＳ Ｐゴシック"/>
+                <a:cs typeface="Arial"/>
+              </a:rPr>
+              <a:t>Pre</a:t>
+            </a:r>
+            <a:r>
+              <a:rPr lang="it-IT" sz="2000" b="1" dirty="0">
+                <a:solidFill>
+                  <a:srgbClr val="822433"/>
+                </a:solidFill>
+                <a:latin typeface="+mn-lt"/>
+                <a:ea typeface="ＭＳ Ｐゴシック"/>
+                <a:cs typeface="Arial"/>
+              </a:rPr>
+              <a:t>-processing</a:t>
+            </a:r>
+            <a:endParaRPr kumimoji="0" lang="it-IT" sz="900" b="0" i="0" u="none" strike="noStrike" kern="1200" cap="none" spc="0" normalizeH="0" baseline="0" noProof="0" dirty="0">
+              <a:ln>
+                <a:noFill/>
+              </a:ln>
+              <a:solidFill>
+                <a:srgbClr val="FFFFFF"/>
+              </a:solidFill>
+              <a:effectLst/>
+              <a:uLnTx/>
+              <a:uFillTx/>
+              <a:latin typeface="+mn-lt"/>
+              <a:ea typeface="ＭＳ Ｐゴシック" panose="020B0600070205080204" pitchFamily="34" charset="-128"/>
+              <a:cs typeface="Arial"/>
+            </a:endParaRPr>
+          </a:p>
+          <a:p>
+            <a:pPr>
+              <a:defRPr/>
+            </a:pPr>
+            <a:r>
+              <a:rPr lang="it-IT" sz="1200" dirty="0">
+                <a:solidFill>
+                  <a:srgbClr val="822433"/>
+                </a:solidFill>
+                <a:latin typeface="+mj-lt"/>
+                <a:ea typeface="ＭＳ Ｐゴシック"/>
+                <a:cs typeface="Arial"/>
+              </a:rPr>
+              <a:t>Backup slides</a:t>
+            </a:r>
+            <a:br>
+              <a:rPr lang="it-IT" sz="900" b="0" i="0" u="none" strike="noStrike" kern="1200" cap="none" spc="0" normalizeH="0" baseline="0" noProof="0" dirty="0">
+                <a:ln>
+                  <a:noFill/>
+                </a:ln>
+                <a:effectLst/>
+                <a:uLnTx/>
+                <a:uFillTx/>
+                <a:latin typeface="Platino lino"/>
+                <a:ea typeface="ＭＳ Ｐゴシック" panose="020B0600070205080204" pitchFamily="34" charset="-128"/>
+                <a:cs typeface="Arial"/>
+              </a:rPr>
+            </a:br>
+            <a:r>
+              <a:rPr kumimoji="0" lang="it-IT" sz="900" b="0" i="0" u="none" strike="noStrike" kern="1200" cap="none" spc="0" normalizeH="0" baseline="0" noProof="0" dirty="0">
+                <a:ln>
+                  <a:noFill/>
+                </a:ln>
+                <a:solidFill>
+                  <a:prstClr val="white"/>
+                </a:solidFill>
+                <a:effectLst/>
+                <a:uLnTx/>
+                <a:uFillTx/>
+                <a:latin typeface="Platino lino"/>
+                <a:ea typeface="ＭＳ Ｐゴシック"/>
+                <a:cs typeface="Arial"/>
+              </a:rPr>
+              <a:t>1 Sottotitolo</a:t>
+            </a:r>
+            <a:endParaRPr kumimoji="0" lang="it-IT" sz="900" b="0" i="0" u="none" strike="noStrike" kern="1200" cap="none" spc="0" normalizeH="0" baseline="0" noProof="0" dirty="0">
+              <a:ln>
+                <a:noFill/>
+              </a:ln>
+              <a:solidFill>
+                <a:prstClr val="white"/>
+              </a:solidFill>
+              <a:effectLst/>
+              <a:uLnTx/>
+              <a:uFillTx/>
+              <a:latin typeface="Platino lino"/>
+              <a:ea typeface="ＭＳ Ｐゴシック" panose="020B0600070205080204" pitchFamily="34" charset="-128"/>
+              <a:cs typeface="Arial"/>
+            </a:endParaRPr>
+          </a:p>
+        </p:txBody>
+      </p:sp>
+      <p:sp>
+        <p:nvSpPr>
+          <p:cNvPr id="7" name="Rectangle 1">
+            <a:extLst>
+              <a:ext uri="{FF2B5EF4-FFF2-40B4-BE49-F238E27FC236}">
+                <a16:creationId xmlns:a16="http://schemas.microsoft.com/office/drawing/2014/main" id="{77A2CE98-2520-8D75-4740-142ED801DE85}"/>
+              </a:ext>
+            </a:extLst>
+          </p:cNvPr>
+          <p:cNvSpPr>
+            <a:spLocks noChangeArrowheads="1"/>
+          </p:cNvSpPr>
+          <p:nvPr/>
+        </p:nvSpPr>
+        <p:spPr bwMode="auto">
+          <a:xfrm>
+            <a:off x="425451" y="2937658"/>
+            <a:ext cx="10600214" cy="457113"/>
+          </a:xfrm>
+          <a:prstGeom prst="rect">
+            <a:avLst/>
+          </a:prstGeom>
+          <a:noFill/>
+          <a:ln>
+            <a:noFill/>
+          </a:ln>
+          <a:effectLst/>
+          <a:extLst>
+            <a:ext uri="{909E8E84-426E-40DD-AFC4-6F175D3DCCD1}">
+              <a14:hiddenFill xmlns:a14="http://schemas.microsoft.com/office/drawing/2010/main">
+                <a:solidFill>
+                  <a:schemeClr val="accent1"/>
+                </a:solidFill>
+              </a14:hiddenFill>
+            </a:ext>
+            <a:ext uri="{91240B29-F687-4F45-9708-019B960494DF}">
+              <a14:hiddenLine xmlns:a14="http://schemas.microsoft.com/office/drawing/2010/main" w="9525">
+                <a:solidFill>
+                  <a:schemeClr val="tx1"/>
+                </a:solidFill>
+                <a:miter lim="800000"/>
+                <a:headEnd/>
+                <a:tailEnd/>
+              </a14:hiddenLine>
+            </a:ext>
+            <a:ext uri="{AF507438-7753-43E0-B8FC-AC1667EBCBE1}">
+              <a14:hiddenEffects xmlns:a14="http://schemas.microsoft.com/office/drawing/2010/main">
+                <a:effectLst>
+                  <a:outerShdw dist="35921" dir="2700000" algn="ctr" rotWithShape="0">
+                    <a:schemeClr val="bg2"/>
+                  </a:outerShdw>
+                </a:effectLst>
+              </a14:hiddenEffects>
+            </a:ext>
+          </a:extLst>
+        </p:spPr>
+        <p:txBody>
+          <a:bodyPr vert="horz" wrap="square" lIns="91440" tIns="45720" rIns="91440" bIns="45720" numCol="1" anchor="ctr" anchorCtr="0" compatLnSpc="1">
+            <a:prstTxWarp prst="textNoShape">
+              <a:avLst/>
+            </a:prstTxWarp>
+            <a:spAutoFit/>
+          </a:bodyPr>
+          <a:lstStyle/>
+          <a:p>
+            <a:endParaRPr lang="it-IT"/>
+          </a:p>
+        </p:txBody>
+      </p:sp>
+      <p:sp>
+        <p:nvSpPr>
+          <p:cNvPr id="3" name="CasellaDiTesto 2">
+            <a:extLst>
+              <a:ext uri="{FF2B5EF4-FFF2-40B4-BE49-F238E27FC236}">
+                <a16:creationId xmlns:a16="http://schemas.microsoft.com/office/drawing/2014/main" id="{38C7CD5F-59D9-70E3-146D-D79E29E4A368}"/>
+              </a:ext>
+            </a:extLst>
+          </p:cNvPr>
+          <p:cNvSpPr txBox="1"/>
+          <p:nvPr/>
+        </p:nvSpPr>
+        <p:spPr>
+          <a:xfrm>
+            <a:off x="658265" y="1282700"/>
+            <a:ext cx="8104735" cy="3662541"/>
+          </a:xfrm>
+          <a:prstGeom prst="rect">
+            <a:avLst/>
+          </a:prstGeom>
+          <a:noFill/>
+        </p:spPr>
+        <p:txBody>
+          <a:bodyPr wrap="square" rtlCol="0">
+            <a:spAutoFit/>
+          </a:bodyPr>
+          <a:lstStyle/>
+          <a:p>
+            <a:r>
+              <a:rPr lang="en-US" sz="1600" b="1" dirty="0">
+                <a:solidFill>
+                  <a:schemeClr val="tx1"/>
+                </a:solidFill>
+              </a:rPr>
+              <a:t>For all SVM-based models, images undergo the following processing:</a:t>
+            </a:r>
+          </a:p>
+          <a:p>
+            <a:endParaRPr lang="it-IT" sz="1600" b="1" dirty="0">
+              <a:solidFill>
+                <a:schemeClr val="tx1"/>
+              </a:solidFill>
+            </a:endParaRPr>
+          </a:p>
+          <a:p>
+            <a:pPr marL="742950" lvl="1" indent="-285750">
+              <a:buFont typeface="Arial" panose="020B0604020202020204" pitchFamily="34" charset="0"/>
+              <a:buChar char="•"/>
+            </a:pPr>
+            <a:r>
+              <a:rPr lang="it-IT" sz="1400" dirty="0">
+                <a:solidFill>
+                  <a:schemeClr val="tx1"/>
+                </a:solidFill>
+              </a:rPr>
+              <a:t>Image </a:t>
+            </a:r>
+            <a:r>
+              <a:rPr lang="it-IT" sz="1400" dirty="0" err="1">
+                <a:solidFill>
+                  <a:schemeClr val="tx1"/>
+                </a:solidFill>
+              </a:rPr>
+              <a:t>resizing</a:t>
+            </a:r>
+            <a:r>
+              <a:rPr lang="it-IT" sz="1400" dirty="0">
+                <a:solidFill>
+                  <a:schemeClr val="tx1"/>
+                </a:solidFill>
+              </a:rPr>
+              <a:t> to </a:t>
+            </a:r>
+            <a:r>
+              <a:rPr lang="it-IT" sz="1400" dirty="0">
+                <a:solidFill>
+                  <a:srgbClr val="9C2C3F"/>
+                </a:solidFill>
+              </a:rPr>
+              <a:t>224 x 224 pixels</a:t>
+            </a:r>
+            <a:r>
+              <a:rPr lang="it-IT" sz="1400" dirty="0">
+                <a:solidFill>
+                  <a:schemeClr val="tx1"/>
+                </a:solidFill>
+              </a:rPr>
+              <a:t>;</a:t>
+            </a:r>
+          </a:p>
+          <a:p>
+            <a:pPr marL="742950" lvl="1" indent="-285750">
+              <a:buFont typeface="Arial" panose="020B0604020202020204" pitchFamily="34" charset="0"/>
+              <a:buChar char="•"/>
+            </a:pPr>
+            <a:endParaRPr lang="it-IT" sz="1400" dirty="0">
+              <a:solidFill>
+                <a:schemeClr val="tx1"/>
+              </a:solidFill>
+            </a:endParaRPr>
+          </a:p>
+          <a:p>
+            <a:pPr marL="742950" lvl="1" indent="-285750">
+              <a:buFont typeface="Arial" panose="020B0604020202020204" pitchFamily="34" charset="0"/>
+              <a:buChar char="•"/>
+            </a:pPr>
+            <a:r>
+              <a:rPr lang="it-IT" sz="1400" dirty="0">
+                <a:solidFill>
+                  <a:schemeClr val="tx1"/>
+                </a:solidFill>
+              </a:rPr>
+              <a:t>Conversion to </a:t>
+            </a:r>
+            <a:r>
+              <a:rPr lang="it-IT" sz="1400" dirty="0" err="1">
+                <a:solidFill>
+                  <a:srgbClr val="9C2C3F"/>
+                </a:solidFill>
+              </a:rPr>
+              <a:t>grayscale</a:t>
+            </a:r>
+            <a:r>
+              <a:rPr lang="it-IT" sz="1400" dirty="0">
+                <a:solidFill>
+                  <a:schemeClr val="tx1"/>
+                </a:solidFill>
+              </a:rPr>
+              <a:t>;</a:t>
+            </a:r>
+          </a:p>
+          <a:p>
+            <a:pPr marL="742950" lvl="1" indent="-285750">
+              <a:buFont typeface="Arial" panose="020B0604020202020204" pitchFamily="34" charset="0"/>
+              <a:buChar char="•"/>
+            </a:pPr>
+            <a:endParaRPr lang="it-IT" sz="1400" dirty="0">
+              <a:solidFill>
+                <a:schemeClr val="tx1"/>
+              </a:solidFill>
+            </a:endParaRPr>
+          </a:p>
+          <a:p>
+            <a:pPr marL="742950" lvl="1" indent="-285750">
+              <a:buFont typeface="Arial" panose="020B0604020202020204" pitchFamily="34" charset="0"/>
+              <a:buChar char="•"/>
+            </a:pPr>
+            <a:r>
+              <a:rPr lang="it-IT" sz="1400" dirty="0">
+                <a:solidFill>
+                  <a:srgbClr val="9C2C3F"/>
+                </a:solidFill>
+              </a:rPr>
+              <a:t>Feature </a:t>
+            </a:r>
+            <a:r>
+              <a:rPr lang="it-IT" sz="1400" dirty="0" err="1">
+                <a:solidFill>
+                  <a:srgbClr val="9C2C3F"/>
+                </a:solidFill>
+              </a:rPr>
+              <a:t>extraction</a:t>
+            </a:r>
+            <a:r>
+              <a:rPr lang="it-IT" sz="1400" dirty="0">
+                <a:solidFill>
+                  <a:schemeClr val="tx1"/>
+                </a:solidFill>
+              </a:rPr>
+              <a:t>, </a:t>
+            </a:r>
+            <a:r>
+              <a:rPr lang="it-IT" sz="1400" dirty="0" err="1">
+                <a:solidFill>
+                  <a:schemeClr val="tx1"/>
+                </a:solidFill>
+              </a:rPr>
+              <a:t>specific</a:t>
+            </a:r>
+            <a:r>
+              <a:rPr lang="it-IT" sz="1400" dirty="0">
+                <a:solidFill>
+                  <a:schemeClr val="tx1"/>
+                </a:solidFill>
+              </a:rPr>
+              <a:t> to </a:t>
+            </a:r>
+            <a:r>
+              <a:rPr lang="it-IT" sz="1400" dirty="0" err="1">
+                <a:solidFill>
+                  <a:schemeClr val="tx1"/>
+                </a:solidFill>
+              </a:rPr>
+              <a:t>each</a:t>
+            </a:r>
+            <a:r>
+              <a:rPr lang="it-IT" sz="1400" dirty="0">
+                <a:solidFill>
+                  <a:schemeClr val="tx1"/>
+                </a:solidFill>
+              </a:rPr>
+              <a:t> model;</a:t>
+            </a:r>
+          </a:p>
+          <a:p>
+            <a:pPr marL="1200150" lvl="2" indent="-285750">
+              <a:buFont typeface="Arial" panose="020B0604020202020204" pitchFamily="34" charset="0"/>
+              <a:buChar char="•"/>
+            </a:pPr>
+            <a:r>
+              <a:rPr lang="it-IT" sz="1400" dirty="0">
+                <a:solidFill>
+                  <a:srgbClr val="9C2C3F"/>
+                </a:solidFill>
+              </a:rPr>
+              <a:t>Feature </a:t>
+            </a:r>
+            <a:r>
+              <a:rPr lang="it-IT" sz="1400" dirty="0" err="1">
+                <a:solidFill>
+                  <a:srgbClr val="9C2C3F"/>
+                </a:solidFill>
+              </a:rPr>
+              <a:t>concatanation</a:t>
+            </a:r>
+            <a:r>
+              <a:rPr lang="it-IT" sz="1400" dirty="0">
+                <a:solidFill>
+                  <a:schemeClr val="tx1"/>
+                </a:solidFill>
+              </a:rPr>
+              <a:t> (</a:t>
+            </a:r>
+            <a:r>
+              <a:rPr lang="it-IT" sz="1400" dirty="0" err="1">
+                <a:solidFill>
+                  <a:schemeClr val="tx1"/>
+                </a:solidFill>
+              </a:rPr>
+              <a:t>applied</a:t>
+            </a:r>
+            <a:r>
+              <a:rPr lang="it-IT" sz="1400" dirty="0">
+                <a:solidFill>
+                  <a:schemeClr val="tx1"/>
+                </a:solidFill>
+              </a:rPr>
+              <a:t> to </a:t>
+            </a:r>
+            <a:r>
+              <a:rPr lang="it-IT" sz="1400" b="1" dirty="0">
+                <a:solidFill>
+                  <a:schemeClr val="tx1"/>
+                </a:solidFill>
+              </a:rPr>
+              <a:t>LBP + HOG </a:t>
+            </a:r>
+            <a:r>
+              <a:rPr lang="it-IT" sz="1400" dirty="0">
+                <a:solidFill>
+                  <a:schemeClr val="tx1"/>
+                </a:solidFill>
+              </a:rPr>
+              <a:t>and </a:t>
+            </a:r>
+            <a:r>
+              <a:rPr lang="it-IT" sz="1400" b="1" dirty="0">
+                <a:solidFill>
+                  <a:schemeClr val="tx1"/>
+                </a:solidFill>
+              </a:rPr>
+              <a:t>Mean SIFT + HOG</a:t>
+            </a:r>
+            <a:r>
+              <a:rPr lang="it-IT" sz="1400" dirty="0">
+                <a:solidFill>
+                  <a:schemeClr val="tx1"/>
+                </a:solidFill>
+              </a:rPr>
+              <a:t>);</a:t>
+            </a:r>
+          </a:p>
+          <a:p>
+            <a:pPr marL="1200150" lvl="2" indent="-285750">
+              <a:buFont typeface="Arial" panose="020B0604020202020204" pitchFamily="34" charset="0"/>
+              <a:buChar char="•"/>
+            </a:pPr>
+            <a:endParaRPr lang="it-IT" sz="1400" dirty="0">
+              <a:solidFill>
+                <a:schemeClr val="tx1"/>
+              </a:solidFill>
+            </a:endParaRPr>
+          </a:p>
+          <a:p>
+            <a:pPr marL="742950" lvl="1" indent="-285750">
+              <a:buFont typeface="Arial" panose="020B0604020202020204" pitchFamily="34" charset="0"/>
+              <a:buChar char="•"/>
+            </a:pPr>
+            <a:r>
+              <a:rPr lang="it-IT" sz="1400" dirty="0" err="1">
+                <a:solidFill>
+                  <a:schemeClr val="tx1"/>
+                </a:solidFill>
+              </a:rPr>
+              <a:t>Transformation</a:t>
+            </a:r>
+            <a:r>
+              <a:rPr lang="it-IT" sz="1400" dirty="0">
+                <a:solidFill>
+                  <a:schemeClr val="tx1"/>
+                </a:solidFill>
+              </a:rPr>
+              <a:t> </a:t>
+            </a:r>
+            <a:r>
+              <a:rPr lang="it-IT" sz="1400" dirty="0" err="1">
+                <a:solidFill>
+                  <a:schemeClr val="tx1"/>
+                </a:solidFill>
+              </a:rPr>
+              <a:t>using</a:t>
+            </a:r>
+            <a:r>
+              <a:rPr lang="it-IT" sz="1400" dirty="0">
+                <a:solidFill>
+                  <a:schemeClr val="tx1"/>
+                </a:solidFill>
+              </a:rPr>
+              <a:t> </a:t>
+            </a:r>
+            <a:r>
+              <a:rPr lang="it-IT" sz="1400" dirty="0" err="1">
+                <a:solidFill>
+                  <a:schemeClr val="tx1"/>
+                </a:solidFill>
+              </a:rPr>
+              <a:t>Kera’s</a:t>
+            </a:r>
+            <a:r>
+              <a:rPr lang="it-IT" sz="1400" dirty="0">
+                <a:solidFill>
+                  <a:schemeClr val="tx1"/>
+                </a:solidFill>
+              </a:rPr>
+              <a:t> </a:t>
+            </a:r>
+            <a:r>
+              <a:rPr lang="it-IT" sz="1400" dirty="0" err="1">
+                <a:solidFill>
+                  <a:srgbClr val="9C2C3F"/>
+                </a:solidFill>
+              </a:rPr>
+              <a:t>StandardScaler</a:t>
+            </a:r>
+            <a:r>
+              <a:rPr lang="it-IT" sz="1400" dirty="0">
+                <a:solidFill>
+                  <a:schemeClr val="tx1"/>
+                </a:solidFill>
+              </a:rPr>
+              <a:t>;</a:t>
+            </a:r>
+          </a:p>
+          <a:p>
+            <a:pPr marL="742950" lvl="1" indent="-285750">
+              <a:buFont typeface="Arial" panose="020B0604020202020204" pitchFamily="34" charset="0"/>
+              <a:buChar char="•"/>
+            </a:pPr>
+            <a:endParaRPr lang="it-IT" sz="1400" dirty="0">
+              <a:solidFill>
+                <a:schemeClr val="tx1"/>
+              </a:solidFill>
+            </a:endParaRPr>
+          </a:p>
+          <a:p>
+            <a:pPr marL="1200150" lvl="2" indent="-285750">
+              <a:buFont typeface="Arial" panose="020B0604020202020204" pitchFamily="34" charset="0"/>
+              <a:buChar char="•"/>
+            </a:pPr>
+            <a:endParaRPr lang="it-IT" sz="1400" dirty="0">
+              <a:solidFill>
+                <a:schemeClr val="tx1"/>
+              </a:solidFill>
+            </a:endParaRPr>
+          </a:p>
+          <a:p>
+            <a:pPr marL="1200150" lvl="2" indent="-285750">
+              <a:buFont typeface="Arial" panose="020B0604020202020204" pitchFamily="34" charset="0"/>
+              <a:buChar char="•"/>
+            </a:pPr>
+            <a:endParaRPr lang="it-IT" sz="1400" dirty="0">
+              <a:solidFill>
+                <a:schemeClr val="tx1"/>
+              </a:solidFill>
+            </a:endParaRPr>
+          </a:p>
+          <a:p>
+            <a:pPr marL="1200150" lvl="2" indent="-285750">
+              <a:buFont typeface="Arial" panose="020B0604020202020204" pitchFamily="34" charset="0"/>
+              <a:buChar char="•"/>
+            </a:pPr>
+            <a:endParaRPr lang="it-IT" sz="1400" dirty="0">
+              <a:solidFill>
+                <a:schemeClr val="tx1"/>
+              </a:solidFill>
+            </a:endParaRPr>
+          </a:p>
+          <a:p>
+            <a:pPr marL="342900" indent="-342900">
+              <a:buFont typeface="+mj-lt"/>
+              <a:buAutoNum type="arabicPeriod"/>
+            </a:pPr>
+            <a:endParaRPr lang="it-IT" sz="1600" b="1" dirty="0">
+              <a:solidFill>
+                <a:schemeClr val="tx1"/>
+              </a:solidFill>
+            </a:endParaRPr>
+          </a:p>
+          <a:p>
+            <a:pPr marL="342900" indent="-342900">
+              <a:buFont typeface="+mj-lt"/>
+              <a:buAutoNum type="arabicPeriod"/>
+            </a:pPr>
+            <a:endParaRPr lang="it-IT" sz="1600" b="1" dirty="0">
+              <a:solidFill>
+                <a:schemeClr val="tx1"/>
+              </a:solidFill>
+            </a:endParaRPr>
+          </a:p>
+        </p:txBody>
+      </p:sp>
+    </p:spTree>
+    <p:extLst>
+      <p:ext uri="{BB962C8B-B14F-4D97-AF65-F5344CB8AC3E}">
+        <p14:creationId xmlns:p14="http://schemas.microsoft.com/office/powerpoint/2010/main" val="11131882"/>
+      </p:ext>
+    </p:extLst>
+  </p:cSld>
+  <p:clrMapOvr>
+    <a:masterClrMapping/>
+  </p:clrMapOvr>
+</p:sld>
+</file>
+
+<file path=ppt/slides/slide27.xml><?xml version="1.0" encoding="utf-8"?>
+<p:sld xmlns:a="http://schemas.openxmlformats.org/drawingml/2006/main" xmlns:r="http://schemas.openxmlformats.org/officeDocument/2006/relationships" xmlns:p="http://schemas.openxmlformats.org/presentationml/2006/main">
+  <p:cSld>
+    <p:spTree>
+      <p:nvGrpSpPr>
+        <p:cNvPr id="1" name="">
+          <a:extLst>
+            <a:ext uri="{FF2B5EF4-FFF2-40B4-BE49-F238E27FC236}">
+              <a16:creationId xmlns:a16="http://schemas.microsoft.com/office/drawing/2014/main" id="{87885551-5CCD-6310-6491-95945F455386}"/>
+            </a:ext>
+          </a:extLst>
+        </p:cNvPr>
+        <p:cNvGrpSpPr/>
+        <p:nvPr/>
+      </p:nvGrpSpPr>
+      <p:grpSpPr>
+        <a:xfrm>
+          <a:off x="0" y="0"/>
+          <a:ext cx="0" cy="0"/>
+          <a:chOff x="0" y="0"/>
+          <a:chExt cx="0" cy="0"/>
+        </a:xfrm>
+      </p:grpSpPr>
+      <p:sp>
+        <p:nvSpPr>
+          <p:cNvPr id="6" name="Rettangolo 5">
+            <a:extLst>
+              <a:ext uri="{FF2B5EF4-FFF2-40B4-BE49-F238E27FC236}">
+                <a16:creationId xmlns:a16="http://schemas.microsoft.com/office/drawing/2014/main" id="{DD333B70-E344-E91A-F60F-85B86E61061D}"/>
+              </a:ext>
+            </a:extLst>
+          </p:cNvPr>
+          <p:cNvSpPr/>
+          <p:nvPr/>
+        </p:nvSpPr>
+        <p:spPr>
+          <a:xfrm>
+            <a:off x="708440" y="900"/>
+            <a:ext cx="905635" cy="1080920"/>
+          </a:xfrm>
+          <a:prstGeom prst="rect">
+            <a:avLst/>
+          </a:prstGeom>
+          <a:solidFill>
+            <a:srgbClr val="822433"/>
+          </a:solidFill>
+          <a:ln>
+            <a:noFill/>
+          </a:ln>
+        </p:spPr>
+        <p:style>
+          <a:lnRef idx="2">
+            <a:schemeClr val="accent1">
+              <a:shade val="15000"/>
+            </a:schemeClr>
+          </a:lnRef>
+          <a:fillRef idx="1">
+            <a:schemeClr val="accent1"/>
+          </a:fillRef>
+          <a:effectRef idx="0">
+            <a:schemeClr val="accent1"/>
+          </a:effectRef>
+          <a:fontRef idx="minor">
+            <a:schemeClr val="lt1"/>
+          </a:fontRef>
+        </p:style>
+        <p:txBody>
+          <a:bodyPr rtlCol="0" anchor="ctr"/>
+          <a:lstStyle/>
+          <a:p>
+            <a:pPr marL="0" marR="0" lvl="0" indent="0" algn="ctr" defTabSz="914400" rtl="0" eaLnBrk="0" fontAlgn="base" latinLnBrk="0" hangingPunct="0">
+              <a:lnSpc>
+                <a:spcPct val="100000"/>
+              </a:lnSpc>
+              <a:spcBef>
+                <a:spcPct val="0"/>
+              </a:spcBef>
+              <a:spcAft>
+                <a:spcPct val="0"/>
+              </a:spcAft>
+              <a:buClrTx/>
+              <a:buSzTx/>
+              <a:buFontTx/>
+              <a:buNone/>
+              <a:tabLst/>
+              <a:defRPr/>
+            </a:pPr>
+            <a:endParaRPr kumimoji="0" lang="it-IT" sz="900" b="0" i="0" u="none" strike="noStrike" kern="1200" cap="none" spc="0" normalizeH="0" baseline="0" noProof="0">
+              <a:ln>
+                <a:noFill/>
+              </a:ln>
+              <a:solidFill>
+                <a:prstClr val="white"/>
+              </a:solidFill>
+              <a:effectLst/>
+              <a:uLnTx/>
+              <a:uFillTx/>
+              <a:latin typeface="Neue Haas Grotesk Text Pro"/>
+              <a:ea typeface="+mn-ea"/>
+              <a:cs typeface="+mn-cs"/>
+            </a:endParaRPr>
+          </a:p>
+        </p:txBody>
+      </p:sp>
+      <p:pic>
+        <p:nvPicPr>
+          <p:cNvPr id="10" name="Immagine 9" descr="Target studenti | Area didattica di Economia - Sede di Latina">
+            <a:extLst>
+              <a:ext uri="{FF2B5EF4-FFF2-40B4-BE49-F238E27FC236}">
+                <a16:creationId xmlns:a16="http://schemas.microsoft.com/office/drawing/2014/main" id="{406E4659-5A31-BB2F-3438-2B2B0B5BAFD1}"/>
+              </a:ext>
+            </a:extLst>
+          </p:cNvPr>
+          <p:cNvPicPr>
+            <a:picLocks noChangeAspect="1"/>
+          </p:cNvPicPr>
+          <p:nvPr/>
+        </p:nvPicPr>
+        <p:blipFill>
+          <a:blip r:embed="rId2"/>
+          <a:stretch>
+            <a:fillRect/>
+          </a:stretch>
+        </p:blipFill>
+        <p:spPr>
+          <a:xfrm>
+            <a:off x="658265" y="184763"/>
+            <a:ext cx="1001485" cy="712644"/>
+          </a:xfrm>
+          <a:prstGeom prst="rect">
+            <a:avLst/>
+          </a:prstGeom>
+        </p:spPr>
+      </p:pic>
+      <p:sp>
+        <p:nvSpPr>
+          <p:cNvPr id="11" name="Segnaposto numero diapositiva 5">
+            <a:extLst>
+              <a:ext uri="{FF2B5EF4-FFF2-40B4-BE49-F238E27FC236}">
+                <a16:creationId xmlns:a16="http://schemas.microsoft.com/office/drawing/2014/main" id="{5ED7D2EC-68FE-B9E5-85C7-F3C8090174BC}"/>
+              </a:ext>
+            </a:extLst>
+          </p:cNvPr>
+          <p:cNvSpPr>
+            <a:spLocks noGrp="1"/>
+          </p:cNvSpPr>
+          <p:nvPr>
+            <p:ph type="sldNum" sz="quarter" idx="12"/>
+          </p:nvPr>
+        </p:nvSpPr>
+        <p:spPr>
+          <a:xfrm>
+            <a:off x="-396552" y="6399900"/>
+            <a:ext cx="1905000" cy="457200"/>
+          </a:xfrm>
+          <a:noFill/>
+          <a:extLst>
+            <a:ext uri="{909E8E84-426E-40DD-AFC4-6F175D3DCCD1}">
+              <a14:hiddenFill xmlns:a14="http://schemas.microsoft.com/office/drawing/2010/main">
+                <a:solidFill>
+                  <a:schemeClr val="accent1"/>
+                </a:solidFill>
+              </a14:hiddenFill>
+            </a:ext>
+            <a:ext uri="{91240B29-F687-4F45-9708-019B960494DF}">
+              <a14:hiddenLine xmlns:a14="http://schemas.microsoft.com/office/drawing/2010/main" w="9525">
+                <a:solidFill>
+                  <a:schemeClr val="tx1"/>
+                </a:solidFill>
+                <a:miter lim="800000"/>
+                <a:headEnd/>
+                <a:tailEnd/>
+              </a14:hiddenLine>
+            </a:ext>
+          </a:extLst>
+        </p:spPr>
+        <p:txBody>
+          <a:bodyPr/>
+          <a:lstStyle>
+            <a:lvl1pPr>
+              <a:spcBef>
+                <a:spcPct val="20000"/>
+              </a:spcBef>
+              <a:buClr>
+                <a:srgbClr val="822433"/>
+              </a:buClr>
+              <a:buChar char="•"/>
+              <a:defRPr sz="2400">
+                <a:solidFill>
+                  <a:srgbClr val="000000"/>
+                </a:solidFill>
+                <a:latin typeface="Arial" panose="020B0604020202020204" pitchFamily="34" charset="0"/>
+                <a:ea typeface="ＭＳ Ｐゴシック" panose="020B0600070205080204" pitchFamily="34" charset="-128"/>
+              </a:defRPr>
+            </a:lvl1pPr>
+            <a:lvl2pPr marL="742950" indent="-285750">
+              <a:spcBef>
+                <a:spcPct val="20000"/>
+              </a:spcBef>
+              <a:buChar char="–"/>
+              <a:defRPr sz="2000">
+                <a:solidFill>
+                  <a:srgbClr val="000000"/>
+                </a:solidFill>
+                <a:latin typeface="Arial" panose="020B0604020202020204" pitchFamily="34" charset="0"/>
+                <a:ea typeface="ＭＳ Ｐゴシック" panose="020B0600070205080204" pitchFamily="34" charset="-128"/>
+              </a:defRPr>
+            </a:lvl2pPr>
+            <a:lvl3pPr marL="1143000" indent="-228600">
+              <a:spcBef>
+                <a:spcPct val="20000"/>
+              </a:spcBef>
+              <a:buChar char="•"/>
+              <a:defRPr sz="1600">
+                <a:solidFill>
+                  <a:srgbClr val="000000"/>
+                </a:solidFill>
+                <a:latin typeface="Arial" panose="020B0604020202020204" pitchFamily="34" charset="0"/>
+                <a:ea typeface="ＭＳ Ｐゴシック" panose="020B0600070205080204" pitchFamily="34" charset="-128"/>
+              </a:defRPr>
+            </a:lvl3pPr>
+            <a:lvl4pPr marL="1600200" indent="-228600">
+              <a:spcBef>
+                <a:spcPct val="20000"/>
+              </a:spcBef>
+              <a:buChar char="–"/>
+              <a:defRPr sz="1400">
+                <a:solidFill>
+                  <a:srgbClr val="000000"/>
+                </a:solidFill>
+                <a:latin typeface="Arial" panose="020B0604020202020204" pitchFamily="34" charset="0"/>
+                <a:ea typeface="ＭＳ Ｐゴシック" panose="020B0600070205080204" pitchFamily="34" charset="-128"/>
+              </a:defRPr>
+            </a:lvl4pPr>
+            <a:lvl5pPr marL="2057400" indent="-228600">
+              <a:spcBef>
+                <a:spcPct val="20000"/>
+              </a:spcBef>
+              <a:buChar char="»"/>
+              <a:defRPr sz="1200">
+                <a:solidFill>
+                  <a:srgbClr val="000000"/>
+                </a:solidFill>
+                <a:latin typeface="Arial" panose="020B0604020202020204" pitchFamily="34" charset="0"/>
+                <a:ea typeface="ＭＳ Ｐゴシック" panose="020B0600070205080204" pitchFamily="34" charset="-128"/>
+              </a:defRPr>
+            </a:lvl5pPr>
+            <a:lvl6pPr marL="2514600" indent="-228600" eaLnBrk="0" fontAlgn="base" hangingPunct="0">
+              <a:spcBef>
+                <a:spcPct val="20000"/>
+              </a:spcBef>
+              <a:spcAft>
+                <a:spcPct val="0"/>
+              </a:spcAft>
+              <a:buChar char="»"/>
+              <a:defRPr sz="1200">
+                <a:solidFill>
+                  <a:srgbClr val="000000"/>
+                </a:solidFill>
+                <a:latin typeface="Arial" panose="020B0604020202020204" pitchFamily="34" charset="0"/>
+                <a:ea typeface="ＭＳ Ｐゴシック" panose="020B0600070205080204" pitchFamily="34" charset="-128"/>
+              </a:defRPr>
+            </a:lvl6pPr>
+            <a:lvl7pPr marL="2971800" indent="-228600" eaLnBrk="0" fontAlgn="base" hangingPunct="0">
+              <a:spcBef>
+                <a:spcPct val="20000"/>
+              </a:spcBef>
+              <a:spcAft>
+                <a:spcPct val="0"/>
+              </a:spcAft>
+              <a:buChar char="»"/>
+              <a:defRPr sz="1200">
+                <a:solidFill>
+                  <a:srgbClr val="000000"/>
+                </a:solidFill>
+                <a:latin typeface="Arial" panose="020B0604020202020204" pitchFamily="34" charset="0"/>
+                <a:ea typeface="ＭＳ Ｐゴシック" panose="020B0600070205080204" pitchFamily="34" charset="-128"/>
+              </a:defRPr>
+            </a:lvl7pPr>
+            <a:lvl8pPr marL="3429000" indent="-228600" eaLnBrk="0" fontAlgn="base" hangingPunct="0">
+              <a:spcBef>
+                <a:spcPct val="20000"/>
+              </a:spcBef>
+              <a:spcAft>
+                <a:spcPct val="0"/>
+              </a:spcAft>
+              <a:buChar char="»"/>
+              <a:defRPr sz="1200">
+                <a:solidFill>
+                  <a:srgbClr val="000000"/>
+                </a:solidFill>
+                <a:latin typeface="Arial" panose="020B0604020202020204" pitchFamily="34" charset="0"/>
+                <a:ea typeface="ＭＳ Ｐゴシック" panose="020B0600070205080204" pitchFamily="34" charset="-128"/>
+              </a:defRPr>
+            </a:lvl8pPr>
+            <a:lvl9pPr marL="3886200" indent="-228600" eaLnBrk="0" fontAlgn="base" hangingPunct="0">
+              <a:spcBef>
+                <a:spcPct val="20000"/>
+              </a:spcBef>
+              <a:spcAft>
+                <a:spcPct val="0"/>
+              </a:spcAft>
+              <a:buChar char="»"/>
+              <a:defRPr sz="1200">
+                <a:solidFill>
+                  <a:srgbClr val="000000"/>
+                </a:solidFill>
+                <a:latin typeface="Arial" panose="020B0604020202020204" pitchFamily="34" charset="0"/>
+                <a:ea typeface="ＭＳ Ｐゴシック" panose="020B0600070205080204" pitchFamily="34" charset="-128"/>
+              </a:defRPr>
+            </a:lvl9pPr>
+          </a:lstStyle>
+          <a:p>
+            <a:pPr marL="0" marR="0" lvl="0" indent="0" algn="r" defTabSz="914400" rtl="0" eaLnBrk="0" fontAlgn="base" latinLnBrk="0" hangingPunct="0">
+              <a:lnSpc>
+                <a:spcPct val="100000"/>
+              </a:lnSpc>
+              <a:spcBef>
+                <a:spcPct val="0"/>
+              </a:spcBef>
+              <a:spcAft>
+                <a:spcPct val="0"/>
+              </a:spcAft>
+              <a:buClrTx/>
+              <a:buSzTx/>
+              <a:buFontTx/>
+              <a:buNone/>
+              <a:tabLst/>
+              <a:defRPr/>
+            </a:pPr>
+            <a:r>
+              <a:rPr kumimoji="0" lang="it-IT" altLang="it-IT" sz="1100" b="0" i="0" u="none" strike="noStrike" kern="1200" cap="none" spc="0" normalizeH="0" baseline="0" noProof="0">
+                <a:ln>
+                  <a:noFill/>
+                </a:ln>
+                <a:solidFill>
+                  <a:srgbClr val="822433"/>
+                </a:solidFill>
+                <a:effectLst/>
+                <a:uLnTx/>
+                <a:uFillTx/>
+                <a:latin typeface="Palatino Linotype" panose="02040502050505030304" pitchFamily="18" charset="0"/>
+                <a:ea typeface="ＭＳ Ｐゴシック" panose="020B0600070205080204" pitchFamily="34" charset="-128"/>
+                <a:cs typeface="+mn-cs"/>
+              </a:rPr>
+              <a:t>Page </a:t>
+            </a:r>
+            <a:fld id="{2A710F11-D8FC-B640-9CD7-9E66F8DF94F3}" type="slidenum">
+              <a:rPr kumimoji="0" lang="it-IT" altLang="it-IT" sz="1100" b="0" i="0" u="none" strike="noStrike" kern="1200" cap="none" spc="0" normalizeH="0" baseline="0" noProof="0" smtClean="0">
+                <a:ln>
+                  <a:noFill/>
+                </a:ln>
+                <a:solidFill>
+                  <a:srgbClr val="822433"/>
+                </a:solidFill>
+                <a:effectLst/>
+                <a:uLnTx/>
+                <a:uFillTx/>
+                <a:latin typeface="Palatino Linotype" panose="02040502050505030304" pitchFamily="18" charset="0"/>
+                <a:ea typeface="ＭＳ Ｐゴシック" panose="020B0600070205080204" pitchFamily="34" charset="-128"/>
+                <a:cs typeface="+mn-cs"/>
+              </a:rPr>
+              <a:pPr marL="0" marR="0" lvl="0" indent="0" algn="r" defTabSz="914400" rtl="0" eaLnBrk="0" fontAlgn="base" latinLnBrk="0" hangingPunct="0">
+                <a:lnSpc>
+                  <a:spcPct val="100000"/>
+                </a:lnSpc>
+                <a:spcBef>
+                  <a:spcPct val="0"/>
+                </a:spcBef>
+                <a:spcAft>
+                  <a:spcPct val="0"/>
+                </a:spcAft>
+                <a:buClrTx/>
+                <a:buSzTx/>
+                <a:buFontTx/>
+                <a:buNone/>
+                <a:tabLst/>
+                <a:defRPr/>
+              </a:pPr>
+              <a:t>27</a:t>
+            </a:fld>
+            <a:endParaRPr kumimoji="0" lang="it-IT" altLang="it-IT" sz="1100" b="0" i="0" u="none" strike="noStrike" kern="1200" cap="none" spc="0" normalizeH="0" baseline="0" noProof="0">
+              <a:ln>
+                <a:noFill/>
+              </a:ln>
+              <a:solidFill>
+                <a:srgbClr val="822433"/>
+              </a:solidFill>
+              <a:effectLst/>
+              <a:uLnTx/>
+              <a:uFillTx/>
+              <a:latin typeface="Palatino Linotype" panose="02040502050505030304" pitchFamily="18" charset="0"/>
+              <a:ea typeface="ＭＳ Ｐゴシック" panose="020B0600070205080204" pitchFamily="34" charset="-128"/>
+              <a:cs typeface="+mn-cs"/>
+            </a:endParaRPr>
+          </a:p>
+        </p:txBody>
+      </p:sp>
+      <p:sp>
+        <p:nvSpPr>
+          <p:cNvPr id="2" name="Rectangle 2">
+            <a:extLst>
+              <a:ext uri="{FF2B5EF4-FFF2-40B4-BE49-F238E27FC236}">
+                <a16:creationId xmlns:a16="http://schemas.microsoft.com/office/drawing/2014/main" id="{95C4DE9B-A9A4-FA5A-4686-FE4155A48E33}"/>
+              </a:ext>
+            </a:extLst>
+          </p:cNvPr>
+          <p:cNvSpPr txBox="1">
+            <a:spLocks noChangeArrowheads="1"/>
+          </p:cNvSpPr>
+          <p:nvPr/>
+        </p:nvSpPr>
+        <p:spPr bwMode="auto">
+          <a:xfrm>
+            <a:off x="1920556" y="379656"/>
+            <a:ext cx="5306106" cy="701169"/>
+          </a:xfrm>
+          <a:prstGeom prst="rect">
+            <a:avLst/>
+          </a:prstGeom>
+          <a:noFill/>
+          <a:ln>
+            <a:noFill/>
+          </a:ln>
+          <a:extLst>
+            <a:ext uri="{909E8E84-426E-40DD-AFC4-6F175D3DCCD1}">
+              <a14:hiddenFill xmlns:a14="http://schemas.microsoft.com/office/drawing/2010/main">
+                <a:solidFill>
+                  <a:schemeClr val="accent1"/>
+                </a:solidFill>
+              </a14:hiddenFill>
+            </a:ext>
+            <a:ext uri="{91240B29-F687-4F45-9708-019B960494DF}">
+              <a14:hiddenLine xmlns:a14="http://schemas.microsoft.com/office/drawing/2010/main" w="9525">
+                <a:solidFill>
+                  <a:schemeClr val="tx1"/>
+                </a:solidFill>
+                <a:miter lim="800000"/>
+                <a:headEnd/>
+                <a:tailEnd/>
+              </a14:hiddenLine>
+            </a:ext>
+          </a:extLst>
+        </p:spPr>
+        <p:txBody>
+          <a:bodyPr vert="horz" wrap="square" lIns="91440" tIns="45720" rIns="91440" bIns="45720" numCol="1" anchor="t" anchorCtr="0" compatLnSpc="1">
+            <a:prstTxWarp prst="textNoShape">
+              <a:avLst/>
+            </a:prstTxWarp>
+          </a:bodyPr>
+          <a:lstStyle>
+            <a:defPPr>
+              <a:defRPr lang="it-IT"/>
+            </a:defPPr>
+            <a:lvl1pPr algn="l" rtl="0" eaLnBrk="0" fontAlgn="base" hangingPunct="0">
+              <a:spcBef>
+                <a:spcPct val="0"/>
+              </a:spcBef>
+              <a:spcAft>
+                <a:spcPct val="0"/>
+              </a:spcAft>
+              <a:defRPr sz="900" kern="1200">
+                <a:solidFill>
+                  <a:schemeClr val="bg1"/>
+                </a:solidFill>
+                <a:latin typeface="Arial" panose="020B0604020202020204" pitchFamily="34" charset="0"/>
+                <a:ea typeface="ＭＳ Ｐゴシック" panose="020B0600070205080204" pitchFamily="34" charset="-128"/>
+                <a:cs typeface="+mn-cs"/>
+              </a:defRPr>
+            </a:lvl1pPr>
+            <a:lvl2pPr marL="457200" algn="l" rtl="0" eaLnBrk="0" fontAlgn="base" hangingPunct="0">
+              <a:spcBef>
+                <a:spcPct val="0"/>
+              </a:spcBef>
+              <a:spcAft>
+                <a:spcPct val="0"/>
+              </a:spcAft>
+              <a:defRPr sz="900" kern="1200">
+                <a:solidFill>
+                  <a:schemeClr val="bg1"/>
+                </a:solidFill>
+                <a:latin typeface="Arial" panose="020B0604020202020204" pitchFamily="34" charset="0"/>
+                <a:ea typeface="ＭＳ Ｐゴシック" panose="020B0600070205080204" pitchFamily="34" charset="-128"/>
+                <a:cs typeface="+mn-cs"/>
+              </a:defRPr>
+            </a:lvl2pPr>
+            <a:lvl3pPr marL="914400" algn="l" rtl="0" eaLnBrk="0" fontAlgn="base" hangingPunct="0">
+              <a:spcBef>
+                <a:spcPct val="0"/>
+              </a:spcBef>
+              <a:spcAft>
+                <a:spcPct val="0"/>
+              </a:spcAft>
+              <a:defRPr sz="900" kern="1200">
+                <a:solidFill>
+                  <a:schemeClr val="bg1"/>
+                </a:solidFill>
+                <a:latin typeface="Arial" panose="020B0604020202020204" pitchFamily="34" charset="0"/>
+                <a:ea typeface="ＭＳ Ｐゴシック" panose="020B0600070205080204" pitchFamily="34" charset="-128"/>
+                <a:cs typeface="+mn-cs"/>
+              </a:defRPr>
+            </a:lvl3pPr>
+            <a:lvl4pPr marL="1371600" algn="l" rtl="0" eaLnBrk="0" fontAlgn="base" hangingPunct="0">
+              <a:spcBef>
+                <a:spcPct val="0"/>
+              </a:spcBef>
+              <a:spcAft>
+                <a:spcPct val="0"/>
+              </a:spcAft>
+              <a:defRPr sz="900" kern="1200">
+                <a:solidFill>
+                  <a:schemeClr val="bg1"/>
+                </a:solidFill>
+                <a:latin typeface="Arial" panose="020B0604020202020204" pitchFamily="34" charset="0"/>
+                <a:ea typeface="ＭＳ Ｐゴシック" panose="020B0600070205080204" pitchFamily="34" charset="-128"/>
+                <a:cs typeface="+mn-cs"/>
+              </a:defRPr>
+            </a:lvl4pPr>
+            <a:lvl5pPr marL="1828800" algn="l" rtl="0" eaLnBrk="0" fontAlgn="base" hangingPunct="0">
+              <a:spcBef>
+                <a:spcPct val="0"/>
+              </a:spcBef>
+              <a:spcAft>
+                <a:spcPct val="0"/>
+              </a:spcAft>
+              <a:defRPr sz="900" kern="1200">
+                <a:solidFill>
+                  <a:schemeClr val="bg1"/>
+                </a:solidFill>
+                <a:latin typeface="Arial" panose="020B0604020202020204" pitchFamily="34" charset="0"/>
+                <a:ea typeface="ＭＳ Ｐゴシック" panose="020B0600070205080204" pitchFamily="34" charset="-128"/>
+                <a:cs typeface="+mn-cs"/>
+              </a:defRPr>
+            </a:lvl5pPr>
+            <a:lvl6pPr marL="2286000" algn="l" defTabSz="914400" rtl="0" eaLnBrk="1" latinLnBrk="0" hangingPunct="1">
+              <a:defRPr sz="900" kern="1200">
+                <a:solidFill>
+                  <a:schemeClr val="bg1"/>
+                </a:solidFill>
+                <a:latin typeface="Arial" panose="020B0604020202020204" pitchFamily="34" charset="0"/>
+                <a:ea typeface="ＭＳ Ｐゴシック" panose="020B0600070205080204" pitchFamily="34" charset="-128"/>
+                <a:cs typeface="+mn-cs"/>
+              </a:defRPr>
+            </a:lvl6pPr>
+            <a:lvl7pPr marL="2743200" algn="l" defTabSz="914400" rtl="0" eaLnBrk="1" latinLnBrk="0" hangingPunct="1">
+              <a:defRPr sz="900" kern="1200">
+                <a:solidFill>
+                  <a:schemeClr val="bg1"/>
+                </a:solidFill>
+                <a:latin typeface="Arial" panose="020B0604020202020204" pitchFamily="34" charset="0"/>
+                <a:ea typeface="ＭＳ Ｐゴシック" panose="020B0600070205080204" pitchFamily="34" charset="-128"/>
+                <a:cs typeface="+mn-cs"/>
+              </a:defRPr>
+            </a:lvl7pPr>
+            <a:lvl8pPr marL="3200400" algn="l" defTabSz="914400" rtl="0" eaLnBrk="1" latinLnBrk="0" hangingPunct="1">
+              <a:defRPr sz="900" kern="1200">
+                <a:solidFill>
+                  <a:schemeClr val="bg1"/>
+                </a:solidFill>
+                <a:latin typeface="Arial" panose="020B0604020202020204" pitchFamily="34" charset="0"/>
+                <a:ea typeface="ＭＳ Ｐゴシック" panose="020B0600070205080204" pitchFamily="34" charset="-128"/>
+                <a:cs typeface="+mn-cs"/>
+              </a:defRPr>
+            </a:lvl8pPr>
+            <a:lvl9pPr marL="3657600" algn="l" defTabSz="914400" rtl="0" eaLnBrk="1" latinLnBrk="0" hangingPunct="1">
+              <a:defRPr sz="900" kern="1200">
+                <a:solidFill>
+                  <a:schemeClr val="bg1"/>
+                </a:solidFill>
+                <a:latin typeface="Arial" panose="020B0604020202020204" pitchFamily="34" charset="0"/>
+                <a:ea typeface="ＭＳ Ｐゴシック" panose="020B0600070205080204" pitchFamily="34" charset="-128"/>
+                <a:cs typeface="+mn-cs"/>
+              </a:defRPr>
+            </a:lvl9pPr>
+          </a:lstStyle>
+          <a:p>
+            <a:pPr marL="0" marR="0" lvl="0" indent="0" algn="l" defTabSz="914400" rtl="0" eaLnBrk="1" fontAlgn="base" latinLnBrk="0" hangingPunct="1">
+              <a:lnSpc>
+                <a:spcPct val="100000"/>
+              </a:lnSpc>
+              <a:spcBef>
+                <a:spcPct val="0"/>
+              </a:spcBef>
+              <a:spcAft>
+                <a:spcPct val="0"/>
+              </a:spcAft>
+              <a:buClrTx/>
+              <a:buSzTx/>
+              <a:buFontTx/>
+              <a:buNone/>
+              <a:tabLst/>
+              <a:defRPr/>
+            </a:pPr>
+            <a:r>
+              <a:rPr lang="it-IT" sz="2000" b="1" dirty="0">
+                <a:solidFill>
+                  <a:srgbClr val="822433"/>
+                </a:solidFill>
+                <a:latin typeface="+mn-lt"/>
+                <a:ea typeface="ＭＳ Ｐゴシック"/>
+                <a:cs typeface="Arial"/>
+              </a:rPr>
+              <a:t>Features </a:t>
+            </a:r>
+            <a:r>
+              <a:rPr lang="it-IT" sz="2000" b="1" dirty="0" err="1">
+                <a:solidFill>
+                  <a:srgbClr val="822433"/>
+                </a:solidFill>
+                <a:latin typeface="+mn-lt"/>
+                <a:ea typeface="ＭＳ Ｐゴシック"/>
+                <a:cs typeface="Arial"/>
+              </a:rPr>
+              <a:t>dimensions</a:t>
+            </a:r>
+            <a:endParaRPr kumimoji="0" lang="it-IT" sz="900" b="0" i="0" u="none" strike="noStrike" kern="1200" cap="none" spc="0" normalizeH="0" baseline="0" noProof="0" dirty="0">
+              <a:ln>
+                <a:noFill/>
+              </a:ln>
+              <a:solidFill>
+                <a:srgbClr val="FFFFFF"/>
+              </a:solidFill>
+              <a:effectLst/>
+              <a:uLnTx/>
+              <a:uFillTx/>
+              <a:latin typeface="+mn-lt"/>
+              <a:ea typeface="ＭＳ Ｐゴシック" panose="020B0600070205080204" pitchFamily="34" charset="-128"/>
+              <a:cs typeface="Arial"/>
+            </a:endParaRPr>
+          </a:p>
+          <a:p>
+            <a:pPr>
+              <a:defRPr/>
+            </a:pPr>
+            <a:r>
+              <a:rPr lang="it-IT" sz="1200" dirty="0">
+                <a:solidFill>
+                  <a:srgbClr val="822433"/>
+                </a:solidFill>
+                <a:latin typeface="+mj-lt"/>
+                <a:ea typeface="ＭＳ Ｐゴシック"/>
+                <a:cs typeface="Arial"/>
+              </a:rPr>
+              <a:t>Backup slides</a:t>
+            </a:r>
+            <a:br>
+              <a:rPr lang="it-IT" sz="900" b="0" i="0" u="none" strike="noStrike" kern="1200" cap="none" spc="0" normalizeH="0" baseline="0" noProof="0" dirty="0">
+                <a:ln>
+                  <a:noFill/>
+                </a:ln>
+                <a:effectLst/>
+                <a:uLnTx/>
+                <a:uFillTx/>
+                <a:latin typeface="Platino lino"/>
+                <a:ea typeface="ＭＳ Ｐゴシック" panose="020B0600070205080204" pitchFamily="34" charset="-128"/>
+                <a:cs typeface="Arial"/>
+              </a:rPr>
+            </a:br>
+            <a:r>
+              <a:rPr kumimoji="0" lang="it-IT" sz="900" b="0" i="0" u="none" strike="noStrike" kern="1200" cap="none" spc="0" normalizeH="0" baseline="0" noProof="0" dirty="0">
+                <a:ln>
+                  <a:noFill/>
+                </a:ln>
+                <a:solidFill>
+                  <a:prstClr val="white"/>
+                </a:solidFill>
+                <a:effectLst/>
+                <a:uLnTx/>
+                <a:uFillTx/>
+                <a:latin typeface="Platino lino"/>
+                <a:ea typeface="ＭＳ Ｐゴシック"/>
+                <a:cs typeface="Arial"/>
+              </a:rPr>
+              <a:t>1 Sottotitolo</a:t>
+            </a:r>
+            <a:endParaRPr kumimoji="0" lang="it-IT" sz="900" b="0" i="0" u="none" strike="noStrike" kern="1200" cap="none" spc="0" normalizeH="0" baseline="0" noProof="0" dirty="0">
+              <a:ln>
+                <a:noFill/>
+              </a:ln>
+              <a:solidFill>
+                <a:prstClr val="white"/>
+              </a:solidFill>
+              <a:effectLst/>
+              <a:uLnTx/>
+              <a:uFillTx/>
+              <a:latin typeface="Platino lino"/>
+              <a:ea typeface="ＭＳ Ｐゴシック" panose="020B0600070205080204" pitchFamily="34" charset="-128"/>
+              <a:cs typeface="Arial"/>
+            </a:endParaRPr>
+          </a:p>
+        </p:txBody>
+      </p:sp>
+      <p:sp>
+        <p:nvSpPr>
+          <p:cNvPr id="7" name="Rectangle 1">
+            <a:extLst>
+              <a:ext uri="{FF2B5EF4-FFF2-40B4-BE49-F238E27FC236}">
+                <a16:creationId xmlns:a16="http://schemas.microsoft.com/office/drawing/2014/main" id="{73185D55-2DD4-1FEA-D737-0875BF6E000B}"/>
+              </a:ext>
+            </a:extLst>
+          </p:cNvPr>
+          <p:cNvSpPr>
+            <a:spLocks noChangeArrowheads="1"/>
+          </p:cNvSpPr>
+          <p:nvPr/>
+        </p:nvSpPr>
+        <p:spPr bwMode="auto">
+          <a:xfrm>
+            <a:off x="425451" y="2937658"/>
+            <a:ext cx="10600214" cy="457113"/>
+          </a:xfrm>
+          <a:prstGeom prst="rect">
+            <a:avLst/>
+          </a:prstGeom>
+          <a:noFill/>
+          <a:ln>
+            <a:noFill/>
+          </a:ln>
+          <a:effectLst/>
+          <a:extLst>
+            <a:ext uri="{909E8E84-426E-40DD-AFC4-6F175D3DCCD1}">
+              <a14:hiddenFill xmlns:a14="http://schemas.microsoft.com/office/drawing/2010/main">
+                <a:solidFill>
+                  <a:schemeClr val="accent1"/>
+                </a:solidFill>
+              </a14:hiddenFill>
+            </a:ext>
+            <a:ext uri="{91240B29-F687-4F45-9708-019B960494DF}">
+              <a14:hiddenLine xmlns:a14="http://schemas.microsoft.com/office/drawing/2010/main" w="9525">
+                <a:solidFill>
+                  <a:schemeClr val="tx1"/>
+                </a:solidFill>
+                <a:miter lim="800000"/>
+                <a:headEnd/>
+                <a:tailEnd/>
+              </a14:hiddenLine>
+            </a:ext>
+            <a:ext uri="{AF507438-7753-43E0-B8FC-AC1667EBCBE1}">
+              <a14:hiddenEffects xmlns:a14="http://schemas.microsoft.com/office/drawing/2010/main">
+                <a:effectLst>
+                  <a:outerShdw dist="35921" dir="2700000" algn="ctr" rotWithShape="0">
+                    <a:schemeClr val="bg2"/>
+                  </a:outerShdw>
+                </a:effectLst>
+              </a14:hiddenEffects>
+            </a:ext>
+          </a:extLst>
+        </p:spPr>
+        <p:txBody>
+          <a:bodyPr vert="horz" wrap="square" lIns="91440" tIns="45720" rIns="91440" bIns="45720" numCol="1" anchor="ctr" anchorCtr="0" compatLnSpc="1">
+            <a:prstTxWarp prst="textNoShape">
+              <a:avLst/>
+            </a:prstTxWarp>
+            <a:spAutoFit/>
+          </a:bodyPr>
+          <a:lstStyle/>
+          <a:p>
+            <a:endParaRPr lang="it-IT"/>
+          </a:p>
+        </p:txBody>
+      </p:sp>
+      <p:sp>
+        <p:nvSpPr>
+          <p:cNvPr id="3" name="CasellaDiTesto 2">
+            <a:extLst>
+              <a:ext uri="{FF2B5EF4-FFF2-40B4-BE49-F238E27FC236}">
+                <a16:creationId xmlns:a16="http://schemas.microsoft.com/office/drawing/2014/main" id="{3E3A486A-4D32-6F06-B91C-3D00D9A8F444}"/>
+              </a:ext>
+            </a:extLst>
+          </p:cNvPr>
+          <p:cNvSpPr txBox="1"/>
+          <p:nvPr/>
+        </p:nvSpPr>
+        <p:spPr>
+          <a:xfrm>
+            <a:off x="658265" y="1282700"/>
+            <a:ext cx="8104735" cy="2800767"/>
+          </a:xfrm>
+          <a:prstGeom prst="rect">
+            <a:avLst/>
+          </a:prstGeom>
+          <a:noFill/>
+        </p:spPr>
+        <p:txBody>
+          <a:bodyPr wrap="square" rtlCol="0">
+            <a:spAutoFit/>
+          </a:bodyPr>
+          <a:lstStyle/>
+          <a:p>
+            <a:r>
+              <a:rPr lang="it-IT" sz="1600" b="1" dirty="0">
+                <a:solidFill>
+                  <a:schemeClr val="tx1"/>
+                </a:solidFill>
+              </a:rPr>
+              <a:t>Feature </a:t>
+            </a:r>
+            <a:r>
+              <a:rPr lang="it-IT" sz="1600" b="1" dirty="0" err="1">
+                <a:solidFill>
+                  <a:schemeClr val="tx1"/>
+                </a:solidFill>
+              </a:rPr>
+              <a:t>Dimensions</a:t>
+            </a:r>
+            <a:r>
+              <a:rPr lang="it-IT" sz="1600" b="1" dirty="0">
+                <a:solidFill>
+                  <a:schemeClr val="tx1"/>
+                </a:solidFill>
+              </a:rPr>
+              <a:t> for SVM-</a:t>
+            </a:r>
+            <a:r>
+              <a:rPr lang="it-IT" sz="1600" b="1" dirty="0" err="1">
+                <a:solidFill>
+                  <a:schemeClr val="tx1"/>
+                </a:solidFill>
+              </a:rPr>
+              <a:t>based</a:t>
+            </a:r>
+            <a:r>
+              <a:rPr lang="it-IT" sz="1600" b="1" dirty="0">
+                <a:solidFill>
+                  <a:schemeClr val="tx1"/>
+                </a:solidFill>
+              </a:rPr>
+              <a:t> Models</a:t>
+            </a:r>
+            <a:r>
+              <a:rPr lang="it-IT" sz="1600" dirty="0">
+                <a:solidFill>
+                  <a:schemeClr val="tx1"/>
+                </a:solidFill>
+              </a:rPr>
+              <a:t>:</a:t>
+            </a:r>
+          </a:p>
+          <a:p>
+            <a:endParaRPr lang="it-IT" sz="1600" b="1" dirty="0">
+              <a:solidFill>
+                <a:schemeClr val="tx1"/>
+              </a:solidFill>
+            </a:endParaRPr>
+          </a:p>
+          <a:p>
+            <a:pPr marL="742950" lvl="1" indent="-285750">
+              <a:buFont typeface="Arial" panose="020B0604020202020204" pitchFamily="34" charset="0"/>
+              <a:buChar char="•"/>
+            </a:pPr>
+            <a:r>
+              <a:rPr lang="it-IT" sz="1400" b="1" dirty="0">
+                <a:solidFill>
+                  <a:schemeClr val="tx1"/>
+                </a:solidFill>
+              </a:rPr>
+              <a:t>LBP</a:t>
+            </a:r>
+            <a:r>
+              <a:rPr lang="it-IT" sz="1400" dirty="0">
+                <a:solidFill>
+                  <a:schemeClr val="tx1"/>
+                </a:solidFill>
+              </a:rPr>
+              <a:t>: </a:t>
+            </a:r>
+            <a:r>
+              <a:rPr lang="it-IT" sz="1400" dirty="0" err="1">
+                <a:solidFill>
+                  <a:schemeClr val="tx1"/>
+                </a:solidFill>
+              </a:rPr>
+              <a:t>Each</a:t>
+            </a:r>
+            <a:r>
+              <a:rPr lang="it-IT" sz="1400" dirty="0">
+                <a:solidFill>
+                  <a:schemeClr val="tx1"/>
+                </a:solidFill>
+              </a:rPr>
+              <a:t> feature </a:t>
+            </a:r>
+            <a:r>
+              <a:rPr lang="it-IT" sz="1400" dirty="0" err="1">
+                <a:solidFill>
+                  <a:schemeClr val="tx1"/>
+                </a:solidFill>
+              </a:rPr>
+              <a:t>consists</a:t>
+            </a:r>
+            <a:r>
+              <a:rPr lang="it-IT" sz="1400" dirty="0">
+                <a:solidFill>
+                  <a:schemeClr val="tx1"/>
+                </a:solidFill>
+              </a:rPr>
+              <a:t> of 26 </a:t>
+            </a:r>
+            <a:r>
+              <a:rPr lang="it-IT" sz="1400" dirty="0" err="1">
+                <a:solidFill>
+                  <a:schemeClr val="tx1"/>
+                </a:solidFill>
+              </a:rPr>
+              <a:t>components</a:t>
+            </a:r>
+            <a:r>
+              <a:rPr lang="it-IT" sz="1400" dirty="0">
+                <a:solidFill>
+                  <a:schemeClr val="tx1"/>
+                </a:solidFill>
+              </a:rPr>
+              <a:t>.</a:t>
+            </a:r>
+          </a:p>
+          <a:p>
+            <a:pPr marL="742950" lvl="1" indent="-285750">
+              <a:buFont typeface="Arial" panose="020B0604020202020204" pitchFamily="34" charset="0"/>
+              <a:buChar char="•"/>
+            </a:pPr>
+            <a:r>
+              <a:rPr lang="it-IT" sz="1400" b="1" dirty="0">
+                <a:solidFill>
+                  <a:schemeClr val="tx1"/>
+                </a:solidFill>
+              </a:rPr>
+              <a:t>HOG</a:t>
+            </a:r>
+            <a:r>
+              <a:rPr lang="it-IT" sz="1400" dirty="0">
+                <a:solidFill>
+                  <a:schemeClr val="tx1"/>
+                </a:solidFill>
+              </a:rPr>
+              <a:t>: </a:t>
+            </a:r>
+            <a:r>
+              <a:rPr lang="it-IT" sz="1400" dirty="0" err="1">
+                <a:solidFill>
+                  <a:schemeClr val="tx1"/>
+                </a:solidFill>
+              </a:rPr>
+              <a:t>Each</a:t>
+            </a:r>
+            <a:r>
+              <a:rPr lang="it-IT" sz="1400" dirty="0">
+                <a:solidFill>
+                  <a:schemeClr val="tx1"/>
+                </a:solidFill>
+              </a:rPr>
+              <a:t> feature </a:t>
+            </a:r>
+            <a:r>
+              <a:rPr lang="it-IT" sz="1400" dirty="0" err="1">
+                <a:solidFill>
+                  <a:schemeClr val="tx1"/>
+                </a:solidFill>
+              </a:rPr>
+              <a:t>consists</a:t>
+            </a:r>
+            <a:r>
+              <a:rPr lang="it-IT" sz="1400" dirty="0">
+                <a:solidFill>
+                  <a:schemeClr val="tx1"/>
+                </a:solidFill>
+              </a:rPr>
+              <a:t> of 26.244 </a:t>
+            </a:r>
+            <a:r>
+              <a:rPr lang="it-IT" sz="1400" dirty="0" err="1">
+                <a:solidFill>
+                  <a:schemeClr val="tx1"/>
+                </a:solidFill>
+              </a:rPr>
+              <a:t>components</a:t>
+            </a:r>
+            <a:r>
+              <a:rPr lang="it-IT" sz="1400" dirty="0">
+                <a:solidFill>
+                  <a:schemeClr val="tx1"/>
+                </a:solidFill>
+              </a:rPr>
+              <a:t>.</a:t>
+            </a:r>
+          </a:p>
+          <a:p>
+            <a:pPr marL="742950" lvl="1" indent="-285750">
+              <a:buFont typeface="Arial" panose="020B0604020202020204" pitchFamily="34" charset="0"/>
+              <a:buChar char="•"/>
+            </a:pPr>
+            <a:r>
+              <a:rPr lang="it-IT" sz="1400" b="1" dirty="0">
+                <a:solidFill>
+                  <a:schemeClr val="tx1"/>
+                </a:solidFill>
+              </a:rPr>
+              <a:t>Mean</a:t>
+            </a:r>
+            <a:r>
+              <a:rPr lang="it-IT" sz="1400" dirty="0">
+                <a:solidFill>
+                  <a:schemeClr val="tx1"/>
+                </a:solidFill>
+              </a:rPr>
+              <a:t> </a:t>
+            </a:r>
+            <a:r>
+              <a:rPr lang="it-IT" sz="1400" dirty="0" err="1">
+                <a:solidFill>
+                  <a:schemeClr val="tx1"/>
+                </a:solidFill>
+              </a:rPr>
+              <a:t>Sift</a:t>
+            </a:r>
+            <a:r>
+              <a:rPr lang="it-IT" sz="1400" dirty="0">
+                <a:solidFill>
+                  <a:schemeClr val="tx1"/>
+                </a:solidFill>
+              </a:rPr>
+              <a:t>: </a:t>
+            </a:r>
+            <a:r>
+              <a:rPr lang="it-IT" sz="1400" dirty="0" err="1">
+                <a:solidFill>
+                  <a:schemeClr val="tx1"/>
+                </a:solidFill>
+              </a:rPr>
+              <a:t>Each</a:t>
+            </a:r>
+            <a:r>
+              <a:rPr lang="it-IT" sz="1400" dirty="0">
+                <a:solidFill>
+                  <a:schemeClr val="tx1"/>
+                </a:solidFill>
+              </a:rPr>
+              <a:t> feature </a:t>
+            </a:r>
+            <a:r>
+              <a:rPr lang="it-IT" sz="1400" dirty="0" err="1">
+                <a:solidFill>
+                  <a:schemeClr val="tx1"/>
+                </a:solidFill>
+              </a:rPr>
+              <a:t>consists</a:t>
+            </a:r>
+            <a:r>
+              <a:rPr lang="it-IT" sz="1400" dirty="0">
+                <a:solidFill>
+                  <a:schemeClr val="tx1"/>
+                </a:solidFill>
+              </a:rPr>
+              <a:t> 128 </a:t>
+            </a:r>
+            <a:r>
+              <a:rPr lang="it-IT" sz="1400" dirty="0" err="1">
+                <a:solidFill>
+                  <a:schemeClr val="tx1"/>
+                </a:solidFill>
+              </a:rPr>
+              <a:t>components</a:t>
+            </a:r>
+            <a:r>
+              <a:rPr lang="it-IT" sz="1400" dirty="0">
+                <a:solidFill>
+                  <a:schemeClr val="tx1"/>
+                </a:solidFill>
+              </a:rPr>
+              <a:t>.</a:t>
+            </a:r>
+          </a:p>
+          <a:p>
+            <a:pPr marL="742950" lvl="1" indent="-285750">
+              <a:buFont typeface="Arial" panose="020B0604020202020204" pitchFamily="34" charset="0"/>
+              <a:buChar char="•"/>
+            </a:pPr>
+            <a:r>
+              <a:rPr lang="it-IT" sz="1400" b="1" dirty="0">
+                <a:solidFill>
+                  <a:schemeClr val="tx1"/>
+                </a:solidFill>
+              </a:rPr>
+              <a:t>Dense SIFT</a:t>
+            </a:r>
+            <a:r>
+              <a:rPr lang="it-IT" sz="1400" dirty="0">
+                <a:solidFill>
+                  <a:schemeClr val="tx1"/>
+                </a:solidFill>
+              </a:rPr>
+              <a:t>: </a:t>
+            </a:r>
+            <a:r>
+              <a:rPr lang="it-IT" sz="1400" dirty="0" err="1">
+                <a:solidFill>
+                  <a:schemeClr val="tx1"/>
+                </a:solidFill>
+              </a:rPr>
+              <a:t>Each</a:t>
+            </a:r>
+            <a:r>
+              <a:rPr lang="it-IT" sz="1400" dirty="0">
+                <a:solidFill>
+                  <a:schemeClr val="tx1"/>
+                </a:solidFill>
+              </a:rPr>
+              <a:t> feature </a:t>
+            </a:r>
+            <a:r>
+              <a:rPr lang="it-IT" sz="1400" dirty="0" err="1">
+                <a:solidFill>
+                  <a:schemeClr val="tx1"/>
+                </a:solidFill>
+              </a:rPr>
+              <a:t>consists</a:t>
+            </a:r>
+            <a:r>
+              <a:rPr lang="it-IT" sz="1400" dirty="0">
+                <a:solidFill>
+                  <a:schemeClr val="tx1"/>
+                </a:solidFill>
+              </a:rPr>
+              <a:t> 100.352 </a:t>
+            </a:r>
+            <a:r>
+              <a:rPr lang="it-IT" sz="1400" dirty="0" err="1">
+                <a:solidFill>
+                  <a:schemeClr val="tx1"/>
+                </a:solidFill>
+                <a:latin typeface="Consolas" panose="020B0609020204030204" pitchFamily="49" charset="0"/>
+              </a:rPr>
+              <a:t>components</a:t>
+            </a:r>
+            <a:r>
+              <a:rPr lang="it-IT" sz="1400" dirty="0">
+                <a:solidFill>
+                  <a:schemeClr val="tx1"/>
+                </a:solidFill>
+                <a:latin typeface="Consolas" panose="020B0609020204030204" pitchFamily="49" charset="0"/>
+              </a:rPr>
+              <a:t>.</a:t>
+            </a:r>
+            <a:endParaRPr lang="it-IT" sz="1400" b="0" dirty="0">
+              <a:solidFill>
+                <a:schemeClr val="tx1"/>
+              </a:solidFill>
+              <a:effectLst/>
+              <a:latin typeface="Consolas" panose="020B0609020204030204" pitchFamily="49" charset="0"/>
+            </a:endParaRPr>
+          </a:p>
+          <a:p>
+            <a:pPr marL="742950" lvl="1" indent="-285750">
+              <a:buFont typeface="Arial" panose="020B0604020202020204" pitchFamily="34" charset="0"/>
+              <a:buChar char="•"/>
+            </a:pPr>
+            <a:endParaRPr lang="it-IT" sz="1400" dirty="0">
+              <a:solidFill>
+                <a:schemeClr val="tx1"/>
+              </a:solidFill>
+            </a:endParaRPr>
+          </a:p>
+          <a:p>
+            <a:pPr marL="1200150" lvl="2" indent="-285750">
+              <a:buFont typeface="Arial" panose="020B0604020202020204" pitchFamily="34" charset="0"/>
+              <a:buChar char="•"/>
+            </a:pPr>
+            <a:endParaRPr lang="it-IT" sz="1400" dirty="0">
+              <a:solidFill>
+                <a:schemeClr val="tx1"/>
+              </a:solidFill>
+            </a:endParaRPr>
+          </a:p>
+          <a:p>
+            <a:pPr marL="1200150" lvl="2" indent="-285750">
+              <a:buFont typeface="Arial" panose="020B0604020202020204" pitchFamily="34" charset="0"/>
+              <a:buChar char="•"/>
+            </a:pPr>
+            <a:endParaRPr lang="it-IT" sz="1400" dirty="0">
+              <a:solidFill>
+                <a:schemeClr val="tx1"/>
+              </a:solidFill>
+            </a:endParaRPr>
+          </a:p>
+          <a:p>
+            <a:pPr marL="1200150" lvl="2" indent="-285750">
+              <a:buFont typeface="Arial" panose="020B0604020202020204" pitchFamily="34" charset="0"/>
+              <a:buChar char="•"/>
+            </a:pPr>
+            <a:endParaRPr lang="it-IT" sz="1400" dirty="0">
+              <a:solidFill>
+                <a:schemeClr val="tx1"/>
+              </a:solidFill>
+            </a:endParaRPr>
+          </a:p>
+          <a:p>
+            <a:pPr marL="342900" indent="-342900">
+              <a:buFont typeface="+mj-lt"/>
+              <a:buAutoNum type="arabicPeriod"/>
+            </a:pPr>
+            <a:endParaRPr lang="it-IT" sz="1600" b="1" dirty="0">
+              <a:solidFill>
+                <a:schemeClr val="tx1"/>
+              </a:solidFill>
+            </a:endParaRPr>
+          </a:p>
+          <a:p>
+            <a:pPr marL="342900" indent="-342900">
+              <a:buFont typeface="+mj-lt"/>
+              <a:buAutoNum type="arabicPeriod"/>
+            </a:pPr>
+            <a:endParaRPr lang="it-IT" sz="1600" b="1" dirty="0">
+              <a:solidFill>
+                <a:schemeClr val="tx1"/>
+              </a:solidFill>
+            </a:endParaRPr>
+          </a:p>
+        </p:txBody>
+      </p:sp>
+    </p:spTree>
+    <p:extLst>
+      <p:ext uri="{BB962C8B-B14F-4D97-AF65-F5344CB8AC3E}">
+        <p14:creationId xmlns:p14="http://schemas.microsoft.com/office/powerpoint/2010/main" val="4083354188"/>
       </p:ext>
     </p:extLst>
   </p:cSld>
